--- a/Design+Setup Notes/Circuit Diagrams.pptx
+++ b/Design+Setup Notes/Circuit Diagrams.pptx
@@ -10,6 +10,7 @@
     <p:sldId id="258" r:id="rId4"/>
     <p:sldId id="259" r:id="rId5"/>
     <p:sldId id="260" r:id="rId6"/>
+    <p:sldId id="261" r:id="rId7"/>
   </p:sldIdLst>
   <p:sldSz cx="12192000" cy="6858000"/>
   <p:notesSz cx="6858000" cy="9144000"/>
@@ -267,7 +268,7 @@
           <a:p>
             <a:fld id="{CEA465B2-29EA-4E60-A66D-641744856D1F}" type="datetimeFigureOut">
               <a:rPr lang="en-US" smtClean="0"/>
-              <a:t>11/14/2017</a:t>
+              <a:t>1/26/2018</a:t>
             </a:fld>
             <a:endParaRPr lang="en-US"/>
           </a:p>
@@ -465,7 +466,7 @@
           <a:p>
             <a:fld id="{CEA465B2-29EA-4E60-A66D-641744856D1F}" type="datetimeFigureOut">
               <a:rPr lang="en-US" smtClean="0"/>
-              <a:t>11/14/2017</a:t>
+              <a:t>1/26/2018</a:t>
             </a:fld>
             <a:endParaRPr lang="en-US"/>
           </a:p>
@@ -673,7 +674,7 @@
           <a:p>
             <a:fld id="{CEA465B2-29EA-4E60-A66D-641744856D1F}" type="datetimeFigureOut">
               <a:rPr lang="en-US" smtClean="0"/>
-              <a:t>11/14/2017</a:t>
+              <a:t>1/26/2018</a:t>
             </a:fld>
             <a:endParaRPr lang="en-US"/>
           </a:p>
@@ -871,7 +872,7 @@
           <a:p>
             <a:fld id="{CEA465B2-29EA-4E60-A66D-641744856D1F}" type="datetimeFigureOut">
               <a:rPr lang="en-US" smtClean="0"/>
-              <a:t>11/14/2017</a:t>
+              <a:t>1/26/2018</a:t>
             </a:fld>
             <a:endParaRPr lang="en-US"/>
           </a:p>
@@ -1146,7 +1147,7 @@
           <a:p>
             <a:fld id="{CEA465B2-29EA-4E60-A66D-641744856D1F}" type="datetimeFigureOut">
               <a:rPr lang="en-US" smtClean="0"/>
-              <a:t>11/14/2017</a:t>
+              <a:t>1/26/2018</a:t>
             </a:fld>
             <a:endParaRPr lang="en-US"/>
           </a:p>
@@ -1411,7 +1412,7 @@
           <a:p>
             <a:fld id="{CEA465B2-29EA-4E60-A66D-641744856D1F}" type="datetimeFigureOut">
               <a:rPr lang="en-US" smtClean="0"/>
-              <a:t>11/14/2017</a:t>
+              <a:t>1/26/2018</a:t>
             </a:fld>
             <a:endParaRPr lang="en-US"/>
           </a:p>
@@ -1823,7 +1824,7 @@
           <a:p>
             <a:fld id="{CEA465B2-29EA-4E60-A66D-641744856D1F}" type="datetimeFigureOut">
               <a:rPr lang="en-US" smtClean="0"/>
-              <a:t>11/14/2017</a:t>
+              <a:t>1/26/2018</a:t>
             </a:fld>
             <a:endParaRPr lang="en-US"/>
           </a:p>
@@ -1964,7 +1965,7 @@
           <a:p>
             <a:fld id="{CEA465B2-29EA-4E60-A66D-641744856D1F}" type="datetimeFigureOut">
               <a:rPr lang="en-US" smtClean="0"/>
-              <a:t>11/14/2017</a:t>
+              <a:t>1/26/2018</a:t>
             </a:fld>
             <a:endParaRPr lang="en-US"/>
           </a:p>
@@ -2077,7 +2078,7 @@
           <a:p>
             <a:fld id="{CEA465B2-29EA-4E60-A66D-641744856D1F}" type="datetimeFigureOut">
               <a:rPr lang="en-US" smtClean="0"/>
-              <a:t>11/14/2017</a:t>
+              <a:t>1/26/2018</a:t>
             </a:fld>
             <a:endParaRPr lang="en-US"/>
           </a:p>
@@ -2388,7 +2389,7 @@
           <a:p>
             <a:fld id="{CEA465B2-29EA-4E60-A66D-641744856D1F}" type="datetimeFigureOut">
               <a:rPr lang="en-US" smtClean="0"/>
-              <a:t>11/14/2017</a:t>
+              <a:t>1/26/2018</a:t>
             </a:fld>
             <a:endParaRPr lang="en-US"/>
           </a:p>
@@ -2676,7 +2677,7 @@
           <a:p>
             <a:fld id="{CEA465B2-29EA-4E60-A66D-641744856D1F}" type="datetimeFigureOut">
               <a:rPr lang="en-US" smtClean="0"/>
-              <a:t>11/14/2017</a:t>
+              <a:t>1/26/2018</a:t>
             </a:fld>
             <a:endParaRPr lang="en-US"/>
           </a:p>
@@ -2917,7 +2918,7 @@
           <a:p>
             <a:fld id="{CEA465B2-29EA-4E60-A66D-641744856D1F}" type="datetimeFigureOut">
               <a:rPr lang="en-US" smtClean="0"/>
-              <a:t>11/14/2017</a:t>
+              <a:t>1/26/2018</a:t>
             </a:fld>
             <a:endParaRPr lang="en-US"/>
           </a:p>
@@ -10797,6 +10798,42 @@
           <a:chExt cx="0" cy="0"/>
         </a:xfrm>
       </p:grpSpPr>
+      <p:pic>
+        <p:nvPicPr>
+          <p:cNvPr id="5" name="Picture 4">
+            <a:extLst>
+              <a:ext uri="{FF2B5EF4-FFF2-40B4-BE49-F238E27FC236}">
+                <a16:creationId xmlns:a16="http://schemas.microsoft.com/office/drawing/2014/main" id="{C3C83D19-6DD9-42F1-A46B-DC006462DFB5}"/>
+              </a:ext>
+            </a:extLst>
+          </p:cNvPr>
+          <p:cNvPicPr>
+            <a:picLocks noChangeAspect="1"/>
+          </p:cNvPicPr>
+          <p:nvPr/>
+        </p:nvPicPr>
+        <p:blipFill>
+          <a:blip r:embed="rId2">
+            <a:extLst>
+              <a:ext uri="{28A0092B-C50C-407E-A947-70E740481C1C}">
+                <a14:useLocalDpi xmlns:a14="http://schemas.microsoft.com/office/drawing/2010/main" val="0"/>
+              </a:ext>
+            </a:extLst>
+          </a:blip>
+          <a:stretch>
+            <a:fillRect/>
+          </a:stretch>
+        </p:blipFill>
+        <p:spPr>
+          <a:xfrm>
+            <a:off x="2874046" y="-6790"/>
+            <a:ext cx="1109083" cy="1157304"/>
+          </a:xfrm>
+          <a:prstGeom prst="rect">
+            <a:avLst/>
+          </a:prstGeom>
+        </p:spPr>
+      </p:pic>
       <p:sp>
         <p:nvSpPr>
           <p:cNvPr id="379" name="TextBox 378">
@@ -10960,7 +10997,7 @@
           <p:nvPr/>
         </p:nvPicPr>
         <p:blipFill>
-          <a:blip r:embed="rId2">
+          <a:blip r:embed="rId3">
             <a:extLst>
               <a:ext uri="{28A0092B-C50C-407E-A947-70E740481C1C}">
                 <a14:useLocalDpi xmlns:a14="http://schemas.microsoft.com/office/drawing/2010/main" val="0"/>
@@ -11007,7 +11044,7 @@
           <p:nvPr/>
         </p:nvPicPr>
         <p:blipFill>
-          <a:blip r:embed="rId3">
+          <a:blip r:embed="rId4">
             <a:extLst>
               <a:ext uri="{28A0092B-C50C-407E-A947-70E740481C1C}">
                 <a14:useLocalDpi xmlns:a14="http://schemas.microsoft.com/office/drawing/2010/main" val="0"/>
@@ -11142,42 +11179,6 @@
           </a:fontRef>
         </p:style>
       </p:cxnSp>
-      <p:pic>
-        <p:nvPicPr>
-          <p:cNvPr id="5" name="Picture 4">
-            <a:extLst>
-              <a:ext uri="{FF2B5EF4-FFF2-40B4-BE49-F238E27FC236}">
-                <a16:creationId xmlns:a16="http://schemas.microsoft.com/office/drawing/2014/main" id="{C3C83D19-6DD9-42F1-A46B-DC006462DFB5}"/>
-              </a:ext>
-            </a:extLst>
-          </p:cNvPr>
-          <p:cNvPicPr>
-            <a:picLocks noChangeAspect="1"/>
-          </p:cNvPicPr>
-          <p:nvPr/>
-        </p:nvPicPr>
-        <p:blipFill>
-          <a:blip r:embed="rId4">
-            <a:extLst>
-              <a:ext uri="{28A0092B-C50C-407E-A947-70E740481C1C}">
-                <a14:useLocalDpi xmlns:a14="http://schemas.microsoft.com/office/drawing/2010/main" val="0"/>
-              </a:ext>
-            </a:extLst>
-          </a:blip>
-          <a:stretch>
-            <a:fillRect/>
-          </a:stretch>
-        </p:blipFill>
-        <p:spPr>
-          <a:xfrm>
-            <a:off x="2874046" y="-6791"/>
-            <a:ext cx="1108095" cy="1156273"/>
-          </a:xfrm>
-          <a:prstGeom prst="rect">
-            <a:avLst/>
-          </a:prstGeom>
-        </p:spPr>
-      </p:pic>
       <p:pic>
         <p:nvPicPr>
           <p:cNvPr id="1028" name="Picture 4" descr="Image result for raspberry pi">
@@ -16502,6 +16503,6187 @@
     <p:extLst>
       <p:ext uri="{BB962C8B-B14F-4D97-AF65-F5344CB8AC3E}">
         <p14:creationId xmlns:p14="http://schemas.microsoft.com/office/powerpoint/2010/main" val="2021302946"/>
+      </p:ext>
+    </p:extLst>
+  </p:cSld>
+  <p:clrMapOvr>
+    <a:masterClrMapping/>
+  </p:clrMapOvr>
+</p:sld>
+</file>
+
+<file path=ppt/slides/slide6.xml><?xml version="1.0" encoding="utf-8"?>
+<p:sld xmlns:a="http://schemas.openxmlformats.org/drawingml/2006/main" xmlns:r="http://schemas.openxmlformats.org/officeDocument/2006/relationships" xmlns:p="http://schemas.openxmlformats.org/presentationml/2006/main">
+  <p:cSld>
+    <p:spTree>
+      <p:nvGrpSpPr>
+        <p:cNvPr id="1" name=""/>
+        <p:cNvGrpSpPr/>
+        <p:nvPr/>
+      </p:nvGrpSpPr>
+      <p:grpSpPr>
+        <a:xfrm>
+          <a:off x="0" y="0"/>
+          <a:ext cx="0" cy="0"/>
+          <a:chOff x="0" y="0"/>
+          <a:chExt cx="0" cy="0"/>
+        </a:xfrm>
+      </p:grpSpPr>
+      <p:sp>
+        <p:nvSpPr>
+          <p:cNvPr id="235" name="Rectangle 234">
+            <a:extLst>
+              <a:ext uri="{FF2B5EF4-FFF2-40B4-BE49-F238E27FC236}">
+                <a16:creationId xmlns:a16="http://schemas.microsoft.com/office/drawing/2014/main" id="{14A944CD-B27F-4184-A47F-8EA0F45A094B}"/>
+              </a:ext>
+            </a:extLst>
+          </p:cNvPr>
+          <p:cNvSpPr/>
+          <p:nvPr/>
+        </p:nvSpPr>
+        <p:spPr>
+          <a:xfrm>
+            <a:off x="11387115" y="210960"/>
+            <a:ext cx="652516" cy="731354"/>
+          </a:xfrm>
+          <a:prstGeom prst="rect">
+            <a:avLst/>
+          </a:prstGeom>
+          <a:solidFill>
+            <a:schemeClr val="bg1">
+              <a:lumMod val="95000"/>
+            </a:schemeClr>
+          </a:solidFill>
+          <a:ln>
+            <a:solidFill>
+              <a:schemeClr val="bg1">
+                <a:lumMod val="85000"/>
+              </a:schemeClr>
+            </a:solidFill>
+          </a:ln>
+        </p:spPr>
+        <p:style>
+          <a:lnRef idx="2">
+            <a:schemeClr val="accent1">
+              <a:shade val="50000"/>
+            </a:schemeClr>
+          </a:lnRef>
+          <a:fillRef idx="1">
+            <a:schemeClr val="accent1"/>
+          </a:fillRef>
+          <a:effectRef idx="0">
+            <a:schemeClr val="accent1"/>
+          </a:effectRef>
+          <a:fontRef idx="minor">
+            <a:schemeClr val="lt1"/>
+          </a:fontRef>
+        </p:style>
+        <p:txBody>
+          <a:bodyPr rtlCol="0" anchor="ctr"/>
+          <a:lstStyle/>
+          <a:p>
+            <a:pPr algn="ctr"/>
+            <a:endParaRPr lang="en-US"/>
+          </a:p>
+        </p:txBody>
+      </p:sp>
+      <p:pic>
+        <p:nvPicPr>
+          <p:cNvPr id="4" name="Picture 4" descr="Image result for raspberry pi">
+            <a:extLst>
+              <a:ext uri="{FF2B5EF4-FFF2-40B4-BE49-F238E27FC236}">
+                <a16:creationId xmlns:a16="http://schemas.microsoft.com/office/drawing/2014/main" id="{D091A0F7-189E-481B-9DD1-6F90A4501DF9}"/>
+              </a:ext>
+            </a:extLst>
+          </p:cNvPr>
+          <p:cNvPicPr>
+            <a:picLocks noChangeAspect="1" noChangeArrowheads="1"/>
+          </p:cNvPicPr>
+          <p:nvPr/>
+        </p:nvPicPr>
+        <p:blipFill>
+          <a:blip r:embed="rId2">
+            <a:extLst>
+              <a:ext uri="{28A0092B-C50C-407E-A947-70E740481C1C}">
+                <a14:useLocalDpi xmlns:a14="http://schemas.microsoft.com/office/drawing/2010/main" val="0"/>
+              </a:ext>
+            </a:extLst>
+          </a:blip>
+          <a:srcRect/>
+          <a:stretch>
+            <a:fillRect/>
+          </a:stretch>
+        </p:blipFill>
+        <p:spPr bwMode="auto">
+          <a:xfrm rot="10800000">
+            <a:off x="988210" y="2592329"/>
+            <a:ext cx="1905000" cy="1306493"/>
+          </a:xfrm>
+          <a:prstGeom prst="rect">
+            <a:avLst/>
+          </a:prstGeom>
+          <a:noFill/>
+          <a:extLst>
+            <a:ext uri="{909E8E84-426E-40DD-AFC4-6F175D3DCCD1}">
+              <a14:hiddenFill xmlns:a14="http://schemas.microsoft.com/office/drawing/2010/main">
+                <a:solidFill>
+                  <a:srgbClr val="FFFFFF"/>
+                </a:solidFill>
+              </a14:hiddenFill>
+            </a:ext>
+          </a:extLst>
+        </p:spPr>
+      </p:pic>
+      <p:pic>
+        <p:nvPicPr>
+          <p:cNvPr id="6" name="Picture 2" descr="Image result for e6b2-cwz3e">
+            <a:extLst>
+              <a:ext uri="{FF2B5EF4-FFF2-40B4-BE49-F238E27FC236}">
+                <a16:creationId xmlns:a16="http://schemas.microsoft.com/office/drawing/2014/main" id="{AA1C81C7-AD62-4964-BE1C-478B21243142}"/>
+              </a:ext>
+            </a:extLst>
+          </p:cNvPr>
+          <p:cNvPicPr>
+            <a:picLocks noChangeAspect="1" noChangeArrowheads="1"/>
+          </p:cNvPicPr>
+          <p:nvPr/>
+        </p:nvPicPr>
+        <p:blipFill rotWithShape="1">
+          <a:blip r:embed="rId3">
+            <a:extLst>
+              <a:ext uri="{28A0092B-C50C-407E-A947-70E740481C1C}">
+                <a14:useLocalDpi xmlns:a14="http://schemas.microsoft.com/office/drawing/2010/main" val="0"/>
+              </a:ext>
+            </a:extLst>
+          </a:blip>
+          <a:srcRect b="6800"/>
+          <a:stretch/>
+        </p:blipFill>
+        <p:spPr bwMode="auto">
+          <a:xfrm>
+            <a:off x="10576528" y="3429000"/>
+            <a:ext cx="1267060" cy="1180900"/>
+          </a:xfrm>
+          <a:prstGeom prst="rect">
+            <a:avLst/>
+          </a:prstGeom>
+          <a:noFill/>
+          <a:extLst>
+            <a:ext uri="{909E8E84-426E-40DD-AFC4-6F175D3DCCD1}">
+              <a14:hiddenFill xmlns:a14="http://schemas.microsoft.com/office/drawing/2010/main">
+                <a:solidFill>
+                  <a:srgbClr val="FFFFFF"/>
+                </a:solidFill>
+              </a14:hiddenFill>
+            </a:ext>
+          </a:extLst>
+        </p:spPr>
+      </p:pic>
+      <p:cxnSp>
+        <p:nvCxnSpPr>
+          <p:cNvPr id="7" name="Connector: Curved 6">
+            <a:extLst>
+              <a:ext uri="{FF2B5EF4-FFF2-40B4-BE49-F238E27FC236}">
+                <a16:creationId xmlns:a16="http://schemas.microsoft.com/office/drawing/2014/main" id="{2518FB9A-4D70-4004-AC56-8A076697A332}"/>
+              </a:ext>
+            </a:extLst>
+          </p:cNvPr>
+          <p:cNvCxnSpPr>
+            <a:cxnSpLocks/>
+          </p:cNvCxnSpPr>
+          <p:nvPr/>
+        </p:nvCxnSpPr>
+        <p:spPr>
+          <a:xfrm flipV="1">
+            <a:off x="9309468" y="4092485"/>
+            <a:ext cx="1267060" cy="351592"/>
+          </a:xfrm>
+          <a:prstGeom prst="curvedConnector3">
+            <a:avLst>
+              <a:gd name="adj1" fmla="val 50000"/>
+            </a:avLst>
+          </a:prstGeom>
+          <a:ln w="19050">
+            <a:solidFill>
+              <a:schemeClr val="tx1"/>
+            </a:solidFill>
+          </a:ln>
+        </p:spPr>
+        <p:style>
+          <a:lnRef idx="1">
+            <a:schemeClr val="accent1"/>
+          </a:lnRef>
+          <a:fillRef idx="0">
+            <a:schemeClr val="accent1"/>
+          </a:fillRef>
+          <a:effectRef idx="0">
+            <a:schemeClr val="accent1"/>
+          </a:effectRef>
+          <a:fontRef idx="minor">
+            <a:schemeClr val="tx1"/>
+          </a:fontRef>
+        </p:style>
+      </p:cxnSp>
+      <p:cxnSp>
+        <p:nvCxnSpPr>
+          <p:cNvPr id="8" name="Connector: Curved 7">
+            <a:extLst>
+              <a:ext uri="{FF2B5EF4-FFF2-40B4-BE49-F238E27FC236}">
+                <a16:creationId xmlns:a16="http://schemas.microsoft.com/office/drawing/2014/main" id="{2B1002F1-4575-4974-A159-074E52CA044B}"/>
+              </a:ext>
+            </a:extLst>
+          </p:cNvPr>
+          <p:cNvCxnSpPr>
+            <a:cxnSpLocks/>
+          </p:cNvCxnSpPr>
+          <p:nvPr/>
+        </p:nvCxnSpPr>
+        <p:spPr>
+          <a:xfrm flipV="1">
+            <a:off x="9807543" y="4125958"/>
+            <a:ext cx="768985" cy="698978"/>
+          </a:xfrm>
+          <a:prstGeom prst="curvedConnector3">
+            <a:avLst/>
+          </a:prstGeom>
+          <a:ln w="19050">
+            <a:solidFill>
+              <a:schemeClr val="accent2">
+                <a:lumMod val="50000"/>
+              </a:schemeClr>
+            </a:solidFill>
+          </a:ln>
+        </p:spPr>
+        <p:style>
+          <a:lnRef idx="1">
+            <a:schemeClr val="accent1"/>
+          </a:lnRef>
+          <a:fillRef idx="0">
+            <a:schemeClr val="accent1"/>
+          </a:fillRef>
+          <a:effectRef idx="0">
+            <a:schemeClr val="accent1"/>
+          </a:effectRef>
+          <a:fontRef idx="minor">
+            <a:schemeClr val="tx1"/>
+          </a:fontRef>
+        </p:style>
+      </p:cxnSp>
+      <p:cxnSp>
+        <p:nvCxnSpPr>
+          <p:cNvPr id="9" name="Connector: Curved 8">
+            <a:extLst>
+              <a:ext uri="{FF2B5EF4-FFF2-40B4-BE49-F238E27FC236}">
+                <a16:creationId xmlns:a16="http://schemas.microsoft.com/office/drawing/2014/main" id="{4BE9A9B8-F5D5-425A-9CAB-DF7A174A9E97}"/>
+              </a:ext>
+            </a:extLst>
+          </p:cNvPr>
+          <p:cNvCxnSpPr>
+            <a:cxnSpLocks/>
+          </p:cNvCxnSpPr>
+          <p:nvPr/>
+        </p:nvCxnSpPr>
+        <p:spPr>
+          <a:xfrm flipV="1">
+            <a:off x="9661051" y="4109221"/>
+            <a:ext cx="915477" cy="623634"/>
+          </a:xfrm>
+          <a:prstGeom prst="curvedConnector3">
+            <a:avLst>
+              <a:gd name="adj1" fmla="val 50000"/>
+            </a:avLst>
+          </a:prstGeom>
+          <a:ln w="19050">
+            <a:solidFill>
+              <a:schemeClr val="accent1"/>
+            </a:solidFill>
+          </a:ln>
+        </p:spPr>
+        <p:style>
+          <a:lnRef idx="1">
+            <a:schemeClr val="accent1"/>
+          </a:lnRef>
+          <a:fillRef idx="0">
+            <a:schemeClr val="accent1"/>
+          </a:fillRef>
+          <a:effectRef idx="0">
+            <a:schemeClr val="accent1"/>
+          </a:effectRef>
+          <a:fontRef idx="minor">
+            <a:schemeClr val="tx1"/>
+          </a:fontRef>
+        </p:style>
+      </p:cxnSp>
+      <p:cxnSp>
+        <p:nvCxnSpPr>
+          <p:cNvPr id="10" name="Connector: Curved 9">
+            <a:extLst>
+              <a:ext uri="{FF2B5EF4-FFF2-40B4-BE49-F238E27FC236}">
+                <a16:creationId xmlns:a16="http://schemas.microsoft.com/office/drawing/2014/main" id="{DA0B8ECB-697E-4989-8FAA-B5FA15A4F40D}"/>
+              </a:ext>
+            </a:extLst>
+          </p:cNvPr>
+          <p:cNvCxnSpPr>
+            <a:cxnSpLocks/>
+          </p:cNvCxnSpPr>
+          <p:nvPr/>
+        </p:nvCxnSpPr>
+        <p:spPr>
+          <a:xfrm flipV="1">
+            <a:off x="9472702" y="4109221"/>
+            <a:ext cx="1101734" cy="464607"/>
+          </a:xfrm>
+          <a:prstGeom prst="curvedConnector3">
+            <a:avLst>
+              <a:gd name="adj1" fmla="val 50000"/>
+            </a:avLst>
+          </a:prstGeom>
+          <a:ln w="19050">
+            <a:solidFill>
+              <a:schemeClr val="bg1">
+                <a:lumMod val="75000"/>
+              </a:schemeClr>
+            </a:solidFill>
+          </a:ln>
+        </p:spPr>
+        <p:style>
+          <a:lnRef idx="1">
+            <a:schemeClr val="accent1"/>
+          </a:lnRef>
+          <a:fillRef idx="0">
+            <a:schemeClr val="accent1"/>
+          </a:fillRef>
+          <a:effectRef idx="0">
+            <a:schemeClr val="accent1"/>
+          </a:effectRef>
+          <a:fontRef idx="minor">
+            <a:schemeClr val="tx1"/>
+          </a:fontRef>
+        </p:style>
+      </p:cxnSp>
+      <p:pic>
+        <p:nvPicPr>
+          <p:cNvPr id="11" name="Picture 2" descr="Image result for e6b2-cwz3e">
+            <a:extLst>
+              <a:ext uri="{FF2B5EF4-FFF2-40B4-BE49-F238E27FC236}">
+                <a16:creationId xmlns:a16="http://schemas.microsoft.com/office/drawing/2014/main" id="{0ACCAE92-515B-45EC-873D-A6397583F2FC}"/>
+              </a:ext>
+            </a:extLst>
+          </p:cNvPr>
+          <p:cNvPicPr>
+            <a:picLocks noChangeAspect="1" noChangeArrowheads="1"/>
+          </p:cNvPicPr>
+          <p:nvPr/>
+        </p:nvPicPr>
+        <p:blipFill rotWithShape="1">
+          <a:blip r:embed="rId3">
+            <a:extLst>
+              <a:ext uri="{28A0092B-C50C-407E-A947-70E740481C1C}">
+                <a14:useLocalDpi xmlns:a14="http://schemas.microsoft.com/office/drawing/2010/main" val="0"/>
+              </a:ext>
+            </a:extLst>
+          </a:blip>
+          <a:srcRect b="6800"/>
+          <a:stretch/>
+        </p:blipFill>
+        <p:spPr bwMode="auto">
+          <a:xfrm>
+            <a:off x="10574436" y="4652086"/>
+            <a:ext cx="1267060" cy="1180900"/>
+          </a:xfrm>
+          <a:prstGeom prst="rect">
+            <a:avLst/>
+          </a:prstGeom>
+          <a:noFill/>
+          <a:extLst>
+            <a:ext uri="{909E8E84-426E-40DD-AFC4-6F175D3DCCD1}">
+              <a14:hiddenFill xmlns:a14="http://schemas.microsoft.com/office/drawing/2010/main">
+                <a:solidFill>
+                  <a:srgbClr val="FFFFFF"/>
+                </a:solidFill>
+              </a14:hiddenFill>
+            </a:ext>
+          </a:extLst>
+        </p:spPr>
+      </p:pic>
+      <p:cxnSp>
+        <p:nvCxnSpPr>
+          <p:cNvPr id="12" name="Connector: Curved 11">
+            <a:extLst>
+              <a:ext uri="{FF2B5EF4-FFF2-40B4-BE49-F238E27FC236}">
+                <a16:creationId xmlns:a16="http://schemas.microsoft.com/office/drawing/2014/main" id="{E2883480-0E11-4159-BCD0-C0603DD84890}"/>
+              </a:ext>
+            </a:extLst>
+          </p:cNvPr>
+          <p:cNvCxnSpPr>
+            <a:cxnSpLocks/>
+          </p:cNvCxnSpPr>
+          <p:nvPr/>
+        </p:nvCxnSpPr>
+        <p:spPr>
+          <a:xfrm flipV="1">
+            <a:off x="9307376" y="5315571"/>
+            <a:ext cx="1267060" cy="351592"/>
+          </a:xfrm>
+          <a:prstGeom prst="curvedConnector3">
+            <a:avLst>
+              <a:gd name="adj1" fmla="val 50000"/>
+            </a:avLst>
+          </a:prstGeom>
+          <a:ln w="19050">
+            <a:solidFill>
+              <a:schemeClr val="tx1"/>
+            </a:solidFill>
+          </a:ln>
+        </p:spPr>
+        <p:style>
+          <a:lnRef idx="1">
+            <a:schemeClr val="accent1"/>
+          </a:lnRef>
+          <a:fillRef idx="0">
+            <a:schemeClr val="accent1"/>
+          </a:fillRef>
+          <a:effectRef idx="0">
+            <a:schemeClr val="accent1"/>
+          </a:effectRef>
+          <a:fontRef idx="minor">
+            <a:schemeClr val="tx1"/>
+          </a:fontRef>
+        </p:style>
+      </p:cxnSp>
+      <p:cxnSp>
+        <p:nvCxnSpPr>
+          <p:cNvPr id="13" name="Connector: Curved 12">
+            <a:extLst>
+              <a:ext uri="{FF2B5EF4-FFF2-40B4-BE49-F238E27FC236}">
+                <a16:creationId xmlns:a16="http://schemas.microsoft.com/office/drawing/2014/main" id="{9B1C5289-EC3E-43C1-BFB5-8087751B68A5}"/>
+              </a:ext>
+            </a:extLst>
+          </p:cNvPr>
+          <p:cNvCxnSpPr>
+            <a:cxnSpLocks/>
+          </p:cNvCxnSpPr>
+          <p:nvPr/>
+        </p:nvCxnSpPr>
+        <p:spPr>
+          <a:xfrm flipV="1">
+            <a:off x="9805451" y="5349044"/>
+            <a:ext cx="768985" cy="698978"/>
+          </a:xfrm>
+          <a:prstGeom prst="curvedConnector3">
+            <a:avLst/>
+          </a:prstGeom>
+          <a:ln w="19050">
+            <a:solidFill>
+              <a:schemeClr val="accent2">
+                <a:lumMod val="50000"/>
+              </a:schemeClr>
+            </a:solidFill>
+          </a:ln>
+        </p:spPr>
+        <p:style>
+          <a:lnRef idx="1">
+            <a:schemeClr val="accent1"/>
+          </a:lnRef>
+          <a:fillRef idx="0">
+            <a:schemeClr val="accent1"/>
+          </a:fillRef>
+          <a:effectRef idx="0">
+            <a:schemeClr val="accent1"/>
+          </a:effectRef>
+          <a:fontRef idx="minor">
+            <a:schemeClr val="tx1"/>
+          </a:fontRef>
+        </p:style>
+      </p:cxnSp>
+      <p:cxnSp>
+        <p:nvCxnSpPr>
+          <p:cNvPr id="14" name="Connector: Curved 13">
+            <a:extLst>
+              <a:ext uri="{FF2B5EF4-FFF2-40B4-BE49-F238E27FC236}">
+                <a16:creationId xmlns:a16="http://schemas.microsoft.com/office/drawing/2014/main" id="{72C03AAD-2BCE-47AC-85E3-AE13E80FD08D}"/>
+              </a:ext>
+            </a:extLst>
+          </p:cNvPr>
+          <p:cNvCxnSpPr>
+            <a:cxnSpLocks/>
+          </p:cNvCxnSpPr>
+          <p:nvPr/>
+        </p:nvCxnSpPr>
+        <p:spPr>
+          <a:xfrm flipV="1">
+            <a:off x="9658959" y="5332307"/>
+            <a:ext cx="915477" cy="623634"/>
+          </a:xfrm>
+          <a:prstGeom prst="curvedConnector3">
+            <a:avLst>
+              <a:gd name="adj1" fmla="val 50000"/>
+            </a:avLst>
+          </a:prstGeom>
+          <a:ln w="19050">
+            <a:solidFill>
+              <a:schemeClr val="accent1"/>
+            </a:solidFill>
+          </a:ln>
+        </p:spPr>
+        <p:style>
+          <a:lnRef idx="1">
+            <a:schemeClr val="accent1"/>
+          </a:lnRef>
+          <a:fillRef idx="0">
+            <a:schemeClr val="accent1"/>
+          </a:fillRef>
+          <a:effectRef idx="0">
+            <a:schemeClr val="accent1"/>
+          </a:effectRef>
+          <a:fontRef idx="minor">
+            <a:schemeClr val="tx1"/>
+          </a:fontRef>
+        </p:style>
+      </p:cxnSp>
+      <p:cxnSp>
+        <p:nvCxnSpPr>
+          <p:cNvPr id="15" name="Connector: Curved 14">
+            <a:extLst>
+              <a:ext uri="{FF2B5EF4-FFF2-40B4-BE49-F238E27FC236}">
+                <a16:creationId xmlns:a16="http://schemas.microsoft.com/office/drawing/2014/main" id="{D4F16BBD-FD46-4892-BCAF-046618C645F2}"/>
+              </a:ext>
+            </a:extLst>
+          </p:cNvPr>
+          <p:cNvCxnSpPr>
+            <a:cxnSpLocks/>
+          </p:cNvCxnSpPr>
+          <p:nvPr/>
+        </p:nvCxnSpPr>
+        <p:spPr>
+          <a:xfrm flipV="1">
+            <a:off x="9470610" y="5332307"/>
+            <a:ext cx="1101734" cy="464607"/>
+          </a:xfrm>
+          <a:prstGeom prst="curvedConnector3">
+            <a:avLst>
+              <a:gd name="adj1" fmla="val 50000"/>
+            </a:avLst>
+          </a:prstGeom>
+          <a:ln w="19050">
+            <a:solidFill>
+              <a:schemeClr val="bg1">
+                <a:lumMod val="75000"/>
+              </a:schemeClr>
+            </a:solidFill>
+          </a:ln>
+        </p:spPr>
+        <p:style>
+          <a:lnRef idx="1">
+            <a:schemeClr val="accent1"/>
+          </a:lnRef>
+          <a:fillRef idx="0">
+            <a:schemeClr val="accent1"/>
+          </a:fillRef>
+          <a:effectRef idx="0">
+            <a:schemeClr val="accent1"/>
+          </a:effectRef>
+          <a:fontRef idx="minor">
+            <a:schemeClr val="tx1"/>
+          </a:fontRef>
+        </p:style>
+      </p:cxnSp>
+      <p:sp>
+        <p:nvSpPr>
+          <p:cNvPr id="21" name="Rectangle 20">
+            <a:extLst>
+              <a:ext uri="{FF2B5EF4-FFF2-40B4-BE49-F238E27FC236}">
+                <a16:creationId xmlns:a16="http://schemas.microsoft.com/office/drawing/2014/main" id="{4B4556AA-332D-4E5F-A323-4B11F45A5964}"/>
+              </a:ext>
+            </a:extLst>
+          </p:cNvPr>
+          <p:cNvSpPr/>
+          <p:nvPr/>
+        </p:nvSpPr>
+        <p:spPr>
+          <a:xfrm rot="5400000">
+            <a:off x="5374435" y="4565380"/>
+            <a:ext cx="1089533" cy="519112"/>
+          </a:xfrm>
+          <a:prstGeom prst="rect">
+            <a:avLst/>
+          </a:prstGeom>
+          <a:solidFill>
+            <a:schemeClr val="bg1">
+              <a:lumMod val="65000"/>
+            </a:schemeClr>
+          </a:solidFill>
+          <a:ln>
+            <a:noFill/>
+          </a:ln>
+        </p:spPr>
+        <p:style>
+          <a:lnRef idx="2">
+            <a:schemeClr val="accent1">
+              <a:shade val="50000"/>
+            </a:schemeClr>
+          </a:lnRef>
+          <a:fillRef idx="1">
+            <a:schemeClr val="accent1"/>
+          </a:fillRef>
+          <a:effectRef idx="0">
+            <a:schemeClr val="accent1"/>
+          </a:effectRef>
+          <a:fontRef idx="minor">
+            <a:schemeClr val="lt1"/>
+          </a:fontRef>
+        </p:style>
+        <p:txBody>
+          <a:bodyPr rtlCol="0" anchor="ctr"/>
+          <a:lstStyle/>
+          <a:p>
+            <a:pPr algn="ctr"/>
+            <a:endParaRPr lang="en-US"/>
+          </a:p>
+        </p:txBody>
+      </p:sp>
+      <p:sp>
+        <p:nvSpPr>
+          <p:cNvPr id="22" name="Rectangle 21">
+            <a:extLst>
+              <a:ext uri="{FF2B5EF4-FFF2-40B4-BE49-F238E27FC236}">
+                <a16:creationId xmlns:a16="http://schemas.microsoft.com/office/drawing/2014/main" id="{8694ACDB-9639-4C6D-8A03-9959607FD588}"/>
+              </a:ext>
+            </a:extLst>
+          </p:cNvPr>
+          <p:cNvSpPr/>
+          <p:nvPr/>
+        </p:nvSpPr>
+        <p:spPr>
+          <a:xfrm>
+            <a:off x="6178758" y="5056395"/>
+            <a:ext cx="519114" cy="152400"/>
+          </a:xfrm>
+          <a:prstGeom prst="rect">
+            <a:avLst/>
+          </a:prstGeom>
+          <a:solidFill>
+            <a:schemeClr val="tx1"/>
+          </a:solidFill>
+          <a:ln>
+            <a:noFill/>
+          </a:ln>
+        </p:spPr>
+        <p:style>
+          <a:lnRef idx="2">
+            <a:schemeClr val="accent1">
+              <a:shade val="50000"/>
+            </a:schemeClr>
+          </a:lnRef>
+          <a:fillRef idx="1">
+            <a:schemeClr val="accent1"/>
+          </a:fillRef>
+          <a:effectRef idx="0">
+            <a:schemeClr val="accent1"/>
+          </a:effectRef>
+          <a:fontRef idx="minor">
+            <a:schemeClr val="lt1"/>
+          </a:fontRef>
+        </p:style>
+        <p:txBody>
+          <a:bodyPr rtlCol="0" anchor="ctr"/>
+          <a:lstStyle/>
+          <a:p>
+            <a:pPr algn="ctr"/>
+            <a:endParaRPr lang="en-US"/>
+          </a:p>
+        </p:txBody>
+      </p:sp>
+      <p:sp>
+        <p:nvSpPr>
+          <p:cNvPr id="27" name="Rectangle 26">
+            <a:extLst>
+              <a:ext uri="{FF2B5EF4-FFF2-40B4-BE49-F238E27FC236}">
+                <a16:creationId xmlns:a16="http://schemas.microsoft.com/office/drawing/2014/main" id="{87A9908F-2D24-485B-A705-B25D7C36FDE3}"/>
+              </a:ext>
+            </a:extLst>
+          </p:cNvPr>
+          <p:cNvSpPr/>
+          <p:nvPr/>
+        </p:nvSpPr>
+        <p:spPr>
+          <a:xfrm rot="5400000">
+            <a:off x="5374436" y="5908654"/>
+            <a:ext cx="1089533" cy="519112"/>
+          </a:xfrm>
+          <a:prstGeom prst="rect">
+            <a:avLst/>
+          </a:prstGeom>
+          <a:solidFill>
+            <a:schemeClr val="bg1">
+              <a:lumMod val="65000"/>
+            </a:schemeClr>
+          </a:solidFill>
+          <a:ln>
+            <a:noFill/>
+          </a:ln>
+        </p:spPr>
+        <p:style>
+          <a:lnRef idx="2">
+            <a:schemeClr val="accent1">
+              <a:shade val="50000"/>
+            </a:schemeClr>
+          </a:lnRef>
+          <a:fillRef idx="1">
+            <a:schemeClr val="accent1"/>
+          </a:fillRef>
+          <a:effectRef idx="0">
+            <a:schemeClr val="accent1"/>
+          </a:effectRef>
+          <a:fontRef idx="minor">
+            <a:schemeClr val="lt1"/>
+          </a:fontRef>
+        </p:style>
+        <p:txBody>
+          <a:bodyPr rtlCol="0" anchor="ctr"/>
+          <a:lstStyle/>
+          <a:p>
+            <a:pPr algn="ctr"/>
+            <a:endParaRPr lang="en-US"/>
+          </a:p>
+        </p:txBody>
+      </p:sp>
+      <p:sp>
+        <p:nvSpPr>
+          <p:cNvPr id="28" name="Rectangle 27">
+            <a:extLst>
+              <a:ext uri="{FF2B5EF4-FFF2-40B4-BE49-F238E27FC236}">
+                <a16:creationId xmlns:a16="http://schemas.microsoft.com/office/drawing/2014/main" id="{4C16989F-5847-41F1-BDBD-8C96777A6781}"/>
+              </a:ext>
+            </a:extLst>
+          </p:cNvPr>
+          <p:cNvSpPr/>
+          <p:nvPr/>
+        </p:nvSpPr>
+        <p:spPr>
+          <a:xfrm>
+            <a:off x="6178759" y="6399669"/>
+            <a:ext cx="519114" cy="152400"/>
+          </a:xfrm>
+          <a:prstGeom prst="rect">
+            <a:avLst/>
+          </a:prstGeom>
+          <a:solidFill>
+            <a:schemeClr val="tx1"/>
+          </a:solidFill>
+          <a:ln>
+            <a:noFill/>
+          </a:ln>
+        </p:spPr>
+        <p:style>
+          <a:lnRef idx="2">
+            <a:schemeClr val="accent1">
+              <a:shade val="50000"/>
+            </a:schemeClr>
+          </a:lnRef>
+          <a:fillRef idx="1">
+            <a:schemeClr val="accent1"/>
+          </a:fillRef>
+          <a:effectRef idx="0">
+            <a:schemeClr val="accent1"/>
+          </a:effectRef>
+          <a:fontRef idx="minor">
+            <a:schemeClr val="lt1"/>
+          </a:fontRef>
+        </p:style>
+        <p:txBody>
+          <a:bodyPr rtlCol="0" anchor="ctr"/>
+          <a:lstStyle/>
+          <a:p>
+            <a:pPr algn="ctr"/>
+            <a:endParaRPr lang="en-US"/>
+          </a:p>
+        </p:txBody>
+      </p:sp>
+      <p:sp>
+        <p:nvSpPr>
+          <p:cNvPr id="41" name="Rectangle 40">
+            <a:extLst>
+              <a:ext uri="{FF2B5EF4-FFF2-40B4-BE49-F238E27FC236}">
+                <a16:creationId xmlns:a16="http://schemas.microsoft.com/office/drawing/2014/main" id="{F489CAC3-05BA-4A16-A00E-7B391AEC7C86}"/>
+              </a:ext>
+            </a:extLst>
+          </p:cNvPr>
+          <p:cNvSpPr/>
+          <p:nvPr/>
+        </p:nvSpPr>
+        <p:spPr>
+          <a:xfrm>
+            <a:off x="4214362" y="1427132"/>
+            <a:ext cx="1441734" cy="731354"/>
+          </a:xfrm>
+          <a:prstGeom prst="rect">
+            <a:avLst/>
+          </a:prstGeom>
+          <a:solidFill>
+            <a:schemeClr val="tx1"/>
+          </a:solidFill>
+          <a:ln>
+            <a:noFill/>
+          </a:ln>
+        </p:spPr>
+        <p:style>
+          <a:lnRef idx="2">
+            <a:schemeClr val="accent1">
+              <a:shade val="50000"/>
+            </a:schemeClr>
+          </a:lnRef>
+          <a:fillRef idx="1">
+            <a:schemeClr val="accent1"/>
+          </a:fillRef>
+          <a:effectRef idx="0">
+            <a:schemeClr val="accent1"/>
+          </a:effectRef>
+          <a:fontRef idx="minor">
+            <a:schemeClr val="lt1"/>
+          </a:fontRef>
+        </p:style>
+        <p:txBody>
+          <a:bodyPr rtlCol="0" anchor="ctr"/>
+          <a:lstStyle/>
+          <a:p>
+            <a:pPr algn="ctr"/>
+            <a:endParaRPr lang="en-US"/>
+          </a:p>
+        </p:txBody>
+      </p:sp>
+      <p:sp>
+        <p:nvSpPr>
+          <p:cNvPr id="42" name="Rectangle 41">
+            <a:extLst>
+              <a:ext uri="{FF2B5EF4-FFF2-40B4-BE49-F238E27FC236}">
+                <a16:creationId xmlns:a16="http://schemas.microsoft.com/office/drawing/2014/main" id="{FC86E630-FDE6-412B-937E-763C1AF89BD0}"/>
+              </a:ext>
+            </a:extLst>
+          </p:cNvPr>
+          <p:cNvSpPr/>
+          <p:nvPr/>
+        </p:nvSpPr>
+        <p:spPr>
+          <a:xfrm>
+            <a:off x="4529584" y="1385633"/>
+            <a:ext cx="189715" cy="46130"/>
+          </a:xfrm>
+          <a:prstGeom prst="rect">
+            <a:avLst/>
+          </a:prstGeom>
+          <a:solidFill>
+            <a:schemeClr val="bg1">
+              <a:lumMod val="65000"/>
+            </a:schemeClr>
+          </a:solidFill>
+          <a:ln>
+            <a:noFill/>
+          </a:ln>
+        </p:spPr>
+        <p:style>
+          <a:lnRef idx="2">
+            <a:schemeClr val="accent1">
+              <a:shade val="50000"/>
+            </a:schemeClr>
+          </a:lnRef>
+          <a:fillRef idx="1">
+            <a:schemeClr val="accent1"/>
+          </a:fillRef>
+          <a:effectRef idx="0">
+            <a:schemeClr val="accent1"/>
+          </a:effectRef>
+          <a:fontRef idx="minor">
+            <a:schemeClr val="lt1"/>
+          </a:fontRef>
+        </p:style>
+        <p:txBody>
+          <a:bodyPr rtlCol="0" anchor="ctr"/>
+          <a:lstStyle/>
+          <a:p>
+            <a:pPr algn="ctr"/>
+            <a:endParaRPr lang="en-US"/>
+          </a:p>
+        </p:txBody>
+      </p:sp>
+      <p:sp>
+        <p:nvSpPr>
+          <p:cNvPr id="43" name="Rectangle 42">
+            <a:extLst>
+              <a:ext uri="{FF2B5EF4-FFF2-40B4-BE49-F238E27FC236}">
+                <a16:creationId xmlns:a16="http://schemas.microsoft.com/office/drawing/2014/main" id="{F5FF3C26-59C4-4701-A7F8-15EFBEBC48BA}"/>
+              </a:ext>
+            </a:extLst>
+          </p:cNvPr>
+          <p:cNvSpPr/>
+          <p:nvPr/>
+        </p:nvSpPr>
+        <p:spPr>
+          <a:xfrm>
+            <a:off x="4305596" y="1385633"/>
+            <a:ext cx="189715" cy="46130"/>
+          </a:xfrm>
+          <a:prstGeom prst="rect">
+            <a:avLst/>
+          </a:prstGeom>
+          <a:solidFill>
+            <a:srgbClr val="FF0000"/>
+          </a:solidFill>
+          <a:ln>
+            <a:noFill/>
+          </a:ln>
+        </p:spPr>
+        <p:style>
+          <a:lnRef idx="2">
+            <a:schemeClr val="accent1">
+              <a:shade val="50000"/>
+            </a:schemeClr>
+          </a:lnRef>
+          <a:fillRef idx="1">
+            <a:schemeClr val="accent1"/>
+          </a:fillRef>
+          <a:effectRef idx="0">
+            <a:schemeClr val="accent1"/>
+          </a:effectRef>
+          <a:fontRef idx="minor">
+            <a:schemeClr val="lt1"/>
+          </a:fontRef>
+        </p:style>
+        <p:txBody>
+          <a:bodyPr rtlCol="0" anchor="ctr"/>
+          <a:lstStyle/>
+          <a:p>
+            <a:pPr algn="ctr"/>
+            <a:endParaRPr lang="en-US"/>
+          </a:p>
+        </p:txBody>
+      </p:sp>
+      <p:pic>
+        <p:nvPicPr>
+          <p:cNvPr id="44" name="Picture 4" descr="Image result for raspberry pi">
+            <a:extLst>
+              <a:ext uri="{FF2B5EF4-FFF2-40B4-BE49-F238E27FC236}">
+                <a16:creationId xmlns:a16="http://schemas.microsoft.com/office/drawing/2014/main" id="{8DC57DFB-396D-46BA-9989-C144FCBF858C}"/>
+              </a:ext>
+            </a:extLst>
+          </p:cNvPr>
+          <p:cNvPicPr>
+            <a:picLocks noChangeAspect="1" noChangeArrowheads="1"/>
+          </p:cNvPicPr>
+          <p:nvPr/>
+        </p:nvPicPr>
+        <p:blipFill>
+          <a:blip r:embed="rId2">
+            <a:extLst>
+              <a:ext uri="{28A0092B-C50C-407E-A947-70E740481C1C}">
+                <a14:useLocalDpi xmlns:a14="http://schemas.microsoft.com/office/drawing/2010/main" val="0"/>
+              </a:ext>
+            </a:extLst>
+          </a:blip>
+          <a:srcRect/>
+          <a:stretch>
+            <a:fillRect/>
+          </a:stretch>
+        </p:blipFill>
+        <p:spPr bwMode="auto">
+          <a:xfrm rot="10800000">
+            <a:off x="6966246" y="2592329"/>
+            <a:ext cx="1905000" cy="1306493"/>
+          </a:xfrm>
+          <a:prstGeom prst="rect">
+            <a:avLst/>
+          </a:prstGeom>
+          <a:noFill/>
+          <a:extLst>
+            <a:ext uri="{909E8E84-426E-40DD-AFC4-6F175D3DCCD1}">
+              <a14:hiddenFill xmlns:a14="http://schemas.microsoft.com/office/drawing/2010/main">
+                <a:solidFill>
+                  <a:srgbClr val="FFFFFF"/>
+                </a:solidFill>
+              </a14:hiddenFill>
+            </a:ext>
+          </a:extLst>
+        </p:spPr>
+      </p:pic>
+      <p:pic>
+        <p:nvPicPr>
+          <p:cNvPr id="45" name="Picture 10" descr="Image result for xbee">
+            <a:extLst>
+              <a:ext uri="{FF2B5EF4-FFF2-40B4-BE49-F238E27FC236}">
+                <a16:creationId xmlns:a16="http://schemas.microsoft.com/office/drawing/2014/main" id="{D4B3DF39-BD48-4F71-8C49-3FB2A6DCD30C}"/>
+              </a:ext>
+            </a:extLst>
+          </p:cNvPr>
+          <p:cNvPicPr>
+            <a:picLocks noChangeAspect="1" noChangeArrowheads="1"/>
+          </p:cNvPicPr>
+          <p:nvPr/>
+        </p:nvPicPr>
+        <p:blipFill>
+          <a:blip r:embed="rId4">
+            <a:extLst>
+              <a:ext uri="{28A0092B-C50C-407E-A947-70E740481C1C}">
+                <a14:useLocalDpi xmlns:a14="http://schemas.microsoft.com/office/drawing/2010/main" val="0"/>
+              </a:ext>
+            </a:extLst>
+          </a:blip>
+          <a:srcRect/>
+          <a:stretch>
+            <a:fillRect/>
+          </a:stretch>
+        </p:blipFill>
+        <p:spPr bwMode="auto">
+          <a:xfrm>
+            <a:off x="6079222" y="2500701"/>
+            <a:ext cx="614030" cy="614030"/>
+          </a:xfrm>
+          <a:prstGeom prst="rect">
+            <a:avLst/>
+          </a:prstGeom>
+          <a:noFill/>
+          <a:extLst>
+            <a:ext uri="{909E8E84-426E-40DD-AFC4-6F175D3DCCD1}">
+              <a14:hiddenFill xmlns:a14="http://schemas.microsoft.com/office/drawing/2010/main">
+                <a:solidFill>
+                  <a:srgbClr val="FFFFFF"/>
+                </a:solidFill>
+              </a14:hiddenFill>
+            </a:ext>
+          </a:extLst>
+        </p:spPr>
+      </p:pic>
+      <p:pic>
+        <p:nvPicPr>
+          <p:cNvPr id="46" name="Picture 2" descr="Image result for SyRen 50A 6V-30V Regenerative Motor Driver">
+            <a:extLst>
+              <a:ext uri="{FF2B5EF4-FFF2-40B4-BE49-F238E27FC236}">
+                <a16:creationId xmlns:a16="http://schemas.microsoft.com/office/drawing/2014/main" id="{A935DDB9-F83F-49B7-BF77-43C9AAC27309}"/>
+              </a:ext>
+            </a:extLst>
+          </p:cNvPr>
+          <p:cNvPicPr>
+            <a:picLocks noChangeAspect="1" noChangeArrowheads="1"/>
+          </p:cNvPicPr>
+          <p:nvPr/>
+        </p:nvPicPr>
+        <p:blipFill>
+          <a:blip r:embed="rId5">
+            <a:extLst>
+              <a:ext uri="{28A0092B-C50C-407E-A947-70E740481C1C}">
+                <a14:useLocalDpi xmlns:a14="http://schemas.microsoft.com/office/drawing/2010/main" val="0"/>
+              </a:ext>
+            </a:extLst>
+          </a:blip>
+          <a:srcRect/>
+          <a:stretch>
+            <a:fillRect/>
+          </a:stretch>
+        </p:blipFill>
+        <p:spPr bwMode="auto">
+          <a:xfrm rot="5400000">
+            <a:off x="2882331" y="5294633"/>
+            <a:ext cx="1188720" cy="1188720"/>
+          </a:xfrm>
+          <a:prstGeom prst="rect">
+            <a:avLst/>
+          </a:prstGeom>
+          <a:noFill/>
+          <a:extLst>
+            <a:ext uri="{909E8E84-426E-40DD-AFC4-6F175D3DCCD1}">
+              <a14:hiddenFill xmlns:a14="http://schemas.microsoft.com/office/drawing/2010/main">
+                <a:solidFill>
+                  <a:srgbClr val="FFFFFF"/>
+                </a:solidFill>
+              </a14:hiddenFill>
+            </a:ext>
+          </a:extLst>
+        </p:spPr>
+      </p:pic>
+      <p:pic>
+        <p:nvPicPr>
+          <p:cNvPr id="47" name="Picture 2" descr="Image result for SyRen 50A 6V-30V Regenerative Motor Driver">
+            <a:extLst>
+              <a:ext uri="{FF2B5EF4-FFF2-40B4-BE49-F238E27FC236}">
+                <a16:creationId xmlns:a16="http://schemas.microsoft.com/office/drawing/2014/main" id="{DC2909B9-A2B8-4A2E-9DCD-2D2849CDB6E0}"/>
+              </a:ext>
+            </a:extLst>
+          </p:cNvPr>
+          <p:cNvPicPr>
+            <a:picLocks noChangeAspect="1" noChangeArrowheads="1"/>
+          </p:cNvPicPr>
+          <p:nvPr/>
+        </p:nvPicPr>
+        <p:blipFill>
+          <a:blip r:embed="rId5">
+            <a:extLst>
+              <a:ext uri="{28A0092B-C50C-407E-A947-70E740481C1C}">
+                <a14:useLocalDpi xmlns:a14="http://schemas.microsoft.com/office/drawing/2010/main" val="0"/>
+              </a:ext>
+            </a:extLst>
+          </a:blip>
+          <a:srcRect/>
+          <a:stretch>
+            <a:fillRect/>
+          </a:stretch>
+        </p:blipFill>
+        <p:spPr bwMode="auto">
+          <a:xfrm rot="5400000">
+            <a:off x="2894198" y="4155561"/>
+            <a:ext cx="1188720" cy="1188720"/>
+          </a:xfrm>
+          <a:prstGeom prst="rect">
+            <a:avLst/>
+          </a:prstGeom>
+          <a:noFill/>
+          <a:extLst>
+            <a:ext uri="{909E8E84-426E-40DD-AFC4-6F175D3DCCD1}">
+              <a14:hiddenFill xmlns:a14="http://schemas.microsoft.com/office/drawing/2010/main">
+                <a:solidFill>
+                  <a:srgbClr val="FFFFFF"/>
+                </a:solidFill>
+              </a14:hiddenFill>
+            </a:ext>
+          </a:extLst>
+        </p:spPr>
+      </p:pic>
+      <p:pic>
+        <p:nvPicPr>
+          <p:cNvPr id="49" name="Picture 6" descr="Image result for 12v to 5v converter">
+            <a:extLst>
+              <a:ext uri="{FF2B5EF4-FFF2-40B4-BE49-F238E27FC236}">
+                <a16:creationId xmlns:a16="http://schemas.microsoft.com/office/drawing/2014/main" id="{0D4EF8A8-3997-489F-88A8-62DB603B5A3A}"/>
+              </a:ext>
+            </a:extLst>
+          </p:cNvPr>
+          <p:cNvPicPr>
+            <a:picLocks noChangeAspect="1" noChangeArrowheads="1"/>
+          </p:cNvPicPr>
+          <p:nvPr/>
+        </p:nvPicPr>
+        <p:blipFill>
+          <a:blip r:embed="rId6">
+            <a:extLst>
+              <a:ext uri="{28A0092B-C50C-407E-A947-70E740481C1C}">
+                <a14:useLocalDpi xmlns:a14="http://schemas.microsoft.com/office/drawing/2010/main" val="0"/>
+              </a:ext>
+            </a:extLst>
+          </a:blip>
+          <a:srcRect/>
+          <a:stretch>
+            <a:fillRect/>
+          </a:stretch>
+        </p:blipFill>
+        <p:spPr bwMode="auto">
+          <a:xfrm>
+            <a:off x="8073712" y="1327274"/>
+            <a:ext cx="857169" cy="857169"/>
+          </a:xfrm>
+          <a:prstGeom prst="rect">
+            <a:avLst/>
+          </a:prstGeom>
+          <a:noFill/>
+          <a:extLst>
+            <a:ext uri="{909E8E84-426E-40DD-AFC4-6F175D3DCCD1}">
+              <a14:hiddenFill xmlns:a14="http://schemas.microsoft.com/office/drawing/2010/main">
+                <a:solidFill>
+                  <a:srgbClr val="FFFFFF"/>
+                </a:solidFill>
+              </a14:hiddenFill>
+            </a:ext>
+          </a:extLst>
+        </p:spPr>
+      </p:pic>
+      <p:pic>
+        <p:nvPicPr>
+          <p:cNvPr id="50" name="Picture 8" descr="Image result for microusb">
+            <a:extLst>
+              <a:ext uri="{FF2B5EF4-FFF2-40B4-BE49-F238E27FC236}">
+                <a16:creationId xmlns:a16="http://schemas.microsoft.com/office/drawing/2014/main" id="{127A0E16-A7E1-4DB5-9599-AD642BD7E8A9}"/>
+              </a:ext>
+            </a:extLst>
+          </p:cNvPr>
+          <p:cNvPicPr>
+            <a:picLocks noChangeAspect="1" noChangeArrowheads="1"/>
+          </p:cNvPicPr>
+          <p:nvPr/>
+        </p:nvPicPr>
+        <p:blipFill rotWithShape="1">
+          <a:blip r:embed="rId7">
+            <a:extLst>
+              <a:ext uri="{28A0092B-C50C-407E-A947-70E740481C1C}">
+                <a14:useLocalDpi xmlns:a14="http://schemas.microsoft.com/office/drawing/2010/main" val="0"/>
+              </a:ext>
+            </a:extLst>
+          </a:blip>
+          <a:srcRect l="21874" t="21707" r="58543" b="36926"/>
+          <a:stretch/>
+        </p:blipFill>
+        <p:spPr bwMode="auto">
+          <a:xfrm rot="10800000">
+            <a:off x="8458287" y="2258007"/>
+            <a:ext cx="190411" cy="402230"/>
+          </a:xfrm>
+          <a:prstGeom prst="rect">
+            <a:avLst/>
+          </a:prstGeom>
+          <a:noFill/>
+          <a:extLst>
+            <a:ext uri="{909E8E84-426E-40DD-AFC4-6F175D3DCCD1}">
+              <a14:hiddenFill xmlns:a14="http://schemas.microsoft.com/office/drawing/2010/main">
+                <a:solidFill>
+                  <a:srgbClr val="FFFFFF"/>
+                </a:solidFill>
+              </a14:hiddenFill>
+            </a:ext>
+          </a:extLst>
+        </p:spPr>
+      </p:pic>
+      <p:pic>
+        <p:nvPicPr>
+          <p:cNvPr id="52" name="Picture 51">
+            <a:extLst>
+              <a:ext uri="{FF2B5EF4-FFF2-40B4-BE49-F238E27FC236}">
+                <a16:creationId xmlns:a16="http://schemas.microsoft.com/office/drawing/2014/main" id="{D3BE1E87-20F1-488E-9F43-15FC26802866}"/>
+              </a:ext>
+            </a:extLst>
+          </p:cNvPr>
+          <p:cNvPicPr>
+            <a:picLocks noChangeAspect="1"/>
+          </p:cNvPicPr>
+          <p:nvPr/>
+        </p:nvPicPr>
+        <p:blipFill>
+          <a:blip r:embed="rId8"/>
+          <a:stretch>
+            <a:fillRect/>
+          </a:stretch>
+        </p:blipFill>
+        <p:spPr>
+          <a:xfrm>
+            <a:off x="1031481" y="4420030"/>
+            <a:ext cx="1344537" cy="669307"/>
+          </a:xfrm>
+          <a:prstGeom prst="rect">
+            <a:avLst/>
+          </a:prstGeom>
+        </p:spPr>
+      </p:pic>
+      <p:pic>
+        <p:nvPicPr>
+          <p:cNvPr id="53" name="Picture 52">
+            <a:extLst>
+              <a:ext uri="{FF2B5EF4-FFF2-40B4-BE49-F238E27FC236}">
+                <a16:creationId xmlns:a16="http://schemas.microsoft.com/office/drawing/2014/main" id="{9B5EE4D9-79B4-4A5B-87D6-A6DB7F1E7783}"/>
+              </a:ext>
+            </a:extLst>
+          </p:cNvPr>
+          <p:cNvPicPr>
+            <a:picLocks noChangeAspect="1"/>
+          </p:cNvPicPr>
+          <p:nvPr/>
+        </p:nvPicPr>
+        <p:blipFill>
+          <a:blip r:embed="rId8"/>
+          <a:stretch>
+            <a:fillRect/>
+          </a:stretch>
+        </p:blipFill>
+        <p:spPr>
+          <a:xfrm>
+            <a:off x="1043514" y="5563238"/>
+            <a:ext cx="1344537" cy="669307"/>
+          </a:xfrm>
+          <a:prstGeom prst="rect">
+            <a:avLst/>
+          </a:prstGeom>
+        </p:spPr>
+      </p:pic>
+      <p:cxnSp>
+        <p:nvCxnSpPr>
+          <p:cNvPr id="55" name="Straight Connector 54">
+            <a:extLst>
+              <a:ext uri="{FF2B5EF4-FFF2-40B4-BE49-F238E27FC236}">
+                <a16:creationId xmlns:a16="http://schemas.microsoft.com/office/drawing/2014/main" id="{D23B0A6D-8BBB-42B6-AF16-665E91EFD643}"/>
+              </a:ext>
+            </a:extLst>
+          </p:cNvPr>
+          <p:cNvCxnSpPr>
+            <a:cxnSpLocks/>
+          </p:cNvCxnSpPr>
+          <p:nvPr/>
+        </p:nvCxnSpPr>
+        <p:spPr>
+          <a:xfrm flipH="1">
+            <a:off x="8582456" y="2184443"/>
+            <a:ext cx="33099" cy="69088"/>
+          </a:xfrm>
+          <a:prstGeom prst="line">
+            <a:avLst/>
+          </a:prstGeom>
+          <a:ln>
+            <a:solidFill>
+              <a:srgbClr val="FF0000"/>
+            </a:solidFill>
+          </a:ln>
+        </p:spPr>
+        <p:style>
+          <a:lnRef idx="1">
+            <a:schemeClr val="accent1"/>
+          </a:lnRef>
+          <a:fillRef idx="0">
+            <a:schemeClr val="accent1"/>
+          </a:fillRef>
+          <a:effectRef idx="0">
+            <a:schemeClr val="accent1"/>
+          </a:effectRef>
+          <a:fontRef idx="minor">
+            <a:schemeClr val="tx1"/>
+          </a:fontRef>
+        </p:style>
+      </p:cxnSp>
+      <p:cxnSp>
+        <p:nvCxnSpPr>
+          <p:cNvPr id="62" name="Straight Connector 61">
+            <a:extLst>
+              <a:ext uri="{FF2B5EF4-FFF2-40B4-BE49-F238E27FC236}">
+                <a16:creationId xmlns:a16="http://schemas.microsoft.com/office/drawing/2014/main" id="{8F266580-4693-42D2-BEB8-192B084FCDF5}"/>
+              </a:ext>
+            </a:extLst>
+          </p:cNvPr>
+          <p:cNvCxnSpPr>
+            <a:cxnSpLocks/>
+          </p:cNvCxnSpPr>
+          <p:nvPr/>
+        </p:nvCxnSpPr>
+        <p:spPr>
+          <a:xfrm>
+            <a:off x="8532979" y="2183904"/>
+            <a:ext cx="21669" cy="70167"/>
+          </a:xfrm>
+          <a:prstGeom prst="line">
+            <a:avLst/>
+          </a:prstGeom>
+          <a:ln>
+            <a:solidFill>
+              <a:schemeClr val="tx1"/>
+            </a:solidFill>
+          </a:ln>
+        </p:spPr>
+        <p:style>
+          <a:lnRef idx="1">
+            <a:schemeClr val="accent1"/>
+          </a:lnRef>
+          <a:fillRef idx="0">
+            <a:schemeClr val="accent1"/>
+          </a:fillRef>
+          <a:effectRef idx="0">
+            <a:schemeClr val="accent1"/>
+          </a:effectRef>
+          <a:fontRef idx="minor">
+            <a:schemeClr val="tx1"/>
+          </a:fontRef>
+        </p:style>
+      </p:cxnSp>
+      <p:pic>
+        <p:nvPicPr>
+          <p:cNvPr id="70" name="Picture 6" descr="Image result for 12v to 5v converter">
+            <a:extLst>
+              <a:ext uri="{FF2B5EF4-FFF2-40B4-BE49-F238E27FC236}">
+                <a16:creationId xmlns:a16="http://schemas.microsoft.com/office/drawing/2014/main" id="{B9C9729C-542F-4FE0-86CB-1AE01DA65A81}"/>
+              </a:ext>
+            </a:extLst>
+          </p:cNvPr>
+          <p:cNvPicPr>
+            <a:picLocks noChangeAspect="1" noChangeArrowheads="1"/>
+          </p:cNvPicPr>
+          <p:nvPr/>
+        </p:nvPicPr>
+        <p:blipFill>
+          <a:blip r:embed="rId6">
+            <a:extLst>
+              <a:ext uri="{28A0092B-C50C-407E-A947-70E740481C1C}">
+                <a14:useLocalDpi xmlns:a14="http://schemas.microsoft.com/office/drawing/2010/main" val="0"/>
+              </a:ext>
+            </a:extLst>
+          </a:blip>
+          <a:srcRect/>
+          <a:stretch>
+            <a:fillRect/>
+          </a:stretch>
+        </p:blipFill>
+        <p:spPr bwMode="auto">
+          <a:xfrm>
+            <a:off x="2083066" y="1327274"/>
+            <a:ext cx="857169" cy="857169"/>
+          </a:xfrm>
+          <a:prstGeom prst="rect">
+            <a:avLst/>
+          </a:prstGeom>
+          <a:noFill/>
+          <a:extLst>
+            <a:ext uri="{909E8E84-426E-40DD-AFC4-6F175D3DCCD1}">
+              <a14:hiddenFill xmlns:a14="http://schemas.microsoft.com/office/drawing/2010/main">
+                <a:solidFill>
+                  <a:srgbClr val="FFFFFF"/>
+                </a:solidFill>
+              </a14:hiddenFill>
+            </a:ext>
+          </a:extLst>
+        </p:spPr>
+      </p:pic>
+      <p:pic>
+        <p:nvPicPr>
+          <p:cNvPr id="71" name="Picture 8" descr="Image result for microusb">
+            <a:extLst>
+              <a:ext uri="{FF2B5EF4-FFF2-40B4-BE49-F238E27FC236}">
+                <a16:creationId xmlns:a16="http://schemas.microsoft.com/office/drawing/2014/main" id="{CAE446ED-3F1D-4BDE-BA64-9F8F078E74E6}"/>
+              </a:ext>
+            </a:extLst>
+          </p:cNvPr>
+          <p:cNvPicPr>
+            <a:picLocks noChangeAspect="1" noChangeArrowheads="1"/>
+          </p:cNvPicPr>
+          <p:nvPr/>
+        </p:nvPicPr>
+        <p:blipFill rotWithShape="1">
+          <a:blip r:embed="rId7">
+            <a:extLst>
+              <a:ext uri="{28A0092B-C50C-407E-A947-70E740481C1C}">
+                <a14:useLocalDpi xmlns:a14="http://schemas.microsoft.com/office/drawing/2010/main" val="0"/>
+              </a:ext>
+            </a:extLst>
+          </a:blip>
+          <a:srcRect l="21874" t="21707" r="58543" b="36926"/>
+          <a:stretch/>
+        </p:blipFill>
+        <p:spPr bwMode="auto">
+          <a:xfrm rot="10800000">
+            <a:off x="2467641" y="2258007"/>
+            <a:ext cx="190411" cy="402230"/>
+          </a:xfrm>
+          <a:prstGeom prst="rect">
+            <a:avLst/>
+          </a:prstGeom>
+          <a:noFill/>
+          <a:extLst>
+            <a:ext uri="{909E8E84-426E-40DD-AFC4-6F175D3DCCD1}">
+              <a14:hiddenFill xmlns:a14="http://schemas.microsoft.com/office/drawing/2010/main">
+                <a:solidFill>
+                  <a:srgbClr val="FFFFFF"/>
+                </a:solidFill>
+              </a14:hiddenFill>
+            </a:ext>
+          </a:extLst>
+        </p:spPr>
+      </p:pic>
+      <p:cxnSp>
+        <p:nvCxnSpPr>
+          <p:cNvPr id="72" name="Straight Connector 71">
+            <a:extLst>
+              <a:ext uri="{FF2B5EF4-FFF2-40B4-BE49-F238E27FC236}">
+                <a16:creationId xmlns:a16="http://schemas.microsoft.com/office/drawing/2014/main" id="{52130544-86B4-4395-B7DE-C129224D43AF}"/>
+              </a:ext>
+            </a:extLst>
+          </p:cNvPr>
+          <p:cNvCxnSpPr>
+            <a:cxnSpLocks/>
+          </p:cNvCxnSpPr>
+          <p:nvPr/>
+        </p:nvCxnSpPr>
+        <p:spPr>
+          <a:xfrm flipH="1">
+            <a:off x="2591810" y="2184443"/>
+            <a:ext cx="33099" cy="69088"/>
+          </a:xfrm>
+          <a:prstGeom prst="line">
+            <a:avLst/>
+          </a:prstGeom>
+          <a:ln>
+            <a:solidFill>
+              <a:srgbClr val="FF0000"/>
+            </a:solidFill>
+          </a:ln>
+        </p:spPr>
+        <p:style>
+          <a:lnRef idx="1">
+            <a:schemeClr val="accent1"/>
+          </a:lnRef>
+          <a:fillRef idx="0">
+            <a:schemeClr val="accent1"/>
+          </a:fillRef>
+          <a:effectRef idx="0">
+            <a:schemeClr val="accent1"/>
+          </a:effectRef>
+          <a:fontRef idx="minor">
+            <a:schemeClr val="tx1"/>
+          </a:fontRef>
+        </p:style>
+      </p:cxnSp>
+      <p:cxnSp>
+        <p:nvCxnSpPr>
+          <p:cNvPr id="73" name="Straight Connector 72">
+            <a:extLst>
+              <a:ext uri="{FF2B5EF4-FFF2-40B4-BE49-F238E27FC236}">
+                <a16:creationId xmlns:a16="http://schemas.microsoft.com/office/drawing/2014/main" id="{CF09B4E0-150C-4A37-8909-B05B76451A71}"/>
+              </a:ext>
+            </a:extLst>
+          </p:cNvPr>
+          <p:cNvCxnSpPr>
+            <a:cxnSpLocks/>
+          </p:cNvCxnSpPr>
+          <p:nvPr/>
+        </p:nvCxnSpPr>
+        <p:spPr>
+          <a:xfrm>
+            <a:off x="2542333" y="2183904"/>
+            <a:ext cx="21669" cy="70167"/>
+          </a:xfrm>
+          <a:prstGeom prst="line">
+            <a:avLst/>
+          </a:prstGeom>
+          <a:ln>
+            <a:solidFill>
+              <a:schemeClr val="tx1"/>
+            </a:solidFill>
+          </a:ln>
+        </p:spPr>
+        <p:style>
+          <a:lnRef idx="1">
+            <a:schemeClr val="accent1"/>
+          </a:lnRef>
+          <a:fillRef idx="0">
+            <a:schemeClr val="accent1"/>
+          </a:fillRef>
+          <a:effectRef idx="0">
+            <a:schemeClr val="accent1"/>
+          </a:effectRef>
+          <a:fontRef idx="minor">
+            <a:schemeClr val="tx1"/>
+          </a:fontRef>
+        </p:style>
+      </p:cxnSp>
+      <p:pic>
+        <p:nvPicPr>
+          <p:cNvPr id="74" name="Picture 8" descr="Image result for microusb">
+            <a:extLst>
+              <a:ext uri="{FF2B5EF4-FFF2-40B4-BE49-F238E27FC236}">
+                <a16:creationId xmlns:a16="http://schemas.microsoft.com/office/drawing/2014/main" id="{3145F914-ED9F-46A8-BCC7-F0F375E3FE40}"/>
+              </a:ext>
+            </a:extLst>
+          </p:cNvPr>
+          <p:cNvPicPr>
+            <a:picLocks noChangeAspect="1" noChangeArrowheads="1"/>
+          </p:cNvPicPr>
+          <p:nvPr/>
+        </p:nvPicPr>
+        <p:blipFill rotWithShape="1">
+          <a:blip r:embed="rId7">
+            <a:extLst>
+              <a:ext uri="{28A0092B-C50C-407E-A947-70E740481C1C}">
+                <a14:useLocalDpi xmlns:a14="http://schemas.microsoft.com/office/drawing/2010/main" val="0"/>
+              </a:ext>
+            </a:extLst>
+          </a:blip>
+          <a:srcRect l="56844" t="18140" r="16071" b="27338"/>
+          <a:stretch/>
+        </p:blipFill>
+        <p:spPr bwMode="auto">
+          <a:xfrm rot="5595613">
+            <a:off x="6645240" y="3357591"/>
+            <a:ext cx="263360" cy="530158"/>
+          </a:xfrm>
+          <a:prstGeom prst="rect">
+            <a:avLst/>
+          </a:prstGeom>
+          <a:noFill/>
+          <a:extLst>
+            <a:ext uri="{909E8E84-426E-40DD-AFC4-6F175D3DCCD1}">
+              <a14:hiddenFill xmlns:a14="http://schemas.microsoft.com/office/drawing/2010/main">
+                <a:solidFill>
+                  <a:srgbClr val="FFFFFF"/>
+                </a:solidFill>
+              </a14:hiddenFill>
+            </a:ext>
+          </a:extLst>
+        </p:spPr>
+      </p:pic>
+      <p:pic>
+        <p:nvPicPr>
+          <p:cNvPr id="75" name="Picture 8" descr="Image result for microusb">
+            <a:extLst>
+              <a:ext uri="{FF2B5EF4-FFF2-40B4-BE49-F238E27FC236}">
+                <a16:creationId xmlns:a16="http://schemas.microsoft.com/office/drawing/2014/main" id="{994E4E32-C4F3-499E-8590-4DC34D203DF4}"/>
+              </a:ext>
+            </a:extLst>
+          </p:cNvPr>
+          <p:cNvPicPr>
+            <a:picLocks noChangeAspect="1" noChangeArrowheads="1"/>
+          </p:cNvPicPr>
+          <p:nvPr/>
+        </p:nvPicPr>
+        <p:blipFill rotWithShape="1">
+          <a:blip r:embed="rId7">
+            <a:extLst>
+              <a:ext uri="{28A0092B-C50C-407E-A947-70E740481C1C}">
+                <a14:useLocalDpi xmlns:a14="http://schemas.microsoft.com/office/drawing/2010/main" val="0"/>
+              </a:ext>
+            </a:extLst>
+          </a:blip>
+          <a:srcRect l="56844" t="18140" r="16071" b="27338"/>
+          <a:stretch/>
+        </p:blipFill>
+        <p:spPr bwMode="auto">
+          <a:xfrm rot="5595613">
+            <a:off x="663105" y="3361092"/>
+            <a:ext cx="263360" cy="530158"/>
+          </a:xfrm>
+          <a:prstGeom prst="rect">
+            <a:avLst/>
+          </a:prstGeom>
+          <a:noFill/>
+          <a:extLst>
+            <a:ext uri="{909E8E84-426E-40DD-AFC4-6F175D3DCCD1}">
+              <a14:hiddenFill xmlns:a14="http://schemas.microsoft.com/office/drawing/2010/main">
+                <a:solidFill>
+                  <a:srgbClr val="FFFFFF"/>
+                </a:solidFill>
+              </a14:hiddenFill>
+            </a:ext>
+          </a:extLst>
+        </p:spPr>
+      </p:pic>
+      <p:pic>
+        <p:nvPicPr>
+          <p:cNvPr id="76" name="Picture 8" descr="Image result for microusb">
+            <a:extLst>
+              <a:ext uri="{FF2B5EF4-FFF2-40B4-BE49-F238E27FC236}">
+                <a16:creationId xmlns:a16="http://schemas.microsoft.com/office/drawing/2014/main" id="{DE26C416-B0E2-4EFA-86A3-99388E02367E}"/>
+              </a:ext>
+            </a:extLst>
+          </p:cNvPr>
+          <p:cNvPicPr>
+            <a:picLocks noChangeAspect="1" noChangeArrowheads="1"/>
+          </p:cNvPicPr>
+          <p:nvPr/>
+        </p:nvPicPr>
+        <p:blipFill rotWithShape="1">
+          <a:blip r:embed="rId7">
+            <a:extLst>
+              <a:ext uri="{28A0092B-C50C-407E-A947-70E740481C1C}">
+                <a14:useLocalDpi xmlns:a14="http://schemas.microsoft.com/office/drawing/2010/main" val="0"/>
+              </a:ext>
+            </a:extLst>
+          </a:blip>
+          <a:srcRect l="21874" t="21707" r="58543" b="36926"/>
+          <a:stretch/>
+        </p:blipFill>
+        <p:spPr bwMode="auto">
+          <a:xfrm>
+            <a:off x="6296137" y="3098509"/>
+            <a:ext cx="190411" cy="402230"/>
+          </a:xfrm>
+          <a:prstGeom prst="rect">
+            <a:avLst/>
+          </a:prstGeom>
+          <a:noFill/>
+          <a:extLst>
+            <a:ext uri="{909E8E84-426E-40DD-AFC4-6F175D3DCCD1}">
+              <a14:hiddenFill xmlns:a14="http://schemas.microsoft.com/office/drawing/2010/main">
+                <a:solidFill>
+                  <a:srgbClr val="FFFFFF"/>
+                </a:solidFill>
+              </a14:hiddenFill>
+            </a:ext>
+          </a:extLst>
+        </p:spPr>
+      </p:pic>
+      <p:pic>
+        <p:nvPicPr>
+          <p:cNvPr id="78" name="Picture 10" descr="Image result for xbee">
+            <a:extLst>
+              <a:ext uri="{FF2B5EF4-FFF2-40B4-BE49-F238E27FC236}">
+                <a16:creationId xmlns:a16="http://schemas.microsoft.com/office/drawing/2014/main" id="{4B0287C3-A275-4965-9C7F-0AF93EA9806E}"/>
+              </a:ext>
+            </a:extLst>
+          </p:cNvPr>
+          <p:cNvPicPr>
+            <a:picLocks noChangeAspect="1" noChangeArrowheads="1"/>
+          </p:cNvPicPr>
+          <p:nvPr/>
+        </p:nvPicPr>
+        <p:blipFill>
+          <a:blip r:embed="rId4">
+            <a:extLst>
+              <a:ext uri="{28A0092B-C50C-407E-A947-70E740481C1C}">
+                <a14:useLocalDpi xmlns:a14="http://schemas.microsoft.com/office/drawing/2010/main" val="0"/>
+              </a:ext>
+            </a:extLst>
+          </a:blip>
+          <a:srcRect/>
+          <a:stretch>
+            <a:fillRect/>
+          </a:stretch>
+        </p:blipFill>
+        <p:spPr bwMode="auto">
+          <a:xfrm>
+            <a:off x="86179" y="2500701"/>
+            <a:ext cx="614030" cy="614030"/>
+          </a:xfrm>
+          <a:prstGeom prst="rect">
+            <a:avLst/>
+          </a:prstGeom>
+          <a:noFill/>
+          <a:extLst>
+            <a:ext uri="{909E8E84-426E-40DD-AFC4-6F175D3DCCD1}">
+              <a14:hiddenFill xmlns:a14="http://schemas.microsoft.com/office/drawing/2010/main">
+                <a:solidFill>
+                  <a:srgbClr val="FFFFFF"/>
+                </a:solidFill>
+              </a14:hiddenFill>
+            </a:ext>
+          </a:extLst>
+        </p:spPr>
+      </p:pic>
+      <p:pic>
+        <p:nvPicPr>
+          <p:cNvPr id="79" name="Picture 8" descr="Image result for microusb">
+            <a:extLst>
+              <a:ext uri="{FF2B5EF4-FFF2-40B4-BE49-F238E27FC236}">
+                <a16:creationId xmlns:a16="http://schemas.microsoft.com/office/drawing/2014/main" id="{17C44CC0-0B18-4752-ADC7-6DA06D4C82F0}"/>
+              </a:ext>
+            </a:extLst>
+          </p:cNvPr>
+          <p:cNvPicPr>
+            <a:picLocks noChangeAspect="1" noChangeArrowheads="1"/>
+          </p:cNvPicPr>
+          <p:nvPr/>
+        </p:nvPicPr>
+        <p:blipFill rotWithShape="1">
+          <a:blip r:embed="rId7">
+            <a:extLst>
+              <a:ext uri="{28A0092B-C50C-407E-A947-70E740481C1C}">
+                <a14:useLocalDpi xmlns:a14="http://schemas.microsoft.com/office/drawing/2010/main" val="0"/>
+              </a:ext>
+            </a:extLst>
+          </a:blip>
+          <a:srcRect l="21874" t="21707" r="58543" b="36926"/>
+          <a:stretch/>
+        </p:blipFill>
+        <p:spPr bwMode="auto">
+          <a:xfrm>
+            <a:off x="294705" y="3098509"/>
+            <a:ext cx="190411" cy="402230"/>
+          </a:xfrm>
+          <a:prstGeom prst="rect">
+            <a:avLst/>
+          </a:prstGeom>
+          <a:noFill/>
+          <a:extLst>
+            <a:ext uri="{909E8E84-426E-40DD-AFC4-6F175D3DCCD1}">
+              <a14:hiddenFill xmlns:a14="http://schemas.microsoft.com/office/drawing/2010/main">
+                <a:solidFill>
+                  <a:srgbClr val="FFFFFF"/>
+                </a:solidFill>
+              </a14:hiddenFill>
+            </a:ext>
+          </a:extLst>
+        </p:spPr>
+      </p:pic>
+      <p:sp>
+        <p:nvSpPr>
+          <p:cNvPr id="81" name="Arc 80">
+            <a:extLst>
+              <a:ext uri="{FF2B5EF4-FFF2-40B4-BE49-F238E27FC236}">
+                <a16:creationId xmlns:a16="http://schemas.microsoft.com/office/drawing/2014/main" id="{A3F8A940-5C5A-41EC-A26F-DC6AE2F45143}"/>
+              </a:ext>
+            </a:extLst>
+          </p:cNvPr>
+          <p:cNvSpPr/>
+          <p:nvPr/>
+        </p:nvSpPr>
+        <p:spPr>
+          <a:xfrm rot="10800000">
+            <a:off x="6375632" y="3354906"/>
+            <a:ext cx="388437" cy="262601"/>
+          </a:xfrm>
+          <a:prstGeom prst="arc">
+            <a:avLst/>
+          </a:prstGeom>
+          <a:ln w="57150">
+            <a:solidFill>
+              <a:schemeClr val="tx1"/>
+            </a:solidFill>
+          </a:ln>
+        </p:spPr>
+        <p:style>
+          <a:lnRef idx="1">
+            <a:schemeClr val="accent1"/>
+          </a:lnRef>
+          <a:fillRef idx="0">
+            <a:schemeClr val="accent1"/>
+          </a:fillRef>
+          <a:effectRef idx="0">
+            <a:schemeClr val="accent1"/>
+          </a:effectRef>
+          <a:fontRef idx="minor">
+            <a:schemeClr val="tx1"/>
+          </a:fontRef>
+        </p:style>
+        <p:txBody>
+          <a:bodyPr rtlCol="0" anchor="ctr"/>
+          <a:lstStyle/>
+          <a:p>
+            <a:pPr algn="ctr"/>
+            <a:endParaRPr lang="en-US"/>
+          </a:p>
+        </p:txBody>
+      </p:sp>
+      <p:sp>
+        <p:nvSpPr>
+          <p:cNvPr id="83" name="Arc 82">
+            <a:extLst>
+              <a:ext uri="{FF2B5EF4-FFF2-40B4-BE49-F238E27FC236}">
+                <a16:creationId xmlns:a16="http://schemas.microsoft.com/office/drawing/2014/main" id="{49B240B9-AFB1-4E5B-97F3-4288704AE3B1}"/>
+              </a:ext>
+            </a:extLst>
+          </p:cNvPr>
+          <p:cNvSpPr/>
+          <p:nvPr/>
+        </p:nvSpPr>
+        <p:spPr>
+          <a:xfrm rot="10800000">
+            <a:off x="359924" y="3345130"/>
+            <a:ext cx="388437" cy="262601"/>
+          </a:xfrm>
+          <a:prstGeom prst="arc">
+            <a:avLst/>
+          </a:prstGeom>
+          <a:ln w="57150">
+            <a:solidFill>
+              <a:schemeClr val="tx1"/>
+            </a:solidFill>
+          </a:ln>
+        </p:spPr>
+        <p:style>
+          <a:lnRef idx="1">
+            <a:schemeClr val="accent1"/>
+          </a:lnRef>
+          <a:fillRef idx="0">
+            <a:schemeClr val="accent1"/>
+          </a:fillRef>
+          <a:effectRef idx="0">
+            <a:schemeClr val="accent1"/>
+          </a:effectRef>
+          <a:fontRef idx="minor">
+            <a:schemeClr val="tx1"/>
+          </a:fontRef>
+        </p:style>
+        <p:txBody>
+          <a:bodyPr rtlCol="0" anchor="ctr"/>
+          <a:lstStyle/>
+          <a:p>
+            <a:pPr algn="ctr"/>
+            <a:endParaRPr lang="en-US"/>
+          </a:p>
+        </p:txBody>
+      </p:sp>
+      <p:cxnSp>
+        <p:nvCxnSpPr>
+          <p:cNvPr id="93" name="Straight Connector 92">
+            <a:extLst>
+              <a:ext uri="{FF2B5EF4-FFF2-40B4-BE49-F238E27FC236}">
+                <a16:creationId xmlns:a16="http://schemas.microsoft.com/office/drawing/2014/main" id="{4AE440C4-0A4A-4083-AD6C-E1763A067626}"/>
+              </a:ext>
+            </a:extLst>
+          </p:cNvPr>
+          <p:cNvCxnSpPr>
+            <a:cxnSpLocks/>
+          </p:cNvCxnSpPr>
+          <p:nvPr/>
+        </p:nvCxnSpPr>
+        <p:spPr>
+          <a:xfrm>
+            <a:off x="8553145" y="6048022"/>
+            <a:ext cx="1262266" cy="0"/>
+          </a:xfrm>
+          <a:prstGeom prst="line">
+            <a:avLst/>
+          </a:prstGeom>
+          <a:ln w="12700">
+            <a:solidFill>
+              <a:srgbClr val="C00000"/>
+            </a:solidFill>
+          </a:ln>
+        </p:spPr>
+        <p:style>
+          <a:lnRef idx="1">
+            <a:schemeClr val="accent1"/>
+          </a:lnRef>
+          <a:fillRef idx="0">
+            <a:schemeClr val="accent1"/>
+          </a:fillRef>
+          <a:effectRef idx="0">
+            <a:schemeClr val="accent1"/>
+          </a:effectRef>
+          <a:fontRef idx="minor">
+            <a:schemeClr val="tx1"/>
+          </a:fontRef>
+        </p:style>
+      </p:cxnSp>
+      <p:cxnSp>
+        <p:nvCxnSpPr>
+          <p:cNvPr id="95" name="Straight Connector 94">
+            <a:extLst>
+              <a:ext uri="{FF2B5EF4-FFF2-40B4-BE49-F238E27FC236}">
+                <a16:creationId xmlns:a16="http://schemas.microsoft.com/office/drawing/2014/main" id="{7F372D77-558A-431A-BF03-F55CFE0A9A12}"/>
+              </a:ext>
+            </a:extLst>
+          </p:cNvPr>
+          <p:cNvCxnSpPr>
+            <a:cxnSpLocks/>
+          </p:cNvCxnSpPr>
+          <p:nvPr/>
+        </p:nvCxnSpPr>
+        <p:spPr>
+          <a:xfrm>
+            <a:off x="8565738" y="3762344"/>
+            <a:ext cx="0" cy="2285678"/>
+          </a:xfrm>
+          <a:prstGeom prst="line">
+            <a:avLst/>
+          </a:prstGeom>
+          <a:ln w="12700">
+            <a:solidFill>
+              <a:srgbClr val="FF0000"/>
+            </a:solidFill>
+          </a:ln>
+        </p:spPr>
+        <p:style>
+          <a:lnRef idx="1">
+            <a:schemeClr val="accent1"/>
+          </a:lnRef>
+          <a:fillRef idx="0">
+            <a:schemeClr val="accent1"/>
+          </a:fillRef>
+          <a:effectRef idx="0">
+            <a:schemeClr val="accent1"/>
+          </a:effectRef>
+          <a:fontRef idx="minor">
+            <a:schemeClr val="tx1"/>
+          </a:fontRef>
+        </p:style>
+      </p:cxnSp>
+      <p:cxnSp>
+        <p:nvCxnSpPr>
+          <p:cNvPr id="99" name="Straight Connector 98">
+            <a:extLst>
+              <a:ext uri="{FF2B5EF4-FFF2-40B4-BE49-F238E27FC236}">
+                <a16:creationId xmlns:a16="http://schemas.microsoft.com/office/drawing/2014/main" id="{DD4B80A6-7B02-4D1F-9BD5-D3E932EB8189}"/>
+              </a:ext>
+            </a:extLst>
+          </p:cNvPr>
+          <p:cNvCxnSpPr>
+            <a:cxnSpLocks/>
+          </p:cNvCxnSpPr>
+          <p:nvPr/>
+        </p:nvCxnSpPr>
+        <p:spPr>
+          <a:xfrm>
+            <a:off x="8560591" y="4824936"/>
+            <a:ext cx="1262266" cy="0"/>
+          </a:xfrm>
+          <a:prstGeom prst="line">
+            <a:avLst/>
+          </a:prstGeom>
+          <a:ln w="12700">
+            <a:solidFill>
+              <a:srgbClr val="C00000"/>
+            </a:solidFill>
+          </a:ln>
+        </p:spPr>
+        <p:style>
+          <a:lnRef idx="1">
+            <a:schemeClr val="accent1"/>
+          </a:lnRef>
+          <a:fillRef idx="0">
+            <a:schemeClr val="accent1"/>
+          </a:fillRef>
+          <a:effectRef idx="0">
+            <a:schemeClr val="accent1"/>
+          </a:effectRef>
+          <a:fontRef idx="minor">
+            <a:schemeClr val="tx1"/>
+          </a:fontRef>
+        </p:style>
+      </p:cxnSp>
+      <p:cxnSp>
+        <p:nvCxnSpPr>
+          <p:cNvPr id="101" name="Straight Connector 100">
+            <a:extLst>
+              <a:ext uri="{FF2B5EF4-FFF2-40B4-BE49-F238E27FC236}">
+                <a16:creationId xmlns:a16="http://schemas.microsoft.com/office/drawing/2014/main" id="{92B09D8E-C92A-47D0-82BC-03A698EFFF52}"/>
+              </a:ext>
+            </a:extLst>
+          </p:cNvPr>
+          <p:cNvCxnSpPr>
+            <a:cxnSpLocks/>
+          </p:cNvCxnSpPr>
+          <p:nvPr/>
+        </p:nvCxnSpPr>
+        <p:spPr>
+          <a:xfrm>
+            <a:off x="8508621" y="3759673"/>
+            <a:ext cx="0" cy="2196268"/>
+          </a:xfrm>
+          <a:prstGeom prst="line">
+            <a:avLst/>
+          </a:prstGeom>
+          <a:ln w="12700">
+            <a:solidFill>
+              <a:schemeClr val="tx1"/>
+            </a:solidFill>
+          </a:ln>
+        </p:spPr>
+        <p:style>
+          <a:lnRef idx="1">
+            <a:schemeClr val="accent1"/>
+          </a:lnRef>
+          <a:fillRef idx="0">
+            <a:schemeClr val="accent1"/>
+          </a:fillRef>
+          <a:effectRef idx="0">
+            <a:schemeClr val="accent1"/>
+          </a:effectRef>
+          <a:fontRef idx="minor">
+            <a:schemeClr val="tx1"/>
+          </a:fontRef>
+        </p:style>
+      </p:cxnSp>
+      <p:cxnSp>
+        <p:nvCxnSpPr>
+          <p:cNvPr id="104" name="Straight Connector 103">
+            <a:extLst>
+              <a:ext uri="{FF2B5EF4-FFF2-40B4-BE49-F238E27FC236}">
+                <a16:creationId xmlns:a16="http://schemas.microsoft.com/office/drawing/2014/main" id="{C59F78FD-40D6-4F68-AE59-5E0742DF0F0D}"/>
+              </a:ext>
+            </a:extLst>
+          </p:cNvPr>
+          <p:cNvCxnSpPr>
+            <a:cxnSpLocks/>
+          </p:cNvCxnSpPr>
+          <p:nvPr/>
+        </p:nvCxnSpPr>
+        <p:spPr>
+          <a:xfrm>
+            <a:off x="8500232" y="5956899"/>
+            <a:ext cx="1158727" cy="0"/>
+          </a:xfrm>
+          <a:prstGeom prst="line">
+            <a:avLst/>
+          </a:prstGeom>
+          <a:ln w="12700">
+            <a:solidFill>
+              <a:schemeClr val="tx1"/>
+            </a:solidFill>
+          </a:ln>
+        </p:spPr>
+        <p:style>
+          <a:lnRef idx="1">
+            <a:schemeClr val="accent1"/>
+          </a:lnRef>
+          <a:fillRef idx="0">
+            <a:schemeClr val="accent1"/>
+          </a:fillRef>
+          <a:effectRef idx="0">
+            <a:schemeClr val="accent1"/>
+          </a:effectRef>
+          <a:fontRef idx="minor">
+            <a:schemeClr val="tx1"/>
+          </a:fontRef>
+        </p:style>
+      </p:cxnSp>
+      <p:cxnSp>
+        <p:nvCxnSpPr>
+          <p:cNvPr id="109" name="Straight Connector 108">
+            <a:extLst>
+              <a:ext uri="{FF2B5EF4-FFF2-40B4-BE49-F238E27FC236}">
+                <a16:creationId xmlns:a16="http://schemas.microsoft.com/office/drawing/2014/main" id="{34CE341D-3D24-489B-967C-9DC247BB6222}"/>
+              </a:ext>
+            </a:extLst>
+          </p:cNvPr>
+          <p:cNvCxnSpPr>
+            <a:cxnSpLocks/>
+          </p:cNvCxnSpPr>
+          <p:nvPr/>
+        </p:nvCxnSpPr>
+        <p:spPr>
+          <a:xfrm>
+            <a:off x="8508621" y="4732855"/>
+            <a:ext cx="1158727" cy="0"/>
+          </a:xfrm>
+          <a:prstGeom prst="line">
+            <a:avLst/>
+          </a:prstGeom>
+          <a:ln w="12700">
+            <a:solidFill>
+              <a:schemeClr val="tx1"/>
+            </a:solidFill>
+          </a:ln>
+        </p:spPr>
+        <p:style>
+          <a:lnRef idx="1">
+            <a:schemeClr val="accent1"/>
+          </a:lnRef>
+          <a:fillRef idx="0">
+            <a:schemeClr val="accent1"/>
+          </a:fillRef>
+          <a:effectRef idx="0">
+            <a:schemeClr val="accent1"/>
+          </a:effectRef>
+          <a:fontRef idx="minor">
+            <a:schemeClr val="tx1"/>
+          </a:fontRef>
+        </p:style>
+      </p:cxnSp>
+      <p:cxnSp>
+        <p:nvCxnSpPr>
+          <p:cNvPr id="110" name="Straight Connector 109">
+            <a:extLst>
+              <a:ext uri="{FF2B5EF4-FFF2-40B4-BE49-F238E27FC236}">
+                <a16:creationId xmlns:a16="http://schemas.microsoft.com/office/drawing/2014/main" id="{F781E3D9-AAE9-4BAA-BF26-8E2BECFC8EFC}"/>
+              </a:ext>
+            </a:extLst>
+          </p:cNvPr>
+          <p:cNvCxnSpPr>
+            <a:cxnSpLocks/>
+          </p:cNvCxnSpPr>
+          <p:nvPr/>
+        </p:nvCxnSpPr>
+        <p:spPr>
+          <a:xfrm>
+            <a:off x="2591061" y="3762344"/>
+            <a:ext cx="0" cy="397980"/>
+          </a:xfrm>
+          <a:prstGeom prst="line">
+            <a:avLst/>
+          </a:prstGeom>
+          <a:ln w="12700">
+            <a:solidFill>
+              <a:srgbClr val="FF0000"/>
+            </a:solidFill>
+          </a:ln>
+        </p:spPr>
+        <p:style>
+          <a:lnRef idx="1">
+            <a:schemeClr val="accent1"/>
+          </a:lnRef>
+          <a:fillRef idx="0">
+            <a:schemeClr val="accent1"/>
+          </a:fillRef>
+          <a:effectRef idx="0">
+            <a:schemeClr val="accent1"/>
+          </a:effectRef>
+          <a:fontRef idx="minor">
+            <a:schemeClr val="tx1"/>
+          </a:fontRef>
+        </p:style>
+      </p:cxnSp>
+      <p:cxnSp>
+        <p:nvCxnSpPr>
+          <p:cNvPr id="111" name="Straight Connector 110">
+            <a:extLst>
+              <a:ext uri="{FF2B5EF4-FFF2-40B4-BE49-F238E27FC236}">
+                <a16:creationId xmlns:a16="http://schemas.microsoft.com/office/drawing/2014/main" id="{8071295C-BAFB-41E3-B24C-C9EA61C7B3B6}"/>
+              </a:ext>
+            </a:extLst>
+          </p:cNvPr>
+          <p:cNvCxnSpPr>
+            <a:cxnSpLocks/>
+          </p:cNvCxnSpPr>
+          <p:nvPr/>
+        </p:nvCxnSpPr>
+        <p:spPr>
+          <a:xfrm>
+            <a:off x="2533944" y="3759673"/>
+            <a:ext cx="0" cy="332812"/>
+          </a:xfrm>
+          <a:prstGeom prst="line">
+            <a:avLst/>
+          </a:prstGeom>
+          <a:ln w="12700">
+            <a:solidFill>
+              <a:schemeClr val="tx1"/>
+            </a:solidFill>
+          </a:ln>
+        </p:spPr>
+        <p:style>
+          <a:lnRef idx="1">
+            <a:schemeClr val="accent1"/>
+          </a:lnRef>
+          <a:fillRef idx="0">
+            <a:schemeClr val="accent1"/>
+          </a:fillRef>
+          <a:effectRef idx="0">
+            <a:schemeClr val="accent1"/>
+          </a:effectRef>
+          <a:fontRef idx="minor">
+            <a:schemeClr val="tx1"/>
+          </a:fontRef>
+        </p:style>
+      </p:cxnSp>
+      <p:cxnSp>
+        <p:nvCxnSpPr>
+          <p:cNvPr id="114" name="Straight Connector 113">
+            <a:extLst>
+              <a:ext uri="{FF2B5EF4-FFF2-40B4-BE49-F238E27FC236}">
+                <a16:creationId xmlns:a16="http://schemas.microsoft.com/office/drawing/2014/main" id="{8D1E6433-8EC4-46B0-B132-414E272A8CC5}"/>
+              </a:ext>
+            </a:extLst>
+          </p:cNvPr>
+          <p:cNvCxnSpPr>
+            <a:cxnSpLocks/>
+          </p:cNvCxnSpPr>
+          <p:nvPr/>
+        </p:nvCxnSpPr>
+        <p:spPr>
+          <a:xfrm>
+            <a:off x="994731" y="4160324"/>
+            <a:ext cx="1596330" cy="0"/>
+          </a:xfrm>
+          <a:prstGeom prst="line">
+            <a:avLst/>
+          </a:prstGeom>
+          <a:ln w="12700">
+            <a:solidFill>
+              <a:srgbClr val="C00000"/>
+            </a:solidFill>
+          </a:ln>
+        </p:spPr>
+        <p:style>
+          <a:lnRef idx="1">
+            <a:schemeClr val="accent1"/>
+          </a:lnRef>
+          <a:fillRef idx="0">
+            <a:schemeClr val="accent1"/>
+          </a:fillRef>
+          <a:effectRef idx="0">
+            <a:schemeClr val="accent1"/>
+          </a:effectRef>
+          <a:fontRef idx="minor">
+            <a:schemeClr val="tx1"/>
+          </a:fontRef>
+        </p:style>
+      </p:cxnSp>
+      <p:cxnSp>
+        <p:nvCxnSpPr>
+          <p:cNvPr id="115" name="Straight Connector 114">
+            <a:extLst>
+              <a:ext uri="{FF2B5EF4-FFF2-40B4-BE49-F238E27FC236}">
+                <a16:creationId xmlns:a16="http://schemas.microsoft.com/office/drawing/2014/main" id="{960F927D-777E-4F6C-9BDD-42EE06CC2206}"/>
+              </a:ext>
+            </a:extLst>
+          </p:cNvPr>
+          <p:cNvCxnSpPr>
+            <a:cxnSpLocks/>
+          </p:cNvCxnSpPr>
+          <p:nvPr/>
+        </p:nvCxnSpPr>
+        <p:spPr>
+          <a:xfrm>
+            <a:off x="897622" y="4085021"/>
+            <a:ext cx="1636322" cy="0"/>
+          </a:xfrm>
+          <a:prstGeom prst="line">
+            <a:avLst/>
+          </a:prstGeom>
+          <a:ln w="12700">
+            <a:solidFill>
+              <a:schemeClr val="tx1"/>
+            </a:solidFill>
+          </a:ln>
+        </p:spPr>
+        <p:style>
+          <a:lnRef idx="1">
+            <a:schemeClr val="accent1"/>
+          </a:lnRef>
+          <a:fillRef idx="0">
+            <a:schemeClr val="accent1"/>
+          </a:fillRef>
+          <a:effectRef idx="0">
+            <a:schemeClr val="accent1"/>
+          </a:effectRef>
+          <a:fontRef idx="minor">
+            <a:schemeClr val="tx1"/>
+          </a:fontRef>
+        </p:style>
+      </p:cxnSp>
+      <p:cxnSp>
+        <p:nvCxnSpPr>
+          <p:cNvPr id="121" name="Straight Connector 120">
+            <a:extLst>
+              <a:ext uri="{FF2B5EF4-FFF2-40B4-BE49-F238E27FC236}">
+                <a16:creationId xmlns:a16="http://schemas.microsoft.com/office/drawing/2014/main" id="{CC50B155-6999-4862-B0F8-5460F59F555C}"/>
+              </a:ext>
+            </a:extLst>
+          </p:cNvPr>
+          <p:cNvCxnSpPr>
+            <a:cxnSpLocks/>
+          </p:cNvCxnSpPr>
+          <p:nvPr/>
+        </p:nvCxnSpPr>
+        <p:spPr>
+          <a:xfrm>
+            <a:off x="999902" y="4151935"/>
+            <a:ext cx="0" cy="1966839"/>
+          </a:xfrm>
+          <a:prstGeom prst="line">
+            <a:avLst/>
+          </a:prstGeom>
+          <a:ln w="12700">
+            <a:solidFill>
+              <a:srgbClr val="FF0000"/>
+            </a:solidFill>
+          </a:ln>
+        </p:spPr>
+        <p:style>
+          <a:lnRef idx="1">
+            <a:schemeClr val="accent1"/>
+          </a:lnRef>
+          <a:fillRef idx="0">
+            <a:schemeClr val="accent1"/>
+          </a:fillRef>
+          <a:effectRef idx="0">
+            <a:schemeClr val="accent1"/>
+          </a:effectRef>
+          <a:fontRef idx="minor">
+            <a:schemeClr val="tx1"/>
+          </a:fontRef>
+        </p:style>
+      </p:cxnSp>
+      <p:cxnSp>
+        <p:nvCxnSpPr>
+          <p:cNvPr id="122" name="Straight Connector 121">
+            <a:extLst>
+              <a:ext uri="{FF2B5EF4-FFF2-40B4-BE49-F238E27FC236}">
+                <a16:creationId xmlns:a16="http://schemas.microsoft.com/office/drawing/2014/main" id="{AD67EE4E-9D7A-4362-A1C2-3D807BD93DE5}"/>
+              </a:ext>
+            </a:extLst>
+          </p:cNvPr>
+          <p:cNvCxnSpPr>
+            <a:cxnSpLocks/>
+          </p:cNvCxnSpPr>
+          <p:nvPr/>
+        </p:nvCxnSpPr>
+        <p:spPr>
+          <a:xfrm>
+            <a:off x="909229" y="4090541"/>
+            <a:ext cx="0" cy="1894788"/>
+          </a:xfrm>
+          <a:prstGeom prst="line">
+            <a:avLst/>
+          </a:prstGeom>
+          <a:ln w="12700">
+            <a:solidFill>
+              <a:schemeClr val="tx1"/>
+            </a:solidFill>
+          </a:ln>
+        </p:spPr>
+        <p:style>
+          <a:lnRef idx="1">
+            <a:schemeClr val="accent1"/>
+          </a:lnRef>
+          <a:fillRef idx="0">
+            <a:schemeClr val="accent1"/>
+          </a:fillRef>
+          <a:effectRef idx="0">
+            <a:schemeClr val="accent1"/>
+          </a:effectRef>
+          <a:fontRef idx="minor">
+            <a:schemeClr val="tx1"/>
+          </a:fontRef>
+        </p:style>
+      </p:cxnSp>
+      <p:cxnSp>
+        <p:nvCxnSpPr>
+          <p:cNvPr id="125" name="Straight Connector 124">
+            <a:extLst>
+              <a:ext uri="{FF2B5EF4-FFF2-40B4-BE49-F238E27FC236}">
+                <a16:creationId xmlns:a16="http://schemas.microsoft.com/office/drawing/2014/main" id="{45E7B29D-04C9-411E-BDF5-B5D988CC58CC}"/>
+              </a:ext>
+            </a:extLst>
+          </p:cNvPr>
+          <p:cNvCxnSpPr>
+            <a:cxnSpLocks/>
+          </p:cNvCxnSpPr>
+          <p:nvPr/>
+        </p:nvCxnSpPr>
+        <p:spPr>
+          <a:xfrm>
+            <a:off x="999902" y="4960334"/>
+            <a:ext cx="92669" cy="0"/>
+          </a:xfrm>
+          <a:prstGeom prst="line">
+            <a:avLst/>
+          </a:prstGeom>
+          <a:ln w="12700">
+            <a:solidFill>
+              <a:srgbClr val="C00000"/>
+            </a:solidFill>
+          </a:ln>
+        </p:spPr>
+        <p:style>
+          <a:lnRef idx="1">
+            <a:schemeClr val="accent1"/>
+          </a:lnRef>
+          <a:fillRef idx="0">
+            <a:schemeClr val="accent1"/>
+          </a:fillRef>
+          <a:effectRef idx="0">
+            <a:schemeClr val="accent1"/>
+          </a:effectRef>
+          <a:fontRef idx="minor">
+            <a:schemeClr val="tx1"/>
+          </a:fontRef>
+        </p:style>
+      </p:cxnSp>
+      <p:cxnSp>
+        <p:nvCxnSpPr>
+          <p:cNvPr id="126" name="Straight Connector 125">
+            <a:extLst>
+              <a:ext uri="{FF2B5EF4-FFF2-40B4-BE49-F238E27FC236}">
+                <a16:creationId xmlns:a16="http://schemas.microsoft.com/office/drawing/2014/main" id="{5B6307FB-CC4B-4101-8E6C-0F49965AD2C5}"/>
+              </a:ext>
+            </a:extLst>
+          </p:cNvPr>
+          <p:cNvCxnSpPr>
+            <a:cxnSpLocks/>
+          </p:cNvCxnSpPr>
+          <p:nvPr/>
+        </p:nvCxnSpPr>
+        <p:spPr>
+          <a:xfrm>
+            <a:off x="909229" y="4826889"/>
+            <a:ext cx="183342" cy="0"/>
+          </a:xfrm>
+          <a:prstGeom prst="line">
+            <a:avLst/>
+          </a:prstGeom>
+          <a:ln w="12700">
+            <a:solidFill>
+              <a:schemeClr val="tx1"/>
+            </a:solidFill>
+          </a:ln>
+        </p:spPr>
+        <p:style>
+          <a:lnRef idx="1">
+            <a:schemeClr val="accent1"/>
+          </a:lnRef>
+          <a:fillRef idx="0">
+            <a:schemeClr val="accent1"/>
+          </a:fillRef>
+          <a:effectRef idx="0">
+            <a:schemeClr val="accent1"/>
+          </a:effectRef>
+          <a:fontRef idx="minor">
+            <a:schemeClr val="tx1"/>
+          </a:fontRef>
+        </p:style>
+      </p:cxnSp>
+      <p:cxnSp>
+        <p:nvCxnSpPr>
+          <p:cNvPr id="129" name="Straight Connector 128">
+            <a:extLst>
+              <a:ext uri="{FF2B5EF4-FFF2-40B4-BE49-F238E27FC236}">
+                <a16:creationId xmlns:a16="http://schemas.microsoft.com/office/drawing/2014/main" id="{0F4F6A8B-1237-40BB-9D8F-6BD7C2DDDE6E}"/>
+              </a:ext>
+            </a:extLst>
+          </p:cNvPr>
+          <p:cNvCxnSpPr>
+            <a:cxnSpLocks/>
+          </p:cNvCxnSpPr>
+          <p:nvPr/>
+        </p:nvCxnSpPr>
+        <p:spPr>
+          <a:xfrm>
+            <a:off x="994731" y="6118774"/>
+            <a:ext cx="92669" cy="0"/>
+          </a:xfrm>
+          <a:prstGeom prst="line">
+            <a:avLst/>
+          </a:prstGeom>
+          <a:ln w="12700">
+            <a:solidFill>
+              <a:srgbClr val="C00000"/>
+            </a:solidFill>
+          </a:ln>
+        </p:spPr>
+        <p:style>
+          <a:lnRef idx="1">
+            <a:schemeClr val="accent1"/>
+          </a:lnRef>
+          <a:fillRef idx="0">
+            <a:schemeClr val="accent1"/>
+          </a:fillRef>
+          <a:effectRef idx="0">
+            <a:schemeClr val="accent1"/>
+          </a:effectRef>
+          <a:fontRef idx="minor">
+            <a:schemeClr val="tx1"/>
+          </a:fontRef>
+        </p:style>
+      </p:cxnSp>
+      <p:cxnSp>
+        <p:nvCxnSpPr>
+          <p:cNvPr id="130" name="Straight Connector 129">
+            <a:extLst>
+              <a:ext uri="{FF2B5EF4-FFF2-40B4-BE49-F238E27FC236}">
+                <a16:creationId xmlns:a16="http://schemas.microsoft.com/office/drawing/2014/main" id="{BFEF9766-9510-406C-B6B4-7AD3019149E4}"/>
+              </a:ext>
+            </a:extLst>
+          </p:cNvPr>
+          <p:cNvCxnSpPr>
+            <a:cxnSpLocks/>
+          </p:cNvCxnSpPr>
+          <p:nvPr/>
+        </p:nvCxnSpPr>
+        <p:spPr>
+          <a:xfrm>
+            <a:off x="900840" y="5985329"/>
+            <a:ext cx="194949" cy="0"/>
+          </a:xfrm>
+          <a:prstGeom prst="line">
+            <a:avLst/>
+          </a:prstGeom>
+          <a:ln w="12700">
+            <a:solidFill>
+              <a:schemeClr val="tx1"/>
+            </a:solidFill>
+          </a:ln>
+        </p:spPr>
+        <p:style>
+          <a:lnRef idx="1">
+            <a:schemeClr val="accent1"/>
+          </a:lnRef>
+          <a:fillRef idx="0">
+            <a:schemeClr val="accent1"/>
+          </a:fillRef>
+          <a:effectRef idx="0">
+            <a:schemeClr val="accent1"/>
+          </a:effectRef>
+          <a:fontRef idx="minor">
+            <a:schemeClr val="tx1"/>
+          </a:fontRef>
+        </p:style>
+      </p:cxnSp>
+      <p:cxnSp>
+        <p:nvCxnSpPr>
+          <p:cNvPr id="134" name="Straight Connector 133">
+            <a:extLst>
+              <a:ext uri="{FF2B5EF4-FFF2-40B4-BE49-F238E27FC236}">
+                <a16:creationId xmlns:a16="http://schemas.microsoft.com/office/drawing/2014/main" id="{D0AF74CC-79C6-472F-975F-C49684137320}"/>
+              </a:ext>
+            </a:extLst>
+          </p:cNvPr>
+          <p:cNvCxnSpPr>
+            <a:cxnSpLocks/>
+          </p:cNvCxnSpPr>
+          <p:nvPr/>
+        </p:nvCxnSpPr>
+        <p:spPr>
+          <a:xfrm>
+            <a:off x="2384876" y="3763016"/>
+            <a:ext cx="0" cy="239862"/>
+          </a:xfrm>
+          <a:prstGeom prst="line">
+            <a:avLst/>
+          </a:prstGeom>
+          <a:ln w="12700">
+            <a:solidFill>
+              <a:srgbClr val="FFC000"/>
+            </a:solidFill>
+          </a:ln>
+        </p:spPr>
+        <p:style>
+          <a:lnRef idx="1">
+            <a:schemeClr val="accent1"/>
+          </a:lnRef>
+          <a:fillRef idx="0">
+            <a:schemeClr val="accent1"/>
+          </a:fillRef>
+          <a:effectRef idx="0">
+            <a:schemeClr val="accent1"/>
+          </a:effectRef>
+          <a:fontRef idx="minor">
+            <a:schemeClr val="tx1"/>
+          </a:fontRef>
+        </p:style>
+      </p:cxnSp>
+      <p:cxnSp>
+        <p:nvCxnSpPr>
+          <p:cNvPr id="137" name="Straight Connector 136">
+            <a:extLst>
+              <a:ext uri="{FF2B5EF4-FFF2-40B4-BE49-F238E27FC236}">
+                <a16:creationId xmlns:a16="http://schemas.microsoft.com/office/drawing/2014/main" id="{043C4BED-D8ED-4B2D-9F84-361A8BA56D2D}"/>
+              </a:ext>
+            </a:extLst>
+          </p:cNvPr>
+          <p:cNvCxnSpPr>
+            <a:cxnSpLocks/>
+          </p:cNvCxnSpPr>
+          <p:nvPr/>
+        </p:nvCxnSpPr>
+        <p:spPr>
+          <a:xfrm>
+            <a:off x="748554" y="4004917"/>
+            <a:ext cx="1636322" cy="0"/>
+          </a:xfrm>
+          <a:prstGeom prst="line">
+            <a:avLst/>
+          </a:prstGeom>
+          <a:ln w="12700">
+            <a:solidFill>
+              <a:srgbClr val="FFC000"/>
+            </a:solidFill>
+          </a:ln>
+        </p:spPr>
+        <p:style>
+          <a:lnRef idx="1">
+            <a:schemeClr val="accent1"/>
+          </a:lnRef>
+          <a:fillRef idx="0">
+            <a:schemeClr val="accent1"/>
+          </a:fillRef>
+          <a:effectRef idx="0">
+            <a:schemeClr val="accent1"/>
+          </a:effectRef>
+          <a:fontRef idx="minor">
+            <a:schemeClr val="tx1"/>
+          </a:fontRef>
+        </p:style>
+      </p:cxnSp>
+      <p:cxnSp>
+        <p:nvCxnSpPr>
+          <p:cNvPr id="138" name="Straight Connector 137">
+            <a:extLst>
+              <a:ext uri="{FF2B5EF4-FFF2-40B4-BE49-F238E27FC236}">
+                <a16:creationId xmlns:a16="http://schemas.microsoft.com/office/drawing/2014/main" id="{504FED12-F8A5-4280-A930-7ADDF2E96A58}"/>
+              </a:ext>
+            </a:extLst>
+          </p:cNvPr>
+          <p:cNvCxnSpPr>
+            <a:cxnSpLocks/>
+          </p:cNvCxnSpPr>
+          <p:nvPr/>
+        </p:nvCxnSpPr>
+        <p:spPr>
+          <a:xfrm>
+            <a:off x="753903" y="4002878"/>
+            <a:ext cx="0" cy="510399"/>
+          </a:xfrm>
+          <a:prstGeom prst="line">
+            <a:avLst/>
+          </a:prstGeom>
+          <a:ln w="12700">
+            <a:solidFill>
+              <a:srgbClr val="FFC000"/>
+            </a:solidFill>
+          </a:ln>
+        </p:spPr>
+        <p:style>
+          <a:lnRef idx="1">
+            <a:schemeClr val="accent1"/>
+          </a:lnRef>
+          <a:fillRef idx="0">
+            <a:schemeClr val="accent1"/>
+          </a:fillRef>
+          <a:effectRef idx="0">
+            <a:schemeClr val="accent1"/>
+          </a:effectRef>
+          <a:fontRef idx="minor">
+            <a:schemeClr val="tx1"/>
+          </a:fontRef>
+        </p:style>
+      </p:cxnSp>
+      <p:cxnSp>
+        <p:nvCxnSpPr>
+          <p:cNvPr id="142" name="Straight Connector 141">
+            <a:extLst>
+              <a:ext uri="{FF2B5EF4-FFF2-40B4-BE49-F238E27FC236}">
+                <a16:creationId xmlns:a16="http://schemas.microsoft.com/office/drawing/2014/main" id="{26A3CA45-5D07-4FDC-B275-52993C6A381F}"/>
+              </a:ext>
+            </a:extLst>
+          </p:cNvPr>
+          <p:cNvCxnSpPr>
+            <a:cxnSpLocks/>
+          </p:cNvCxnSpPr>
+          <p:nvPr/>
+        </p:nvCxnSpPr>
+        <p:spPr>
+          <a:xfrm>
+            <a:off x="748361" y="4513277"/>
+            <a:ext cx="339039" cy="0"/>
+          </a:xfrm>
+          <a:prstGeom prst="line">
+            <a:avLst/>
+          </a:prstGeom>
+          <a:ln w="12700">
+            <a:solidFill>
+              <a:srgbClr val="FFC000"/>
+            </a:solidFill>
+          </a:ln>
+        </p:spPr>
+        <p:style>
+          <a:lnRef idx="1">
+            <a:schemeClr val="accent1"/>
+          </a:lnRef>
+          <a:fillRef idx="0">
+            <a:schemeClr val="accent1"/>
+          </a:fillRef>
+          <a:effectRef idx="0">
+            <a:schemeClr val="accent1"/>
+          </a:effectRef>
+          <a:fontRef idx="minor">
+            <a:schemeClr val="tx1"/>
+          </a:fontRef>
+        </p:style>
+      </p:cxnSp>
+      <p:cxnSp>
+        <p:nvCxnSpPr>
+          <p:cNvPr id="144" name="Straight Connector 143">
+            <a:extLst>
+              <a:ext uri="{FF2B5EF4-FFF2-40B4-BE49-F238E27FC236}">
+                <a16:creationId xmlns:a16="http://schemas.microsoft.com/office/drawing/2014/main" id="{BEE57885-0F4E-485D-8FC2-56ABCCDAF6A4}"/>
+              </a:ext>
+            </a:extLst>
+          </p:cNvPr>
+          <p:cNvCxnSpPr>
+            <a:cxnSpLocks/>
+          </p:cNvCxnSpPr>
+          <p:nvPr/>
+        </p:nvCxnSpPr>
+        <p:spPr>
+          <a:xfrm>
+            <a:off x="1876876" y="3759673"/>
+            <a:ext cx="0" cy="196377"/>
+          </a:xfrm>
+          <a:prstGeom prst="line">
+            <a:avLst/>
+          </a:prstGeom>
+          <a:ln w="12700">
+            <a:solidFill>
+              <a:srgbClr val="FFC000"/>
+            </a:solidFill>
+          </a:ln>
+        </p:spPr>
+        <p:style>
+          <a:lnRef idx="1">
+            <a:schemeClr val="accent1"/>
+          </a:lnRef>
+          <a:fillRef idx="0">
+            <a:schemeClr val="accent1"/>
+          </a:fillRef>
+          <a:effectRef idx="0">
+            <a:schemeClr val="accent1"/>
+          </a:effectRef>
+          <a:fontRef idx="minor">
+            <a:schemeClr val="tx1"/>
+          </a:fontRef>
+        </p:style>
+      </p:cxnSp>
+      <p:cxnSp>
+        <p:nvCxnSpPr>
+          <p:cNvPr id="147" name="Straight Connector 146">
+            <a:extLst>
+              <a:ext uri="{FF2B5EF4-FFF2-40B4-BE49-F238E27FC236}">
+                <a16:creationId xmlns:a16="http://schemas.microsoft.com/office/drawing/2014/main" id="{2F021112-2E0D-4BD3-913D-154F5E57BC2A}"/>
+              </a:ext>
+            </a:extLst>
+          </p:cNvPr>
+          <p:cNvCxnSpPr>
+            <a:cxnSpLocks/>
+          </p:cNvCxnSpPr>
+          <p:nvPr/>
+        </p:nvCxnSpPr>
+        <p:spPr>
+          <a:xfrm>
+            <a:off x="615950" y="3949700"/>
+            <a:ext cx="1269135" cy="0"/>
+          </a:xfrm>
+          <a:prstGeom prst="line">
+            <a:avLst/>
+          </a:prstGeom>
+          <a:ln w="12700">
+            <a:solidFill>
+              <a:srgbClr val="FFC000"/>
+            </a:solidFill>
+          </a:ln>
+        </p:spPr>
+        <p:style>
+          <a:lnRef idx="1">
+            <a:schemeClr val="accent1"/>
+          </a:lnRef>
+          <a:fillRef idx="0">
+            <a:schemeClr val="accent1"/>
+          </a:fillRef>
+          <a:effectRef idx="0">
+            <a:schemeClr val="accent1"/>
+          </a:effectRef>
+          <a:fontRef idx="minor">
+            <a:schemeClr val="tx1"/>
+          </a:fontRef>
+        </p:style>
+      </p:cxnSp>
+      <p:cxnSp>
+        <p:nvCxnSpPr>
+          <p:cNvPr id="149" name="Straight Connector 148">
+            <a:extLst>
+              <a:ext uri="{FF2B5EF4-FFF2-40B4-BE49-F238E27FC236}">
+                <a16:creationId xmlns:a16="http://schemas.microsoft.com/office/drawing/2014/main" id="{F3945A9C-99FD-4BA1-A27C-F9D9645F5999}"/>
+              </a:ext>
+            </a:extLst>
+          </p:cNvPr>
+          <p:cNvCxnSpPr>
+            <a:cxnSpLocks/>
+          </p:cNvCxnSpPr>
+          <p:nvPr/>
+        </p:nvCxnSpPr>
+        <p:spPr>
+          <a:xfrm>
+            <a:off x="635000" y="3949700"/>
+            <a:ext cx="0" cy="1673743"/>
+          </a:xfrm>
+          <a:prstGeom prst="line">
+            <a:avLst/>
+          </a:prstGeom>
+          <a:ln w="12700">
+            <a:solidFill>
+              <a:srgbClr val="FFC000"/>
+            </a:solidFill>
+          </a:ln>
+        </p:spPr>
+        <p:style>
+          <a:lnRef idx="1">
+            <a:schemeClr val="accent1"/>
+          </a:lnRef>
+          <a:fillRef idx="0">
+            <a:schemeClr val="accent1"/>
+          </a:fillRef>
+          <a:effectRef idx="0">
+            <a:schemeClr val="accent1"/>
+          </a:effectRef>
+          <a:fontRef idx="minor">
+            <a:schemeClr val="tx1"/>
+          </a:fontRef>
+        </p:style>
+      </p:cxnSp>
+      <p:cxnSp>
+        <p:nvCxnSpPr>
+          <p:cNvPr id="151" name="Straight Connector 150">
+            <a:extLst>
+              <a:ext uri="{FF2B5EF4-FFF2-40B4-BE49-F238E27FC236}">
+                <a16:creationId xmlns:a16="http://schemas.microsoft.com/office/drawing/2014/main" id="{005C4861-2C96-4324-849D-0BB7B89C1578}"/>
+              </a:ext>
+            </a:extLst>
+          </p:cNvPr>
+          <p:cNvCxnSpPr>
+            <a:cxnSpLocks/>
+          </p:cNvCxnSpPr>
+          <p:nvPr/>
+        </p:nvCxnSpPr>
+        <p:spPr>
+          <a:xfrm>
+            <a:off x="635000" y="5618815"/>
+            <a:ext cx="460789" cy="0"/>
+          </a:xfrm>
+          <a:prstGeom prst="line">
+            <a:avLst/>
+          </a:prstGeom>
+          <a:ln w="12700">
+            <a:solidFill>
+              <a:srgbClr val="FFC000"/>
+            </a:solidFill>
+          </a:ln>
+        </p:spPr>
+        <p:style>
+          <a:lnRef idx="1">
+            <a:schemeClr val="accent1"/>
+          </a:lnRef>
+          <a:fillRef idx="0">
+            <a:schemeClr val="accent1"/>
+          </a:fillRef>
+          <a:effectRef idx="0">
+            <a:schemeClr val="accent1"/>
+          </a:effectRef>
+          <a:fontRef idx="minor">
+            <a:schemeClr val="tx1"/>
+          </a:fontRef>
+        </p:style>
+      </p:cxnSp>
+      <p:cxnSp>
+        <p:nvCxnSpPr>
+          <p:cNvPr id="154" name="Straight Connector 153">
+            <a:extLst>
+              <a:ext uri="{FF2B5EF4-FFF2-40B4-BE49-F238E27FC236}">
+                <a16:creationId xmlns:a16="http://schemas.microsoft.com/office/drawing/2014/main" id="{549506D1-4B95-4CC6-9F0B-B1D174E094D9}"/>
+              </a:ext>
+            </a:extLst>
+          </p:cNvPr>
+          <p:cNvCxnSpPr>
+            <a:cxnSpLocks/>
+          </p:cNvCxnSpPr>
+          <p:nvPr/>
+        </p:nvCxnSpPr>
+        <p:spPr>
+          <a:xfrm>
+            <a:off x="2349860" y="4960334"/>
+            <a:ext cx="367940" cy="0"/>
+          </a:xfrm>
+          <a:prstGeom prst="line">
+            <a:avLst/>
+          </a:prstGeom>
+          <a:ln w="12700">
+            <a:solidFill>
+              <a:srgbClr val="C00000"/>
+            </a:solidFill>
+          </a:ln>
+        </p:spPr>
+        <p:style>
+          <a:lnRef idx="1">
+            <a:schemeClr val="accent1"/>
+          </a:lnRef>
+          <a:fillRef idx="0">
+            <a:schemeClr val="accent1"/>
+          </a:fillRef>
+          <a:effectRef idx="0">
+            <a:schemeClr val="accent1"/>
+          </a:effectRef>
+          <a:fontRef idx="minor">
+            <a:schemeClr val="tx1"/>
+          </a:fontRef>
+        </p:style>
+      </p:cxnSp>
+      <p:cxnSp>
+        <p:nvCxnSpPr>
+          <p:cNvPr id="156" name="Straight Connector 155">
+            <a:extLst>
+              <a:ext uri="{FF2B5EF4-FFF2-40B4-BE49-F238E27FC236}">
+                <a16:creationId xmlns:a16="http://schemas.microsoft.com/office/drawing/2014/main" id="{55294984-0E6E-4AD7-BED5-E4646B8AE16F}"/>
+              </a:ext>
+            </a:extLst>
+          </p:cNvPr>
+          <p:cNvCxnSpPr>
+            <a:cxnSpLocks/>
+          </p:cNvCxnSpPr>
+          <p:nvPr/>
+        </p:nvCxnSpPr>
+        <p:spPr>
+          <a:xfrm>
+            <a:off x="2713038" y="4657585"/>
+            <a:ext cx="0" cy="302749"/>
+          </a:xfrm>
+          <a:prstGeom prst="line">
+            <a:avLst/>
+          </a:prstGeom>
+          <a:ln w="12700">
+            <a:solidFill>
+              <a:srgbClr val="FF0000"/>
+            </a:solidFill>
+          </a:ln>
+        </p:spPr>
+        <p:style>
+          <a:lnRef idx="1">
+            <a:schemeClr val="accent1"/>
+          </a:lnRef>
+          <a:fillRef idx="0">
+            <a:schemeClr val="accent1"/>
+          </a:fillRef>
+          <a:effectRef idx="0">
+            <a:schemeClr val="accent1"/>
+          </a:effectRef>
+          <a:fontRef idx="minor">
+            <a:schemeClr val="tx1"/>
+          </a:fontRef>
+        </p:style>
+      </p:cxnSp>
+      <p:cxnSp>
+        <p:nvCxnSpPr>
+          <p:cNvPr id="158" name="Straight Connector 157">
+            <a:extLst>
+              <a:ext uri="{FF2B5EF4-FFF2-40B4-BE49-F238E27FC236}">
+                <a16:creationId xmlns:a16="http://schemas.microsoft.com/office/drawing/2014/main" id="{0205B80A-7514-43F3-BB98-8D2D92728A83}"/>
+              </a:ext>
+            </a:extLst>
+          </p:cNvPr>
+          <p:cNvCxnSpPr>
+            <a:cxnSpLocks/>
+          </p:cNvCxnSpPr>
+          <p:nvPr/>
+        </p:nvCxnSpPr>
+        <p:spPr>
+          <a:xfrm>
+            <a:off x="2706859" y="4657585"/>
+            <a:ext cx="386385" cy="0"/>
+          </a:xfrm>
+          <a:prstGeom prst="line">
+            <a:avLst/>
+          </a:prstGeom>
+          <a:ln w="12700">
+            <a:solidFill>
+              <a:srgbClr val="C00000"/>
+            </a:solidFill>
+          </a:ln>
+        </p:spPr>
+        <p:style>
+          <a:lnRef idx="1">
+            <a:schemeClr val="accent1"/>
+          </a:lnRef>
+          <a:fillRef idx="0">
+            <a:schemeClr val="accent1"/>
+          </a:fillRef>
+          <a:effectRef idx="0">
+            <a:schemeClr val="accent1"/>
+          </a:effectRef>
+          <a:fontRef idx="minor">
+            <a:schemeClr val="tx1"/>
+          </a:fontRef>
+        </p:style>
+      </p:cxnSp>
+      <p:cxnSp>
+        <p:nvCxnSpPr>
+          <p:cNvPr id="161" name="Straight Connector 160">
+            <a:extLst>
+              <a:ext uri="{FF2B5EF4-FFF2-40B4-BE49-F238E27FC236}">
+                <a16:creationId xmlns:a16="http://schemas.microsoft.com/office/drawing/2014/main" id="{D2881A23-4181-47E5-BB3A-C87B4A14D6CF}"/>
+              </a:ext>
+            </a:extLst>
+          </p:cNvPr>
+          <p:cNvCxnSpPr>
+            <a:cxnSpLocks/>
+          </p:cNvCxnSpPr>
+          <p:nvPr/>
+        </p:nvCxnSpPr>
+        <p:spPr>
+          <a:xfrm>
+            <a:off x="2337331" y="6099663"/>
+            <a:ext cx="367940" cy="0"/>
+          </a:xfrm>
+          <a:prstGeom prst="line">
+            <a:avLst/>
+          </a:prstGeom>
+          <a:ln w="12700">
+            <a:solidFill>
+              <a:srgbClr val="C00000"/>
+            </a:solidFill>
+          </a:ln>
+        </p:spPr>
+        <p:style>
+          <a:lnRef idx="1">
+            <a:schemeClr val="accent1"/>
+          </a:lnRef>
+          <a:fillRef idx="0">
+            <a:schemeClr val="accent1"/>
+          </a:fillRef>
+          <a:effectRef idx="0">
+            <a:schemeClr val="accent1"/>
+          </a:effectRef>
+          <a:fontRef idx="minor">
+            <a:schemeClr val="tx1"/>
+          </a:fontRef>
+        </p:style>
+      </p:cxnSp>
+      <p:cxnSp>
+        <p:nvCxnSpPr>
+          <p:cNvPr id="162" name="Straight Connector 161">
+            <a:extLst>
+              <a:ext uri="{FF2B5EF4-FFF2-40B4-BE49-F238E27FC236}">
+                <a16:creationId xmlns:a16="http://schemas.microsoft.com/office/drawing/2014/main" id="{694FBD74-B202-4A24-808C-7AB159524C01}"/>
+              </a:ext>
+            </a:extLst>
+          </p:cNvPr>
+          <p:cNvCxnSpPr>
+            <a:cxnSpLocks/>
+          </p:cNvCxnSpPr>
+          <p:nvPr/>
+        </p:nvCxnSpPr>
+        <p:spPr>
+          <a:xfrm>
+            <a:off x="2700509" y="5796914"/>
+            <a:ext cx="0" cy="302749"/>
+          </a:xfrm>
+          <a:prstGeom prst="line">
+            <a:avLst/>
+          </a:prstGeom>
+          <a:ln w="12700">
+            <a:solidFill>
+              <a:srgbClr val="FF0000"/>
+            </a:solidFill>
+          </a:ln>
+        </p:spPr>
+        <p:style>
+          <a:lnRef idx="1">
+            <a:schemeClr val="accent1"/>
+          </a:lnRef>
+          <a:fillRef idx="0">
+            <a:schemeClr val="accent1"/>
+          </a:fillRef>
+          <a:effectRef idx="0">
+            <a:schemeClr val="accent1"/>
+          </a:effectRef>
+          <a:fontRef idx="minor">
+            <a:schemeClr val="tx1"/>
+          </a:fontRef>
+        </p:style>
+      </p:cxnSp>
+      <p:cxnSp>
+        <p:nvCxnSpPr>
+          <p:cNvPr id="163" name="Straight Connector 162">
+            <a:extLst>
+              <a:ext uri="{FF2B5EF4-FFF2-40B4-BE49-F238E27FC236}">
+                <a16:creationId xmlns:a16="http://schemas.microsoft.com/office/drawing/2014/main" id="{FBCB69AD-C648-475D-B708-9279C2BDFF46}"/>
+              </a:ext>
+            </a:extLst>
+          </p:cNvPr>
+          <p:cNvCxnSpPr>
+            <a:cxnSpLocks/>
+          </p:cNvCxnSpPr>
+          <p:nvPr/>
+        </p:nvCxnSpPr>
+        <p:spPr>
+          <a:xfrm>
+            <a:off x="2694330" y="5796914"/>
+            <a:ext cx="386385" cy="0"/>
+          </a:xfrm>
+          <a:prstGeom prst="line">
+            <a:avLst/>
+          </a:prstGeom>
+          <a:ln w="12700">
+            <a:solidFill>
+              <a:srgbClr val="C00000"/>
+            </a:solidFill>
+          </a:ln>
+        </p:spPr>
+        <p:style>
+          <a:lnRef idx="1">
+            <a:schemeClr val="accent1"/>
+          </a:lnRef>
+          <a:fillRef idx="0">
+            <a:schemeClr val="accent1"/>
+          </a:fillRef>
+          <a:effectRef idx="0">
+            <a:schemeClr val="accent1"/>
+          </a:effectRef>
+          <a:fontRef idx="minor">
+            <a:schemeClr val="tx1"/>
+          </a:fontRef>
+        </p:style>
+      </p:cxnSp>
+      <p:cxnSp>
+        <p:nvCxnSpPr>
+          <p:cNvPr id="167" name="Straight Connector 166">
+            <a:extLst>
+              <a:ext uri="{FF2B5EF4-FFF2-40B4-BE49-F238E27FC236}">
+                <a16:creationId xmlns:a16="http://schemas.microsoft.com/office/drawing/2014/main" id="{B08E8008-B417-4BEE-B8EC-C2967CB847C2}"/>
+              </a:ext>
+            </a:extLst>
+          </p:cNvPr>
+          <p:cNvCxnSpPr>
+            <a:cxnSpLocks/>
+          </p:cNvCxnSpPr>
+          <p:nvPr/>
+        </p:nvCxnSpPr>
+        <p:spPr>
+          <a:xfrm>
+            <a:off x="2337331" y="5955941"/>
+            <a:ext cx="287578" cy="0"/>
+          </a:xfrm>
+          <a:prstGeom prst="line">
+            <a:avLst/>
+          </a:prstGeom>
+          <a:ln w="12700">
+            <a:solidFill>
+              <a:schemeClr val="tx1"/>
+            </a:solidFill>
+          </a:ln>
+        </p:spPr>
+        <p:style>
+          <a:lnRef idx="1">
+            <a:schemeClr val="accent1"/>
+          </a:lnRef>
+          <a:fillRef idx="0">
+            <a:schemeClr val="accent1"/>
+          </a:fillRef>
+          <a:effectRef idx="0">
+            <a:schemeClr val="accent1"/>
+          </a:effectRef>
+          <a:fontRef idx="minor">
+            <a:schemeClr val="tx1"/>
+          </a:fontRef>
+        </p:style>
+      </p:cxnSp>
+      <p:cxnSp>
+        <p:nvCxnSpPr>
+          <p:cNvPr id="169" name="Straight Connector 168">
+            <a:extLst>
+              <a:ext uri="{FF2B5EF4-FFF2-40B4-BE49-F238E27FC236}">
+                <a16:creationId xmlns:a16="http://schemas.microsoft.com/office/drawing/2014/main" id="{0385AE8B-643C-4C64-AA6E-938619020C04}"/>
+              </a:ext>
+            </a:extLst>
+          </p:cNvPr>
+          <p:cNvCxnSpPr>
+            <a:cxnSpLocks/>
+          </p:cNvCxnSpPr>
+          <p:nvPr/>
+        </p:nvCxnSpPr>
+        <p:spPr>
+          <a:xfrm>
+            <a:off x="2620146" y="5749588"/>
+            <a:ext cx="0" cy="211116"/>
+          </a:xfrm>
+          <a:prstGeom prst="line">
+            <a:avLst/>
+          </a:prstGeom>
+          <a:ln w="12700">
+            <a:solidFill>
+              <a:schemeClr val="tx1"/>
+            </a:solidFill>
+          </a:ln>
+        </p:spPr>
+        <p:style>
+          <a:lnRef idx="1">
+            <a:schemeClr val="accent1"/>
+          </a:lnRef>
+          <a:fillRef idx="0">
+            <a:schemeClr val="accent1"/>
+          </a:fillRef>
+          <a:effectRef idx="0">
+            <a:schemeClr val="accent1"/>
+          </a:effectRef>
+          <a:fontRef idx="minor">
+            <a:schemeClr val="tx1"/>
+          </a:fontRef>
+        </p:style>
+      </p:cxnSp>
+      <p:cxnSp>
+        <p:nvCxnSpPr>
+          <p:cNvPr id="171" name="Straight Connector 170">
+            <a:extLst>
+              <a:ext uri="{FF2B5EF4-FFF2-40B4-BE49-F238E27FC236}">
+                <a16:creationId xmlns:a16="http://schemas.microsoft.com/office/drawing/2014/main" id="{F4B84083-FB6E-4B24-93F3-2E484EE13801}"/>
+              </a:ext>
+            </a:extLst>
+          </p:cNvPr>
+          <p:cNvCxnSpPr>
+            <a:cxnSpLocks/>
+          </p:cNvCxnSpPr>
+          <p:nvPr/>
+        </p:nvCxnSpPr>
+        <p:spPr>
+          <a:xfrm>
+            <a:off x="2620146" y="5754351"/>
+            <a:ext cx="460569" cy="0"/>
+          </a:xfrm>
+          <a:prstGeom prst="line">
+            <a:avLst/>
+          </a:prstGeom>
+          <a:ln w="12700">
+            <a:solidFill>
+              <a:schemeClr val="tx1"/>
+            </a:solidFill>
+          </a:ln>
+        </p:spPr>
+        <p:style>
+          <a:lnRef idx="1">
+            <a:schemeClr val="accent1"/>
+          </a:lnRef>
+          <a:fillRef idx="0">
+            <a:schemeClr val="accent1"/>
+          </a:fillRef>
+          <a:effectRef idx="0">
+            <a:schemeClr val="accent1"/>
+          </a:effectRef>
+          <a:fontRef idx="minor">
+            <a:schemeClr val="tx1"/>
+          </a:fontRef>
+        </p:style>
+      </p:cxnSp>
+      <p:cxnSp>
+        <p:nvCxnSpPr>
+          <p:cNvPr id="176" name="Straight Connector 175">
+            <a:extLst>
+              <a:ext uri="{FF2B5EF4-FFF2-40B4-BE49-F238E27FC236}">
+                <a16:creationId xmlns:a16="http://schemas.microsoft.com/office/drawing/2014/main" id="{B1B9CA6F-731E-4D72-BE92-1CAB6A49C2E4}"/>
+              </a:ext>
+            </a:extLst>
+          </p:cNvPr>
+          <p:cNvCxnSpPr>
+            <a:cxnSpLocks/>
+          </p:cNvCxnSpPr>
+          <p:nvPr/>
+        </p:nvCxnSpPr>
+        <p:spPr>
+          <a:xfrm>
+            <a:off x="2349860" y="4821083"/>
+            <a:ext cx="287578" cy="0"/>
+          </a:xfrm>
+          <a:prstGeom prst="line">
+            <a:avLst/>
+          </a:prstGeom>
+          <a:ln w="12700">
+            <a:solidFill>
+              <a:schemeClr val="tx1"/>
+            </a:solidFill>
+          </a:ln>
+        </p:spPr>
+        <p:style>
+          <a:lnRef idx="1">
+            <a:schemeClr val="accent1"/>
+          </a:lnRef>
+          <a:fillRef idx="0">
+            <a:schemeClr val="accent1"/>
+          </a:fillRef>
+          <a:effectRef idx="0">
+            <a:schemeClr val="accent1"/>
+          </a:effectRef>
+          <a:fontRef idx="minor">
+            <a:schemeClr val="tx1"/>
+          </a:fontRef>
+        </p:style>
+      </p:cxnSp>
+      <p:cxnSp>
+        <p:nvCxnSpPr>
+          <p:cNvPr id="177" name="Straight Connector 176">
+            <a:extLst>
+              <a:ext uri="{FF2B5EF4-FFF2-40B4-BE49-F238E27FC236}">
+                <a16:creationId xmlns:a16="http://schemas.microsoft.com/office/drawing/2014/main" id="{A9A6CE4D-9084-4992-B943-B2D0ADFBD8DD}"/>
+              </a:ext>
+            </a:extLst>
+          </p:cNvPr>
+          <p:cNvCxnSpPr>
+            <a:cxnSpLocks/>
+          </p:cNvCxnSpPr>
+          <p:nvPr/>
+        </p:nvCxnSpPr>
+        <p:spPr>
+          <a:xfrm>
+            <a:off x="2632675" y="4614730"/>
+            <a:ext cx="0" cy="211116"/>
+          </a:xfrm>
+          <a:prstGeom prst="line">
+            <a:avLst/>
+          </a:prstGeom>
+          <a:ln w="12700">
+            <a:solidFill>
+              <a:schemeClr val="tx1"/>
+            </a:solidFill>
+          </a:ln>
+        </p:spPr>
+        <p:style>
+          <a:lnRef idx="1">
+            <a:schemeClr val="accent1"/>
+          </a:lnRef>
+          <a:fillRef idx="0">
+            <a:schemeClr val="accent1"/>
+          </a:fillRef>
+          <a:effectRef idx="0">
+            <a:schemeClr val="accent1"/>
+          </a:effectRef>
+          <a:fontRef idx="minor">
+            <a:schemeClr val="tx1"/>
+          </a:fontRef>
+        </p:style>
+      </p:cxnSp>
+      <p:cxnSp>
+        <p:nvCxnSpPr>
+          <p:cNvPr id="178" name="Straight Connector 177">
+            <a:extLst>
+              <a:ext uri="{FF2B5EF4-FFF2-40B4-BE49-F238E27FC236}">
+                <a16:creationId xmlns:a16="http://schemas.microsoft.com/office/drawing/2014/main" id="{1E1FDA1B-A7AF-4542-A541-AA34DFDA2592}"/>
+              </a:ext>
+            </a:extLst>
+          </p:cNvPr>
+          <p:cNvCxnSpPr>
+            <a:cxnSpLocks/>
+          </p:cNvCxnSpPr>
+          <p:nvPr/>
+        </p:nvCxnSpPr>
+        <p:spPr>
+          <a:xfrm>
+            <a:off x="2632675" y="4619493"/>
+            <a:ext cx="460569" cy="0"/>
+          </a:xfrm>
+          <a:prstGeom prst="line">
+            <a:avLst/>
+          </a:prstGeom>
+          <a:ln w="12700">
+            <a:solidFill>
+              <a:schemeClr val="tx1"/>
+            </a:solidFill>
+          </a:ln>
+        </p:spPr>
+        <p:style>
+          <a:lnRef idx="1">
+            <a:schemeClr val="accent1"/>
+          </a:lnRef>
+          <a:fillRef idx="0">
+            <a:schemeClr val="accent1"/>
+          </a:fillRef>
+          <a:effectRef idx="0">
+            <a:schemeClr val="accent1"/>
+          </a:effectRef>
+          <a:fontRef idx="minor">
+            <a:schemeClr val="tx1"/>
+          </a:fontRef>
+        </p:style>
+      </p:cxnSp>
+      <p:sp>
+        <p:nvSpPr>
+          <p:cNvPr id="180" name="TextBox 179">
+            <a:extLst>
+              <a:ext uri="{FF2B5EF4-FFF2-40B4-BE49-F238E27FC236}">
+                <a16:creationId xmlns:a16="http://schemas.microsoft.com/office/drawing/2014/main" id="{1781C5E1-4AD6-4D5A-8622-5400A856E90D}"/>
+              </a:ext>
+            </a:extLst>
+          </p:cNvPr>
+          <p:cNvSpPr txBox="1"/>
+          <p:nvPr/>
+        </p:nvSpPr>
+        <p:spPr>
+          <a:xfrm>
+            <a:off x="11586575" y="185766"/>
+            <a:ext cx="253596" cy="169277"/>
+          </a:xfrm>
+          <a:prstGeom prst="rect">
+            <a:avLst/>
+          </a:prstGeom>
+          <a:noFill/>
+        </p:spPr>
+        <p:txBody>
+          <a:bodyPr wrap="none" rtlCol="0">
+            <a:spAutoFit/>
+          </a:bodyPr>
+          <a:lstStyle/>
+          <a:p>
+            <a:r>
+              <a:rPr lang="en-US" sz="500" dirty="0">
+                <a:solidFill>
+                  <a:srgbClr val="FF0000"/>
+                </a:solidFill>
+              </a:rPr>
+              <a:t>5V</a:t>
+            </a:r>
+            <a:endParaRPr lang="en-US" sz="700" dirty="0">
+              <a:solidFill>
+                <a:srgbClr val="FF0000"/>
+              </a:solidFill>
+            </a:endParaRPr>
+          </a:p>
+        </p:txBody>
+      </p:sp>
+      <p:cxnSp>
+        <p:nvCxnSpPr>
+          <p:cNvPr id="181" name="Straight Connector 180">
+            <a:extLst>
+              <a:ext uri="{FF2B5EF4-FFF2-40B4-BE49-F238E27FC236}">
+                <a16:creationId xmlns:a16="http://schemas.microsoft.com/office/drawing/2014/main" id="{918AD88B-ECAE-4382-BA83-39F78BE78595}"/>
+              </a:ext>
+            </a:extLst>
+          </p:cNvPr>
+          <p:cNvCxnSpPr>
+            <a:cxnSpLocks/>
+          </p:cNvCxnSpPr>
+          <p:nvPr/>
+        </p:nvCxnSpPr>
+        <p:spPr>
+          <a:xfrm>
+            <a:off x="2342130" y="4497417"/>
+            <a:ext cx="508300" cy="0"/>
+          </a:xfrm>
+          <a:prstGeom prst="line">
+            <a:avLst/>
+          </a:prstGeom>
+          <a:ln w="12700">
+            <a:solidFill>
+              <a:srgbClr val="FFC000"/>
+            </a:solidFill>
+          </a:ln>
+        </p:spPr>
+        <p:style>
+          <a:lnRef idx="1">
+            <a:schemeClr val="accent1"/>
+          </a:lnRef>
+          <a:fillRef idx="0">
+            <a:schemeClr val="accent1"/>
+          </a:fillRef>
+          <a:effectRef idx="0">
+            <a:schemeClr val="accent1"/>
+          </a:effectRef>
+          <a:fontRef idx="minor">
+            <a:schemeClr val="tx1"/>
+          </a:fontRef>
+        </p:style>
+      </p:cxnSp>
+      <p:cxnSp>
+        <p:nvCxnSpPr>
+          <p:cNvPr id="183" name="Straight Connector 182">
+            <a:extLst>
+              <a:ext uri="{FF2B5EF4-FFF2-40B4-BE49-F238E27FC236}">
+                <a16:creationId xmlns:a16="http://schemas.microsoft.com/office/drawing/2014/main" id="{90DC18B4-9502-4642-A90D-AAE4B2A5FB9B}"/>
+              </a:ext>
+            </a:extLst>
+          </p:cNvPr>
+          <p:cNvCxnSpPr>
+            <a:cxnSpLocks/>
+          </p:cNvCxnSpPr>
+          <p:nvPr/>
+        </p:nvCxnSpPr>
+        <p:spPr>
+          <a:xfrm>
+            <a:off x="2850430" y="4707617"/>
+            <a:ext cx="242814" cy="0"/>
+          </a:xfrm>
+          <a:prstGeom prst="line">
+            <a:avLst/>
+          </a:prstGeom>
+          <a:ln w="12700">
+            <a:solidFill>
+              <a:srgbClr val="FFC000"/>
+            </a:solidFill>
+          </a:ln>
+        </p:spPr>
+        <p:style>
+          <a:lnRef idx="1">
+            <a:schemeClr val="accent1"/>
+          </a:lnRef>
+          <a:fillRef idx="0">
+            <a:schemeClr val="accent1"/>
+          </a:fillRef>
+          <a:effectRef idx="0">
+            <a:schemeClr val="accent1"/>
+          </a:effectRef>
+          <a:fontRef idx="minor">
+            <a:schemeClr val="tx1"/>
+          </a:fontRef>
+        </p:style>
+      </p:cxnSp>
+      <p:cxnSp>
+        <p:nvCxnSpPr>
+          <p:cNvPr id="185" name="Straight Connector 184">
+            <a:extLst>
+              <a:ext uri="{FF2B5EF4-FFF2-40B4-BE49-F238E27FC236}">
+                <a16:creationId xmlns:a16="http://schemas.microsoft.com/office/drawing/2014/main" id="{371C444C-F927-4430-875B-50C99A77125A}"/>
+              </a:ext>
+            </a:extLst>
+          </p:cNvPr>
+          <p:cNvCxnSpPr>
+            <a:cxnSpLocks/>
+          </p:cNvCxnSpPr>
+          <p:nvPr/>
+        </p:nvCxnSpPr>
+        <p:spPr>
+          <a:xfrm>
+            <a:off x="2845667" y="4490511"/>
+            <a:ext cx="0" cy="219726"/>
+          </a:xfrm>
+          <a:prstGeom prst="line">
+            <a:avLst/>
+          </a:prstGeom>
+          <a:ln w="12700">
+            <a:solidFill>
+              <a:srgbClr val="FFC000"/>
+            </a:solidFill>
+          </a:ln>
+        </p:spPr>
+        <p:style>
+          <a:lnRef idx="1">
+            <a:schemeClr val="accent1"/>
+          </a:lnRef>
+          <a:fillRef idx="0">
+            <a:schemeClr val="accent1"/>
+          </a:fillRef>
+          <a:effectRef idx="0">
+            <a:schemeClr val="accent1"/>
+          </a:effectRef>
+          <a:fontRef idx="minor">
+            <a:schemeClr val="tx1"/>
+          </a:fontRef>
+        </p:style>
+      </p:cxnSp>
+      <p:cxnSp>
+        <p:nvCxnSpPr>
+          <p:cNvPr id="188" name="Straight Connector 187">
+            <a:extLst>
+              <a:ext uri="{FF2B5EF4-FFF2-40B4-BE49-F238E27FC236}">
+                <a16:creationId xmlns:a16="http://schemas.microsoft.com/office/drawing/2014/main" id="{3B95C3DE-39CF-4104-886F-AD1589C42E69}"/>
+              </a:ext>
+            </a:extLst>
+          </p:cNvPr>
+          <p:cNvCxnSpPr>
+            <a:cxnSpLocks/>
+          </p:cNvCxnSpPr>
+          <p:nvPr/>
+        </p:nvCxnSpPr>
+        <p:spPr>
+          <a:xfrm>
+            <a:off x="2330296" y="5637563"/>
+            <a:ext cx="508300" cy="0"/>
+          </a:xfrm>
+          <a:prstGeom prst="line">
+            <a:avLst/>
+          </a:prstGeom>
+          <a:ln w="12700">
+            <a:solidFill>
+              <a:srgbClr val="FFC000"/>
+            </a:solidFill>
+          </a:ln>
+        </p:spPr>
+        <p:style>
+          <a:lnRef idx="1">
+            <a:schemeClr val="accent1"/>
+          </a:lnRef>
+          <a:fillRef idx="0">
+            <a:schemeClr val="accent1"/>
+          </a:fillRef>
+          <a:effectRef idx="0">
+            <a:schemeClr val="accent1"/>
+          </a:effectRef>
+          <a:fontRef idx="minor">
+            <a:schemeClr val="tx1"/>
+          </a:fontRef>
+        </p:style>
+      </p:cxnSp>
+      <p:cxnSp>
+        <p:nvCxnSpPr>
+          <p:cNvPr id="189" name="Straight Connector 188">
+            <a:extLst>
+              <a:ext uri="{FF2B5EF4-FFF2-40B4-BE49-F238E27FC236}">
+                <a16:creationId xmlns:a16="http://schemas.microsoft.com/office/drawing/2014/main" id="{12EBB7C7-9A26-49A8-9975-C900A8C6D714}"/>
+              </a:ext>
+            </a:extLst>
+          </p:cNvPr>
+          <p:cNvCxnSpPr>
+            <a:cxnSpLocks/>
+          </p:cNvCxnSpPr>
+          <p:nvPr/>
+        </p:nvCxnSpPr>
+        <p:spPr>
+          <a:xfrm>
+            <a:off x="2838596" y="5847763"/>
+            <a:ext cx="242814" cy="0"/>
+          </a:xfrm>
+          <a:prstGeom prst="line">
+            <a:avLst/>
+          </a:prstGeom>
+          <a:ln w="12700">
+            <a:solidFill>
+              <a:srgbClr val="FFC000"/>
+            </a:solidFill>
+          </a:ln>
+        </p:spPr>
+        <p:style>
+          <a:lnRef idx="1">
+            <a:schemeClr val="accent1"/>
+          </a:lnRef>
+          <a:fillRef idx="0">
+            <a:schemeClr val="accent1"/>
+          </a:fillRef>
+          <a:effectRef idx="0">
+            <a:schemeClr val="accent1"/>
+          </a:effectRef>
+          <a:fontRef idx="minor">
+            <a:schemeClr val="tx1"/>
+          </a:fontRef>
+        </p:style>
+      </p:cxnSp>
+      <p:cxnSp>
+        <p:nvCxnSpPr>
+          <p:cNvPr id="190" name="Straight Connector 189">
+            <a:extLst>
+              <a:ext uri="{FF2B5EF4-FFF2-40B4-BE49-F238E27FC236}">
+                <a16:creationId xmlns:a16="http://schemas.microsoft.com/office/drawing/2014/main" id="{25811DAC-AD84-42F4-88DC-DCD4A0C4A3A9}"/>
+              </a:ext>
+            </a:extLst>
+          </p:cNvPr>
+          <p:cNvCxnSpPr>
+            <a:cxnSpLocks/>
+          </p:cNvCxnSpPr>
+          <p:nvPr/>
+        </p:nvCxnSpPr>
+        <p:spPr>
+          <a:xfrm>
+            <a:off x="2833833" y="5630657"/>
+            <a:ext cx="0" cy="219726"/>
+          </a:xfrm>
+          <a:prstGeom prst="line">
+            <a:avLst/>
+          </a:prstGeom>
+          <a:ln w="12700">
+            <a:solidFill>
+              <a:srgbClr val="FFC000"/>
+            </a:solidFill>
+          </a:ln>
+        </p:spPr>
+        <p:style>
+          <a:lnRef idx="1">
+            <a:schemeClr val="accent1"/>
+          </a:lnRef>
+          <a:fillRef idx="0">
+            <a:schemeClr val="accent1"/>
+          </a:fillRef>
+          <a:effectRef idx="0">
+            <a:schemeClr val="accent1"/>
+          </a:effectRef>
+          <a:fontRef idx="minor">
+            <a:schemeClr val="tx1"/>
+          </a:fontRef>
+        </p:style>
+      </p:cxnSp>
+      <p:sp>
+        <p:nvSpPr>
+          <p:cNvPr id="194" name="Rectangle 193">
+            <a:extLst>
+              <a:ext uri="{FF2B5EF4-FFF2-40B4-BE49-F238E27FC236}">
+                <a16:creationId xmlns:a16="http://schemas.microsoft.com/office/drawing/2014/main" id="{6D40173C-21A9-492D-9E73-4D5D830A9317}"/>
+              </a:ext>
+            </a:extLst>
+          </p:cNvPr>
+          <p:cNvSpPr/>
+          <p:nvPr/>
+        </p:nvSpPr>
+        <p:spPr>
+          <a:xfrm>
+            <a:off x="4217911" y="455169"/>
+            <a:ext cx="1441734" cy="731354"/>
+          </a:xfrm>
+          <a:prstGeom prst="rect">
+            <a:avLst/>
+          </a:prstGeom>
+          <a:solidFill>
+            <a:schemeClr val="tx1"/>
+          </a:solidFill>
+          <a:ln>
+            <a:noFill/>
+          </a:ln>
+        </p:spPr>
+        <p:style>
+          <a:lnRef idx="2">
+            <a:schemeClr val="accent1">
+              <a:shade val="50000"/>
+            </a:schemeClr>
+          </a:lnRef>
+          <a:fillRef idx="1">
+            <a:schemeClr val="accent1"/>
+          </a:fillRef>
+          <a:effectRef idx="0">
+            <a:schemeClr val="accent1"/>
+          </a:effectRef>
+          <a:fontRef idx="minor">
+            <a:schemeClr val="lt1"/>
+          </a:fontRef>
+        </p:style>
+        <p:txBody>
+          <a:bodyPr rtlCol="0" anchor="ctr"/>
+          <a:lstStyle/>
+          <a:p>
+            <a:pPr algn="ctr"/>
+            <a:endParaRPr lang="en-US"/>
+          </a:p>
+        </p:txBody>
+      </p:sp>
+      <p:sp>
+        <p:nvSpPr>
+          <p:cNvPr id="195" name="Rectangle 194">
+            <a:extLst>
+              <a:ext uri="{FF2B5EF4-FFF2-40B4-BE49-F238E27FC236}">
+                <a16:creationId xmlns:a16="http://schemas.microsoft.com/office/drawing/2014/main" id="{01E96C4F-B4F8-4B07-8DF7-6BC6C6B1BEA9}"/>
+              </a:ext>
+            </a:extLst>
+          </p:cNvPr>
+          <p:cNvSpPr/>
+          <p:nvPr/>
+        </p:nvSpPr>
+        <p:spPr>
+          <a:xfrm>
+            <a:off x="4533133" y="413670"/>
+            <a:ext cx="189715" cy="46130"/>
+          </a:xfrm>
+          <a:prstGeom prst="rect">
+            <a:avLst/>
+          </a:prstGeom>
+          <a:solidFill>
+            <a:schemeClr val="bg1">
+              <a:lumMod val="65000"/>
+            </a:schemeClr>
+          </a:solidFill>
+          <a:ln>
+            <a:noFill/>
+          </a:ln>
+        </p:spPr>
+        <p:style>
+          <a:lnRef idx="2">
+            <a:schemeClr val="accent1">
+              <a:shade val="50000"/>
+            </a:schemeClr>
+          </a:lnRef>
+          <a:fillRef idx="1">
+            <a:schemeClr val="accent1"/>
+          </a:fillRef>
+          <a:effectRef idx="0">
+            <a:schemeClr val="accent1"/>
+          </a:effectRef>
+          <a:fontRef idx="minor">
+            <a:schemeClr val="lt1"/>
+          </a:fontRef>
+        </p:style>
+        <p:txBody>
+          <a:bodyPr rtlCol="0" anchor="ctr"/>
+          <a:lstStyle/>
+          <a:p>
+            <a:pPr algn="ctr"/>
+            <a:endParaRPr lang="en-US"/>
+          </a:p>
+        </p:txBody>
+      </p:sp>
+      <p:sp>
+        <p:nvSpPr>
+          <p:cNvPr id="196" name="Rectangle 195">
+            <a:extLst>
+              <a:ext uri="{FF2B5EF4-FFF2-40B4-BE49-F238E27FC236}">
+                <a16:creationId xmlns:a16="http://schemas.microsoft.com/office/drawing/2014/main" id="{1775E2AA-09CC-412A-B689-5D759C9A47A4}"/>
+              </a:ext>
+            </a:extLst>
+          </p:cNvPr>
+          <p:cNvSpPr/>
+          <p:nvPr/>
+        </p:nvSpPr>
+        <p:spPr>
+          <a:xfrm>
+            <a:off x="4309145" y="413670"/>
+            <a:ext cx="189715" cy="46130"/>
+          </a:xfrm>
+          <a:prstGeom prst="rect">
+            <a:avLst/>
+          </a:prstGeom>
+          <a:solidFill>
+            <a:srgbClr val="FF0000"/>
+          </a:solidFill>
+          <a:ln>
+            <a:noFill/>
+          </a:ln>
+        </p:spPr>
+        <p:style>
+          <a:lnRef idx="2">
+            <a:schemeClr val="accent1">
+              <a:shade val="50000"/>
+            </a:schemeClr>
+          </a:lnRef>
+          <a:fillRef idx="1">
+            <a:schemeClr val="accent1"/>
+          </a:fillRef>
+          <a:effectRef idx="0">
+            <a:schemeClr val="accent1"/>
+          </a:effectRef>
+          <a:fontRef idx="minor">
+            <a:schemeClr val="lt1"/>
+          </a:fontRef>
+        </p:style>
+        <p:txBody>
+          <a:bodyPr rtlCol="0" anchor="ctr"/>
+          <a:lstStyle/>
+          <a:p>
+            <a:pPr algn="ctr"/>
+            <a:endParaRPr lang="en-US"/>
+          </a:p>
+        </p:txBody>
+      </p:sp>
+      <p:cxnSp>
+        <p:nvCxnSpPr>
+          <p:cNvPr id="197" name="Straight Connector 196">
+            <a:extLst>
+              <a:ext uri="{FF2B5EF4-FFF2-40B4-BE49-F238E27FC236}">
+                <a16:creationId xmlns:a16="http://schemas.microsoft.com/office/drawing/2014/main" id="{44C13B92-DA21-4E27-BAE9-C1AC4CA74CB4}"/>
+              </a:ext>
+            </a:extLst>
+          </p:cNvPr>
+          <p:cNvCxnSpPr>
+            <a:cxnSpLocks/>
+          </p:cNvCxnSpPr>
+          <p:nvPr/>
+        </p:nvCxnSpPr>
+        <p:spPr>
+          <a:xfrm>
+            <a:off x="2384876" y="3571875"/>
+            <a:ext cx="0" cy="147724"/>
+          </a:xfrm>
+          <a:prstGeom prst="line">
+            <a:avLst/>
+          </a:prstGeom>
+          <a:ln w="12700">
+            <a:solidFill>
+              <a:srgbClr val="00B0F0"/>
+            </a:solidFill>
+          </a:ln>
+        </p:spPr>
+        <p:style>
+          <a:lnRef idx="1">
+            <a:schemeClr val="accent1"/>
+          </a:lnRef>
+          <a:fillRef idx="0">
+            <a:schemeClr val="accent1"/>
+          </a:fillRef>
+          <a:effectRef idx="0">
+            <a:schemeClr val="accent1"/>
+          </a:effectRef>
+          <a:fontRef idx="minor">
+            <a:schemeClr val="tx1"/>
+          </a:fontRef>
+        </p:style>
+      </p:cxnSp>
+      <p:cxnSp>
+        <p:nvCxnSpPr>
+          <p:cNvPr id="199" name="Straight Connector 198">
+            <a:extLst>
+              <a:ext uri="{FF2B5EF4-FFF2-40B4-BE49-F238E27FC236}">
+                <a16:creationId xmlns:a16="http://schemas.microsoft.com/office/drawing/2014/main" id="{3A504233-A5A2-485C-B5C4-990EBAB3BC31}"/>
+              </a:ext>
+            </a:extLst>
+          </p:cNvPr>
+          <p:cNvCxnSpPr>
+            <a:cxnSpLocks/>
+          </p:cNvCxnSpPr>
+          <p:nvPr/>
+        </p:nvCxnSpPr>
+        <p:spPr>
+          <a:xfrm>
+            <a:off x="2333922" y="3501727"/>
+            <a:ext cx="0" cy="218860"/>
+          </a:xfrm>
+          <a:prstGeom prst="line">
+            <a:avLst/>
+          </a:prstGeom>
+          <a:ln w="12700">
+            <a:solidFill>
+              <a:srgbClr val="00B0F0"/>
+            </a:solidFill>
+          </a:ln>
+        </p:spPr>
+        <p:style>
+          <a:lnRef idx="1">
+            <a:schemeClr val="accent1"/>
+          </a:lnRef>
+          <a:fillRef idx="0">
+            <a:schemeClr val="accent1"/>
+          </a:fillRef>
+          <a:effectRef idx="0">
+            <a:schemeClr val="accent1"/>
+          </a:effectRef>
+          <a:fontRef idx="minor">
+            <a:schemeClr val="tx1"/>
+          </a:fontRef>
+        </p:style>
+      </p:cxnSp>
+      <p:cxnSp>
+        <p:nvCxnSpPr>
+          <p:cNvPr id="201" name="Straight Connector 200">
+            <a:extLst>
+              <a:ext uri="{FF2B5EF4-FFF2-40B4-BE49-F238E27FC236}">
+                <a16:creationId xmlns:a16="http://schemas.microsoft.com/office/drawing/2014/main" id="{91CA04A7-6DBC-4236-905B-533B40158B69}"/>
+              </a:ext>
+            </a:extLst>
+          </p:cNvPr>
+          <p:cNvCxnSpPr>
+            <a:cxnSpLocks/>
+          </p:cNvCxnSpPr>
+          <p:nvPr/>
+        </p:nvCxnSpPr>
+        <p:spPr>
+          <a:xfrm>
+            <a:off x="2333471" y="3511506"/>
+            <a:ext cx="657379" cy="0"/>
+          </a:xfrm>
+          <a:prstGeom prst="line">
+            <a:avLst/>
+          </a:prstGeom>
+          <a:ln w="12700">
+            <a:solidFill>
+              <a:srgbClr val="00B0F0"/>
+            </a:solidFill>
+          </a:ln>
+        </p:spPr>
+        <p:style>
+          <a:lnRef idx="1">
+            <a:schemeClr val="accent1"/>
+          </a:lnRef>
+          <a:fillRef idx="0">
+            <a:schemeClr val="accent1"/>
+          </a:fillRef>
+          <a:effectRef idx="0">
+            <a:schemeClr val="accent1"/>
+          </a:effectRef>
+          <a:fontRef idx="minor">
+            <a:schemeClr val="tx1"/>
+          </a:fontRef>
+        </p:style>
+      </p:cxnSp>
+      <p:cxnSp>
+        <p:nvCxnSpPr>
+          <p:cNvPr id="203" name="Straight Connector 202">
+            <a:extLst>
+              <a:ext uri="{FF2B5EF4-FFF2-40B4-BE49-F238E27FC236}">
+                <a16:creationId xmlns:a16="http://schemas.microsoft.com/office/drawing/2014/main" id="{6E3798E7-7352-4214-A991-8E4C1AC3DCA8}"/>
+              </a:ext>
+            </a:extLst>
+          </p:cNvPr>
+          <p:cNvCxnSpPr>
+            <a:cxnSpLocks/>
+          </p:cNvCxnSpPr>
+          <p:nvPr/>
+        </p:nvCxnSpPr>
+        <p:spPr>
+          <a:xfrm>
+            <a:off x="2378526" y="3571875"/>
+            <a:ext cx="561709" cy="0"/>
+          </a:xfrm>
+          <a:prstGeom prst="line">
+            <a:avLst/>
+          </a:prstGeom>
+          <a:ln w="12700">
+            <a:solidFill>
+              <a:srgbClr val="00B0F0"/>
+            </a:solidFill>
+          </a:ln>
+        </p:spPr>
+        <p:style>
+          <a:lnRef idx="1">
+            <a:schemeClr val="accent1"/>
+          </a:lnRef>
+          <a:fillRef idx="0">
+            <a:schemeClr val="accent1"/>
+          </a:fillRef>
+          <a:effectRef idx="0">
+            <a:schemeClr val="accent1"/>
+          </a:effectRef>
+          <a:fontRef idx="minor">
+            <a:schemeClr val="tx1"/>
+          </a:fontRef>
+        </p:style>
+      </p:cxnSp>
+      <p:cxnSp>
+        <p:nvCxnSpPr>
+          <p:cNvPr id="207" name="Straight Connector 206">
+            <a:extLst>
+              <a:ext uri="{FF2B5EF4-FFF2-40B4-BE49-F238E27FC236}">
+                <a16:creationId xmlns:a16="http://schemas.microsoft.com/office/drawing/2014/main" id="{13D82219-3E7C-4C6D-BFFD-A0A8A2C4C217}"/>
+              </a:ext>
+            </a:extLst>
+          </p:cNvPr>
+          <p:cNvCxnSpPr>
+            <a:cxnSpLocks/>
+          </p:cNvCxnSpPr>
+          <p:nvPr/>
+        </p:nvCxnSpPr>
+        <p:spPr>
+          <a:xfrm>
+            <a:off x="2933885" y="3571875"/>
+            <a:ext cx="0" cy="2333625"/>
+          </a:xfrm>
+          <a:prstGeom prst="line">
+            <a:avLst/>
+          </a:prstGeom>
+          <a:ln w="12700">
+            <a:solidFill>
+              <a:srgbClr val="00B0F0"/>
+            </a:solidFill>
+          </a:ln>
+        </p:spPr>
+        <p:style>
+          <a:lnRef idx="1">
+            <a:schemeClr val="accent1"/>
+          </a:lnRef>
+          <a:fillRef idx="0">
+            <a:schemeClr val="accent1"/>
+          </a:fillRef>
+          <a:effectRef idx="0">
+            <a:schemeClr val="accent1"/>
+          </a:effectRef>
+          <a:fontRef idx="minor">
+            <a:schemeClr val="tx1"/>
+          </a:fontRef>
+        </p:style>
+      </p:cxnSp>
+      <p:cxnSp>
+        <p:nvCxnSpPr>
+          <p:cNvPr id="208" name="Straight Connector 207">
+            <a:extLst>
+              <a:ext uri="{FF2B5EF4-FFF2-40B4-BE49-F238E27FC236}">
+                <a16:creationId xmlns:a16="http://schemas.microsoft.com/office/drawing/2014/main" id="{3DCEF6F4-F2B2-4022-B3D6-700558A97D54}"/>
+              </a:ext>
+            </a:extLst>
+          </p:cNvPr>
+          <p:cNvCxnSpPr>
+            <a:cxnSpLocks/>
+          </p:cNvCxnSpPr>
+          <p:nvPr/>
+        </p:nvCxnSpPr>
+        <p:spPr>
+          <a:xfrm>
+            <a:off x="2984500" y="3511506"/>
+            <a:ext cx="0" cy="1250994"/>
+          </a:xfrm>
+          <a:prstGeom prst="line">
+            <a:avLst/>
+          </a:prstGeom>
+          <a:ln w="12700">
+            <a:solidFill>
+              <a:srgbClr val="00B0F0"/>
+            </a:solidFill>
+          </a:ln>
+        </p:spPr>
+        <p:style>
+          <a:lnRef idx="1">
+            <a:schemeClr val="accent1"/>
+          </a:lnRef>
+          <a:fillRef idx="0">
+            <a:schemeClr val="accent1"/>
+          </a:fillRef>
+          <a:effectRef idx="0">
+            <a:schemeClr val="accent1"/>
+          </a:effectRef>
+          <a:fontRef idx="minor">
+            <a:schemeClr val="tx1"/>
+          </a:fontRef>
+        </p:style>
+      </p:cxnSp>
+      <p:cxnSp>
+        <p:nvCxnSpPr>
+          <p:cNvPr id="211" name="Straight Connector 210">
+            <a:extLst>
+              <a:ext uri="{FF2B5EF4-FFF2-40B4-BE49-F238E27FC236}">
+                <a16:creationId xmlns:a16="http://schemas.microsoft.com/office/drawing/2014/main" id="{11B7445D-DCF5-45B2-B56A-54A17D6348E4}"/>
+              </a:ext>
+            </a:extLst>
+          </p:cNvPr>
+          <p:cNvCxnSpPr>
+            <a:cxnSpLocks/>
+          </p:cNvCxnSpPr>
+          <p:nvPr/>
+        </p:nvCxnSpPr>
+        <p:spPr>
+          <a:xfrm>
+            <a:off x="2978150" y="4755242"/>
+            <a:ext cx="115094" cy="0"/>
+          </a:xfrm>
+          <a:prstGeom prst="line">
+            <a:avLst/>
+          </a:prstGeom>
+          <a:ln w="12700">
+            <a:solidFill>
+              <a:srgbClr val="00B0F0"/>
+            </a:solidFill>
+          </a:ln>
+        </p:spPr>
+        <p:style>
+          <a:lnRef idx="1">
+            <a:schemeClr val="accent1"/>
+          </a:lnRef>
+          <a:fillRef idx="0">
+            <a:schemeClr val="accent1"/>
+          </a:fillRef>
+          <a:effectRef idx="0">
+            <a:schemeClr val="accent1"/>
+          </a:effectRef>
+          <a:fontRef idx="minor">
+            <a:schemeClr val="tx1"/>
+          </a:fontRef>
+        </p:style>
+      </p:cxnSp>
+      <p:cxnSp>
+        <p:nvCxnSpPr>
+          <p:cNvPr id="214" name="Straight Connector 213">
+            <a:extLst>
+              <a:ext uri="{FF2B5EF4-FFF2-40B4-BE49-F238E27FC236}">
+                <a16:creationId xmlns:a16="http://schemas.microsoft.com/office/drawing/2014/main" id="{2F94D4E8-EB74-45FD-B75A-C7B0D34A314B}"/>
+              </a:ext>
+            </a:extLst>
+          </p:cNvPr>
+          <p:cNvCxnSpPr>
+            <a:cxnSpLocks/>
+          </p:cNvCxnSpPr>
+          <p:nvPr/>
+        </p:nvCxnSpPr>
+        <p:spPr>
+          <a:xfrm>
+            <a:off x="2930861" y="5898242"/>
+            <a:ext cx="159208" cy="0"/>
+          </a:xfrm>
+          <a:prstGeom prst="line">
+            <a:avLst/>
+          </a:prstGeom>
+          <a:ln w="12700">
+            <a:solidFill>
+              <a:srgbClr val="00B0F0"/>
+            </a:solidFill>
+          </a:ln>
+        </p:spPr>
+        <p:style>
+          <a:lnRef idx="1">
+            <a:schemeClr val="accent1"/>
+          </a:lnRef>
+          <a:fillRef idx="0">
+            <a:schemeClr val="accent1"/>
+          </a:fillRef>
+          <a:effectRef idx="0">
+            <a:schemeClr val="accent1"/>
+          </a:effectRef>
+          <a:fontRef idx="minor">
+            <a:schemeClr val="tx1"/>
+          </a:fontRef>
+        </p:style>
+      </p:cxnSp>
+      <p:cxnSp>
+        <p:nvCxnSpPr>
+          <p:cNvPr id="219" name="Straight Connector 218">
+            <a:extLst>
+              <a:ext uri="{FF2B5EF4-FFF2-40B4-BE49-F238E27FC236}">
+                <a16:creationId xmlns:a16="http://schemas.microsoft.com/office/drawing/2014/main" id="{EEEE006D-34FF-4113-AAEC-96FF9B95E58C}"/>
+              </a:ext>
+            </a:extLst>
+          </p:cNvPr>
+          <p:cNvCxnSpPr>
+            <a:cxnSpLocks/>
+          </p:cNvCxnSpPr>
+          <p:nvPr/>
+        </p:nvCxnSpPr>
+        <p:spPr>
+          <a:xfrm>
+            <a:off x="11444470" y="268929"/>
+            <a:ext cx="168255" cy="0"/>
+          </a:xfrm>
+          <a:prstGeom prst="line">
+            <a:avLst/>
+          </a:prstGeom>
+          <a:ln w="12700">
+            <a:solidFill>
+              <a:srgbClr val="C00000"/>
+            </a:solidFill>
+          </a:ln>
+        </p:spPr>
+        <p:style>
+          <a:lnRef idx="1">
+            <a:schemeClr val="accent1"/>
+          </a:lnRef>
+          <a:fillRef idx="0">
+            <a:schemeClr val="accent1"/>
+          </a:fillRef>
+          <a:effectRef idx="0">
+            <a:schemeClr val="accent1"/>
+          </a:effectRef>
+          <a:fontRef idx="minor">
+            <a:schemeClr val="tx1"/>
+          </a:fontRef>
+        </p:style>
+      </p:cxnSp>
+      <p:cxnSp>
+        <p:nvCxnSpPr>
+          <p:cNvPr id="225" name="Straight Connector 224">
+            <a:extLst>
+              <a:ext uri="{FF2B5EF4-FFF2-40B4-BE49-F238E27FC236}">
+                <a16:creationId xmlns:a16="http://schemas.microsoft.com/office/drawing/2014/main" id="{474D2E17-0591-47D7-95C1-B3FF49657820}"/>
+              </a:ext>
+            </a:extLst>
+          </p:cNvPr>
+          <p:cNvCxnSpPr>
+            <a:cxnSpLocks/>
+          </p:cNvCxnSpPr>
+          <p:nvPr/>
+        </p:nvCxnSpPr>
+        <p:spPr>
+          <a:xfrm>
+            <a:off x="11444470" y="373704"/>
+            <a:ext cx="168255" cy="0"/>
+          </a:xfrm>
+          <a:prstGeom prst="line">
+            <a:avLst/>
+          </a:prstGeom>
+          <a:ln w="12700">
+            <a:solidFill>
+              <a:schemeClr val="tx1"/>
+            </a:solidFill>
+          </a:ln>
+        </p:spPr>
+        <p:style>
+          <a:lnRef idx="1">
+            <a:schemeClr val="accent1"/>
+          </a:lnRef>
+          <a:fillRef idx="0">
+            <a:schemeClr val="accent1"/>
+          </a:fillRef>
+          <a:effectRef idx="0">
+            <a:schemeClr val="accent1"/>
+          </a:effectRef>
+          <a:fontRef idx="minor">
+            <a:schemeClr val="tx1"/>
+          </a:fontRef>
+        </p:style>
+      </p:cxnSp>
+      <p:cxnSp>
+        <p:nvCxnSpPr>
+          <p:cNvPr id="226" name="Straight Connector 225">
+            <a:extLst>
+              <a:ext uri="{FF2B5EF4-FFF2-40B4-BE49-F238E27FC236}">
+                <a16:creationId xmlns:a16="http://schemas.microsoft.com/office/drawing/2014/main" id="{FF758749-033B-49F6-82B3-19F5BF37994D}"/>
+              </a:ext>
+            </a:extLst>
+          </p:cNvPr>
+          <p:cNvCxnSpPr>
+            <a:cxnSpLocks/>
+          </p:cNvCxnSpPr>
+          <p:nvPr/>
+        </p:nvCxnSpPr>
+        <p:spPr>
+          <a:xfrm>
+            <a:off x="11445932" y="476098"/>
+            <a:ext cx="168255" cy="0"/>
+          </a:xfrm>
+          <a:prstGeom prst="line">
+            <a:avLst/>
+          </a:prstGeom>
+          <a:ln w="12700">
+            <a:solidFill>
+              <a:srgbClr val="FFC000"/>
+            </a:solidFill>
+          </a:ln>
+        </p:spPr>
+        <p:style>
+          <a:lnRef idx="1">
+            <a:schemeClr val="accent1"/>
+          </a:lnRef>
+          <a:fillRef idx="0">
+            <a:schemeClr val="accent1"/>
+          </a:fillRef>
+          <a:effectRef idx="0">
+            <a:schemeClr val="accent1"/>
+          </a:effectRef>
+          <a:fontRef idx="minor">
+            <a:schemeClr val="tx1"/>
+          </a:fontRef>
+        </p:style>
+      </p:cxnSp>
+      <p:cxnSp>
+        <p:nvCxnSpPr>
+          <p:cNvPr id="227" name="Straight Connector 226">
+            <a:extLst>
+              <a:ext uri="{FF2B5EF4-FFF2-40B4-BE49-F238E27FC236}">
+                <a16:creationId xmlns:a16="http://schemas.microsoft.com/office/drawing/2014/main" id="{93BD3202-3F40-4274-AAE5-1731F6CD072B}"/>
+              </a:ext>
+            </a:extLst>
+          </p:cNvPr>
+          <p:cNvCxnSpPr>
+            <a:cxnSpLocks/>
+          </p:cNvCxnSpPr>
+          <p:nvPr/>
+        </p:nvCxnSpPr>
+        <p:spPr>
+          <a:xfrm>
+            <a:off x="11445932" y="571348"/>
+            <a:ext cx="168255" cy="0"/>
+          </a:xfrm>
+          <a:prstGeom prst="line">
+            <a:avLst/>
+          </a:prstGeom>
+          <a:ln w="12700">
+            <a:solidFill>
+              <a:srgbClr val="3399FF"/>
+            </a:solidFill>
+          </a:ln>
+        </p:spPr>
+        <p:style>
+          <a:lnRef idx="1">
+            <a:schemeClr val="accent1"/>
+          </a:lnRef>
+          <a:fillRef idx="0">
+            <a:schemeClr val="accent1"/>
+          </a:fillRef>
+          <a:effectRef idx="0">
+            <a:schemeClr val="accent1"/>
+          </a:effectRef>
+          <a:fontRef idx="minor">
+            <a:schemeClr val="tx1"/>
+          </a:fontRef>
+        </p:style>
+      </p:cxnSp>
+      <p:cxnSp>
+        <p:nvCxnSpPr>
+          <p:cNvPr id="228" name="Straight Connector 227">
+            <a:extLst>
+              <a:ext uri="{FF2B5EF4-FFF2-40B4-BE49-F238E27FC236}">
+                <a16:creationId xmlns:a16="http://schemas.microsoft.com/office/drawing/2014/main" id="{30CC5C22-1E89-456A-B5B8-C9E90B80CCFF}"/>
+              </a:ext>
+            </a:extLst>
+          </p:cNvPr>
+          <p:cNvCxnSpPr>
+            <a:cxnSpLocks/>
+          </p:cNvCxnSpPr>
+          <p:nvPr/>
+        </p:nvCxnSpPr>
+        <p:spPr>
+          <a:xfrm>
+            <a:off x="11445932" y="659454"/>
+            <a:ext cx="168255" cy="0"/>
+          </a:xfrm>
+          <a:prstGeom prst="line">
+            <a:avLst/>
+          </a:prstGeom>
+          <a:ln w="12700">
+            <a:solidFill>
+              <a:schemeClr val="accent2">
+                <a:lumMod val="50000"/>
+              </a:schemeClr>
+            </a:solidFill>
+          </a:ln>
+        </p:spPr>
+        <p:style>
+          <a:lnRef idx="1">
+            <a:schemeClr val="accent1"/>
+          </a:lnRef>
+          <a:fillRef idx="0">
+            <a:schemeClr val="accent1"/>
+          </a:fillRef>
+          <a:effectRef idx="0">
+            <a:schemeClr val="accent1"/>
+          </a:effectRef>
+          <a:fontRef idx="minor">
+            <a:schemeClr val="tx1"/>
+          </a:fontRef>
+        </p:style>
+      </p:cxnSp>
+      <p:cxnSp>
+        <p:nvCxnSpPr>
+          <p:cNvPr id="229" name="Straight Connector 228">
+            <a:extLst>
+              <a:ext uri="{FF2B5EF4-FFF2-40B4-BE49-F238E27FC236}">
+                <a16:creationId xmlns:a16="http://schemas.microsoft.com/office/drawing/2014/main" id="{AAE8B6A5-E7EA-4C15-AD28-26806E5749A3}"/>
+              </a:ext>
+            </a:extLst>
+          </p:cNvPr>
+          <p:cNvCxnSpPr>
+            <a:cxnSpLocks/>
+          </p:cNvCxnSpPr>
+          <p:nvPr/>
+        </p:nvCxnSpPr>
+        <p:spPr>
+          <a:xfrm>
+            <a:off x="11445932" y="742798"/>
+            <a:ext cx="168255" cy="0"/>
+          </a:xfrm>
+          <a:prstGeom prst="line">
+            <a:avLst/>
+          </a:prstGeom>
+          <a:ln w="12700">
+            <a:solidFill>
+              <a:schemeClr val="accent2">
+                <a:lumMod val="60000"/>
+                <a:lumOff val="40000"/>
+              </a:schemeClr>
+            </a:solidFill>
+          </a:ln>
+        </p:spPr>
+        <p:style>
+          <a:lnRef idx="1">
+            <a:schemeClr val="accent1"/>
+          </a:lnRef>
+          <a:fillRef idx="0">
+            <a:schemeClr val="accent1"/>
+          </a:fillRef>
+          <a:effectRef idx="0">
+            <a:schemeClr val="accent1"/>
+          </a:effectRef>
+          <a:fontRef idx="minor">
+            <a:schemeClr val="tx1"/>
+          </a:fontRef>
+        </p:style>
+      </p:cxnSp>
+      <p:sp>
+        <p:nvSpPr>
+          <p:cNvPr id="230" name="TextBox 229">
+            <a:extLst>
+              <a:ext uri="{FF2B5EF4-FFF2-40B4-BE49-F238E27FC236}">
+                <a16:creationId xmlns:a16="http://schemas.microsoft.com/office/drawing/2014/main" id="{56E2F142-C0B6-4990-9BE5-E54810221C9F}"/>
+              </a:ext>
+            </a:extLst>
+          </p:cNvPr>
+          <p:cNvSpPr txBox="1"/>
+          <p:nvPr/>
+        </p:nvSpPr>
+        <p:spPr>
+          <a:xfrm>
+            <a:off x="11586575" y="282974"/>
+            <a:ext cx="399468" cy="169277"/>
+          </a:xfrm>
+          <a:prstGeom prst="rect">
+            <a:avLst/>
+          </a:prstGeom>
+          <a:noFill/>
+        </p:spPr>
+        <p:txBody>
+          <a:bodyPr wrap="none" rtlCol="0">
+            <a:spAutoFit/>
+          </a:bodyPr>
+          <a:lstStyle/>
+          <a:p>
+            <a:r>
+              <a:rPr lang="en-US" sz="500" dirty="0"/>
+              <a:t>0V/GND</a:t>
+            </a:r>
+            <a:endParaRPr lang="en-US" sz="700" dirty="0"/>
+          </a:p>
+        </p:txBody>
+      </p:sp>
+      <p:sp>
+        <p:nvSpPr>
+          <p:cNvPr id="231" name="TextBox 230">
+            <a:extLst>
+              <a:ext uri="{FF2B5EF4-FFF2-40B4-BE49-F238E27FC236}">
+                <a16:creationId xmlns:a16="http://schemas.microsoft.com/office/drawing/2014/main" id="{A6D91642-5BF9-43D2-86DA-2819D4915209}"/>
+              </a:ext>
+            </a:extLst>
+          </p:cNvPr>
+          <p:cNvSpPr txBox="1"/>
+          <p:nvPr/>
+        </p:nvSpPr>
+        <p:spPr>
+          <a:xfrm>
+            <a:off x="11586575" y="387748"/>
+            <a:ext cx="330540" cy="169277"/>
+          </a:xfrm>
+          <a:prstGeom prst="rect">
+            <a:avLst/>
+          </a:prstGeom>
+          <a:noFill/>
+        </p:spPr>
+        <p:txBody>
+          <a:bodyPr wrap="none" rtlCol="0">
+            <a:spAutoFit/>
+          </a:bodyPr>
+          <a:lstStyle/>
+          <a:p>
+            <a:r>
+              <a:rPr lang="en-US" sz="500" dirty="0">
+                <a:solidFill>
+                  <a:srgbClr val="FFC000"/>
+                </a:solidFill>
+              </a:rPr>
+              <a:t>PWM</a:t>
+            </a:r>
+            <a:endParaRPr lang="en-US" sz="700" dirty="0">
+              <a:solidFill>
+                <a:srgbClr val="FFC000"/>
+              </a:solidFill>
+            </a:endParaRPr>
+          </a:p>
+        </p:txBody>
+      </p:sp>
+      <p:sp>
+        <p:nvSpPr>
+          <p:cNvPr id="232" name="TextBox 231">
+            <a:extLst>
+              <a:ext uri="{FF2B5EF4-FFF2-40B4-BE49-F238E27FC236}">
+                <a16:creationId xmlns:a16="http://schemas.microsoft.com/office/drawing/2014/main" id="{256E2690-8A71-44FF-8A3E-1DEEAD9BB43C}"/>
+              </a:ext>
+            </a:extLst>
+          </p:cNvPr>
+          <p:cNvSpPr txBox="1"/>
+          <p:nvPr/>
+        </p:nvSpPr>
+        <p:spPr>
+          <a:xfrm>
+            <a:off x="11586575" y="484717"/>
+            <a:ext cx="338554" cy="169277"/>
+          </a:xfrm>
+          <a:prstGeom prst="rect">
+            <a:avLst/>
+          </a:prstGeom>
+          <a:noFill/>
+        </p:spPr>
+        <p:txBody>
+          <a:bodyPr wrap="none" rtlCol="0">
+            <a:spAutoFit/>
+          </a:bodyPr>
+          <a:lstStyle/>
+          <a:p>
+            <a:r>
+              <a:rPr lang="en-US" sz="500" dirty="0">
+                <a:solidFill>
+                  <a:srgbClr val="3399FF"/>
+                </a:solidFill>
+              </a:rPr>
+              <a:t>DOUT</a:t>
+            </a:r>
+            <a:endParaRPr lang="en-US" sz="700" dirty="0">
+              <a:solidFill>
+                <a:srgbClr val="3399FF"/>
+              </a:solidFill>
+            </a:endParaRPr>
+          </a:p>
+        </p:txBody>
+      </p:sp>
+      <p:sp>
+        <p:nvSpPr>
+          <p:cNvPr id="233" name="TextBox 232">
+            <a:extLst>
+              <a:ext uri="{FF2B5EF4-FFF2-40B4-BE49-F238E27FC236}">
+                <a16:creationId xmlns:a16="http://schemas.microsoft.com/office/drawing/2014/main" id="{404E8E07-F548-4631-8661-A5C9027EAD26}"/>
+              </a:ext>
+            </a:extLst>
+          </p:cNvPr>
+          <p:cNvSpPr txBox="1"/>
+          <p:nvPr/>
+        </p:nvSpPr>
+        <p:spPr>
+          <a:xfrm>
+            <a:off x="11586575" y="576637"/>
+            <a:ext cx="324128" cy="169277"/>
+          </a:xfrm>
+          <a:prstGeom prst="rect">
+            <a:avLst/>
+          </a:prstGeom>
+          <a:noFill/>
+        </p:spPr>
+        <p:txBody>
+          <a:bodyPr wrap="none" rtlCol="0">
+            <a:spAutoFit/>
+          </a:bodyPr>
+          <a:lstStyle/>
+          <a:p>
+            <a:r>
+              <a:rPr lang="en-US" sz="500" dirty="0">
+                <a:solidFill>
+                  <a:schemeClr val="accent2">
+                    <a:lumMod val="50000"/>
+                  </a:schemeClr>
+                </a:solidFill>
+              </a:rPr>
+              <a:t>INT A</a:t>
+            </a:r>
+            <a:endParaRPr lang="en-US" sz="700" dirty="0">
+              <a:solidFill>
+                <a:schemeClr val="accent2">
+                  <a:lumMod val="50000"/>
+                </a:schemeClr>
+              </a:solidFill>
+            </a:endParaRPr>
+          </a:p>
+        </p:txBody>
+      </p:sp>
+      <p:sp>
+        <p:nvSpPr>
+          <p:cNvPr id="234" name="TextBox 233">
+            <a:extLst>
+              <a:ext uri="{FF2B5EF4-FFF2-40B4-BE49-F238E27FC236}">
+                <a16:creationId xmlns:a16="http://schemas.microsoft.com/office/drawing/2014/main" id="{27845DAB-4E3D-4857-B7DA-D0A6AD4171D2}"/>
+              </a:ext>
+            </a:extLst>
+          </p:cNvPr>
+          <p:cNvSpPr txBox="1"/>
+          <p:nvPr/>
+        </p:nvSpPr>
+        <p:spPr>
+          <a:xfrm>
+            <a:off x="11585750" y="665302"/>
+            <a:ext cx="322524" cy="169277"/>
+          </a:xfrm>
+          <a:prstGeom prst="rect">
+            <a:avLst/>
+          </a:prstGeom>
+          <a:noFill/>
+        </p:spPr>
+        <p:txBody>
+          <a:bodyPr wrap="none" rtlCol="0">
+            <a:spAutoFit/>
+          </a:bodyPr>
+          <a:lstStyle/>
+          <a:p>
+            <a:r>
+              <a:rPr lang="en-US" sz="500" dirty="0">
+                <a:solidFill>
+                  <a:schemeClr val="accent2">
+                    <a:lumMod val="60000"/>
+                    <a:lumOff val="40000"/>
+                  </a:schemeClr>
+                </a:solidFill>
+              </a:rPr>
+              <a:t>INT B</a:t>
+            </a:r>
+            <a:endParaRPr lang="en-US" sz="700" dirty="0">
+              <a:solidFill>
+                <a:schemeClr val="accent2">
+                  <a:lumMod val="60000"/>
+                  <a:lumOff val="40000"/>
+                </a:schemeClr>
+              </a:solidFill>
+            </a:endParaRPr>
+          </a:p>
+        </p:txBody>
+      </p:sp>
+      <p:cxnSp>
+        <p:nvCxnSpPr>
+          <p:cNvPr id="237" name="Straight Connector 236">
+            <a:extLst>
+              <a:ext uri="{FF2B5EF4-FFF2-40B4-BE49-F238E27FC236}">
+                <a16:creationId xmlns:a16="http://schemas.microsoft.com/office/drawing/2014/main" id="{CC4D8A0F-6973-43CA-9791-20DCE8FD0F56}"/>
+              </a:ext>
+            </a:extLst>
+          </p:cNvPr>
+          <p:cNvCxnSpPr>
+            <a:cxnSpLocks/>
+          </p:cNvCxnSpPr>
+          <p:nvPr/>
+        </p:nvCxnSpPr>
+        <p:spPr>
+          <a:xfrm flipH="1">
+            <a:off x="3787645" y="4864621"/>
+            <a:ext cx="283406" cy="0"/>
+          </a:xfrm>
+          <a:prstGeom prst="line">
+            <a:avLst/>
+          </a:prstGeom>
+          <a:ln w="38100">
+            <a:solidFill>
+              <a:schemeClr val="bg2">
+                <a:lumMod val="25000"/>
+              </a:schemeClr>
+            </a:solidFill>
+          </a:ln>
+        </p:spPr>
+        <p:style>
+          <a:lnRef idx="1">
+            <a:schemeClr val="accent1"/>
+          </a:lnRef>
+          <a:fillRef idx="0">
+            <a:schemeClr val="accent1"/>
+          </a:fillRef>
+          <a:effectRef idx="0">
+            <a:schemeClr val="accent1"/>
+          </a:effectRef>
+          <a:fontRef idx="minor">
+            <a:schemeClr val="tx1"/>
+          </a:fontRef>
+        </p:style>
+      </p:cxnSp>
+      <p:cxnSp>
+        <p:nvCxnSpPr>
+          <p:cNvPr id="24" name="Straight Connector 23">
+            <a:extLst>
+              <a:ext uri="{FF2B5EF4-FFF2-40B4-BE49-F238E27FC236}">
+                <a16:creationId xmlns:a16="http://schemas.microsoft.com/office/drawing/2014/main" id="{59FAB75E-CBF9-43A4-BF3F-9A38E9CA2510}"/>
+              </a:ext>
+            </a:extLst>
+          </p:cNvPr>
+          <p:cNvCxnSpPr>
+            <a:cxnSpLocks/>
+          </p:cNvCxnSpPr>
+          <p:nvPr/>
+        </p:nvCxnSpPr>
+        <p:spPr>
+          <a:xfrm flipH="1">
+            <a:off x="4036207" y="4732855"/>
+            <a:ext cx="553830" cy="0"/>
+          </a:xfrm>
+          <a:prstGeom prst="line">
+            <a:avLst/>
+          </a:prstGeom>
+          <a:ln w="38100">
+            <a:solidFill>
+              <a:schemeClr val="bg2">
+                <a:lumMod val="25000"/>
+              </a:schemeClr>
+            </a:solidFill>
+          </a:ln>
+        </p:spPr>
+        <p:style>
+          <a:lnRef idx="1">
+            <a:schemeClr val="accent1"/>
+          </a:lnRef>
+          <a:fillRef idx="0">
+            <a:schemeClr val="accent1"/>
+          </a:fillRef>
+          <a:effectRef idx="0">
+            <a:schemeClr val="accent1"/>
+          </a:effectRef>
+          <a:fontRef idx="minor">
+            <a:schemeClr val="tx1"/>
+          </a:fontRef>
+        </p:style>
+      </p:cxnSp>
+      <p:cxnSp>
+        <p:nvCxnSpPr>
+          <p:cNvPr id="25" name="Straight Connector 24">
+            <a:extLst>
+              <a:ext uri="{FF2B5EF4-FFF2-40B4-BE49-F238E27FC236}">
+                <a16:creationId xmlns:a16="http://schemas.microsoft.com/office/drawing/2014/main" id="{1E0DA42B-5A3D-4E81-B5E3-B0D46897D8C2}"/>
+              </a:ext>
+            </a:extLst>
+          </p:cNvPr>
+          <p:cNvCxnSpPr>
+            <a:cxnSpLocks/>
+          </p:cNvCxnSpPr>
+          <p:nvPr/>
+        </p:nvCxnSpPr>
+        <p:spPr>
+          <a:xfrm flipH="1">
+            <a:off x="4031479" y="4647870"/>
+            <a:ext cx="558559" cy="0"/>
+          </a:xfrm>
+          <a:prstGeom prst="line">
+            <a:avLst/>
+          </a:prstGeom>
+          <a:ln w="38100">
+            <a:solidFill>
+              <a:schemeClr val="bg2">
+                <a:lumMod val="75000"/>
+              </a:schemeClr>
+            </a:solidFill>
+          </a:ln>
+        </p:spPr>
+        <p:style>
+          <a:lnRef idx="1">
+            <a:schemeClr val="accent1"/>
+          </a:lnRef>
+          <a:fillRef idx="0">
+            <a:schemeClr val="accent1"/>
+          </a:fillRef>
+          <a:effectRef idx="0">
+            <a:schemeClr val="accent1"/>
+          </a:effectRef>
+          <a:fontRef idx="minor">
+            <a:schemeClr val="tx1"/>
+          </a:fontRef>
+        </p:style>
+      </p:cxnSp>
+      <p:cxnSp>
+        <p:nvCxnSpPr>
+          <p:cNvPr id="242" name="Straight Connector 241">
+            <a:extLst>
+              <a:ext uri="{FF2B5EF4-FFF2-40B4-BE49-F238E27FC236}">
+                <a16:creationId xmlns:a16="http://schemas.microsoft.com/office/drawing/2014/main" id="{8200F249-D427-4510-95A1-78A0FB6FACB9}"/>
+              </a:ext>
+            </a:extLst>
+          </p:cNvPr>
+          <p:cNvCxnSpPr>
+            <a:cxnSpLocks/>
+          </p:cNvCxnSpPr>
+          <p:nvPr/>
+        </p:nvCxnSpPr>
+        <p:spPr>
+          <a:xfrm>
+            <a:off x="4053551" y="4715686"/>
+            <a:ext cx="0" cy="148935"/>
+          </a:xfrm>
+          <a:prstGeom prst="line">
+            <a:avLst/>
+          </a:prstGeom>
+          <a:ln w="38100">
+            <a:solidFill>
+              <a:schemeClr val="bg2">
+                <a:lumMod val="25000"/>
+              </a:schemeClr>
+            </a:solidFill>
+          </a:ln>
+        </p:spPr>
+        <p:style>
+          <a:lnRef idx="1">
+            <a:schemeClr val="accent1"/>
+          </a:lnRef>
+          <a:fillRef idx="0">
+            <a:schemeClr val="accent1"/>
+          </a:fillRef>
+          <a:effectRef idx="0">
+            <a:schemeClr val="accent1"/>
+          </a:effectRef>
+          <a:fontRef idx="minor">
+            <a:schemeClr val="tx1"/>
+          </a:fontRef>
+        </p:style>
+      </p:cxnSp>
+      <p:cxnSp>
+        <p:nvCxnSpPr>
+          <p:cNvPr id="245" name="Straight Connector 244">
+            <a:extLst>
+              <a:ext uri="{FF2B5EF4-FFF2-40B4-BE49-F238E27FC236}">
+                <a16:creationId xmlns:a16="http://schemas.microsoft.com/office/drawing/2014/main" id="{02ED9899-7F87-4EBD-85FB-C1DD36D32D3A}"/>
+              </a:ext>
+            </a:extLst>
+          </p:cNvPr>
+          <p:cNvCxnSpPr>
+            <a:cxnSpLocks/>
+          </p:cNvCxnSpPr>
+          <p:nvPr/>
+        </p:nvCxnSpPr>
+        <p:spPr>
+          <a:xfrm>
+            <a:off x="4051170" y="4600044"/>
+            <a:ext cx="0" cy="65273"/>
+          </a:xfrm>
+          <a:prstGeom prst="line">
+            <a:avLst/>
+          </a:prstGeom>
+          <a:ln w="38100">
+            <a:solidFill>
+              <a:schemeClr val="bg2">
+                <a:lumMod val="75000"/>
+              </a:schemeClr>
+            </a:solidFill>
+          </a:ln>
+        </p:spPr>
+        <p:style>
+          <a:lnRef idx="1">
+            <a:schemeClr val="accent1"/>
+          </a:lnRef>
+          <a:fillRef idx="0">
+            <a:schemeClr val="accent1"/>
+          </a:fillRef>
+          <a:effectRef idx="0">
+            <a:schemeClr val="accent1"/>
+          </a:effectRef>
+          <a:fontRef idx="minor">
+            <a:schemeClr val="tx1"/>
+          </a:fontRef>
+        </p:style>
+      </p:cxnSp>
+      <p:cxnSp>
+        <p:nvCxnSpPr>
+          <p:cNvPr id="247" name="Straight Connector 246">
+            <a:extLst>
+              <a:ext uri="{FF2B5EF4-FFF2-40B4-BE49-F238E27FC236}">
+                <a16:creationId xmlns:a16="http://schemas.microsoft.com/office/drawing/2014/main" id="{7753A677-5DF7-4EA1-8197-2C6126213C01}"/>
+              </a:ext>
+            </a:extLst>
+          </p:cNvPr>
+          <p:cNvCxnSpPr>
+            <a:cxnSpLocks/>
+          </p:cNvCxnSpPr>
+          <p:nvPr/>
+        </p:nvCxnSpPr>
+        <p:spPr>
+          <a:xfrm flipH="1">
+            <a:off x="3791772" y="4600044"/>
+            <a:ext cx="279279" cy="0"/>
+          </a:xfrm>
+          <a:prstGeom prst="line">
+            <a:avLst/>
+          </a:prstGeom>
+          <a:ln w="38100">
+            <a:solidFill>
+              <a:schemeClr val="bg2">
+                <a:lumMod val="75000"/>
+              </a:schemeClr>
+            </a:solidFill>
+          </a:ln>
+        </p:spPr>
+        <p:style>
+          <a:lnRef idx="1">
+            <a:schemeClr val="accent1"/>
+          </a:lnRef>
+          <a:fillRef idx="0">
+            <a:schemeClr val="accent1"/>
+          </a:fillRef>
+          <a:effectRef idx="0">
+            <a:schemeClr val="accent1"/>
+          </a:effectRef>
+          <a:fontRef idx="minor">
+            <a:schemeClr val="tx1"/>
+          </a:fontRef>
+        </p:style>
+      </p:cxnSp>
+      <p:sp>
+        <p:nvSpPr>
+          <p:cNvPr id="23" name="Rectangle 22">
+            <a:extLst>
+              <a:ext uri="{FF2B5EF4-FFF2-40B4-BE49-F238E27FC236}">
+                <a16:creationId xmlns:a16="http://schemas.microsoft.com/office/drawing/2014/main" id="{2B1E81F7-65DB-43E0-B00A-0CFB75A47128}"/>
+              </a:ext>
+            </a:extLst>
+          </p:cNvPr>
+          <p:cNvSpPr/>
+          <p:nvPr/>
+        </p:nvSpPr>
+        <p:spPr>
+          <a:xfrm>
+            <a:off x="4570113" y="4382499"/>
+            <a:ext cx="1089533" cy="519112"/>
+          </a:xfrm>
+          <a:prstGeom prst="rect">
+            <a:avLst/>
+          </a:prstGeom>
+          <a:solidFill>
+            <a:schemeClr val="tx1"/>
+          </a:solidFill>
+          <a:ln>
+            <a:noFill/>
+          </a:ln>
+        </p:spPr>
+        <p:style>
+          <a:lnRef idx="2">
+            <a:schemeClr val="accent1">
+              <a:shade val="50000"/>
+            </a:schemeClr>
+          </a:lnRef>
+          <a:fillRef idx="1">
+            <a:schemeClr val="accent1"/>
+          </a:fillRef>
+          <a:effectRef idx="0">
+            <a:schemeClr val="accent1"/>
+          </a:effectRef>
+          <a:fontRef idx="minor">
+            <a:schemeClr val="lt1"/>
+          </a:fontRef>
+        </p:style>
+        <p:txBody>
+          <a:bodyPr rtlCol="0" anchor="ctr"/>
+          <a:lstStyle/>
+          <a:p>
+            <a:pPr algn="ctr"/>
+            <a:endParaRPr lang="en-US"/>
+          </a:p>
+        </p:txBody>
+      </p:sp>
+      <p:cxnSp>
+        <p:nvCxnSpPr>
+          <p:cNvPr id="251" name="Straight Connector 250">
+            <a:extLst>
+              <a:ext uri="{FF2B5EF4-FFF2-40B4-BE49-F238E27FC236}">
+                <a16:creationId xmlns:a16="http://schemas.microsoft.com/office/drawing/2014/main" id="{395A79E9-6152-469D-BFCC-1846DFA31A8D}"/>
+              </a:ext>
+            </a:extLst>
+          </p:cNvPr>
+          <p:cNvCxnSpPr>
+            <a:cxnSpLocks/>
+          </p:cNvCxnSpPr>
+          <p:nvPr/>
+        </p:nvCxnSpPr>
+        <p:spPr>
+          <a:xfrm flipH="1">
+            <a:off x="4021949" y="5881899"/>
+            <a:ext cx="553830" cy="0"/>
+          </a:xfrm>
+          <a:prstGeom prst="line">
+            <a:avLst/>
+          </a:prstGeom>
+          <a:ln w="38100">
+            <a:solidFill>
+              <a:schemeClr val="bg2">
+                <a:lumMod val="25000"/>
+              </a:schemeClr>
+            </a:solidFill>
+          </a:ln>
+        </p:spPr>
+        <p:style>
+          <a:lnRef idx="1">
+            <a:schemeClr val="accent1"/>
+          </a:lnRef>
+          <a:fillRef idx="0">
+            <a:schemeClr val="accent1"/>
+          </a:fillRef>
+          <a:effectRef idx="0">
+            <a:schemeClr val="accent1"/>
+          </a:effectRef>
+          <a:fontRef idx="minor">
+            <a:schemeClr val="tx1"/>
+          </a:fontRef>
+        </p:style>
+      </p:cxnSp>
+      <p:cxnSp>
+        <p:nvCxnSpPr>
+          <p:cNvPr id="263" name="Straight Connector 262">
+            <a:extLst>
+              <a:ext uri="{FF2B5EF4-FFF2-40B4-BE49-F238E27FC236}">
+                <a16:creationId xmlns:a16="http://schemas.microsoft.com/office/drawing/2014/main" id="{6425FB4B-7BBE-4C26-B1B5-A10B7E175F7C}"/>
+              </a:ext>
+            </a:extLst>
+          </p:cNvPr>
+          <p:cNvCxnSpPr>
+            <a:cxnSpLocks/>
+          </p:cNvCxnSpPr>
+          <p:nvPr/>
+        </p:nvCxnSpPr>
+        <p:spPr>
+          <a:xfrm flipH="1">
+            <a:off x="4127477" y="5788778"/>
+            <a:ext cx="449444" cy="0"/>
+          </a:xfrm>
+          <a:prstGeom prst="line">
+            <a:avLst/>
+          </a:prstGeom>
+          <a:ln w="38100">
+            <a:solidFill>
+              <a:schemeClr val="bg2">
+                <a:lumMod val="75000"/>
+              </a:schemeClr>
+            </a:solidFill>
+          </a:ln>
+        </p:spPr>
+        <p:style>
+          <a:lnRef idx="1">
+            <a:schemeClr val="accent1"/>
+          </a:lnRef>
+          <a:fillRef idx="0">
+            <a:schemeClr val="accent1"/>
+          </a:fillRef>
+          <a:effectRef idx="0">
+            <a:schemeClr val="accent1"/>
+          </a:effectRef>
+          <a:fontRef idx="minor">
+            <a:schemeClr val="tx1"/>
+          </a:fontRef>
+        </p:style>
+      </p:cxnSp>
+      <p:cxnSp>
+        <p:nvCxnSpPr>
+          <p:cNvPr id="264" name="Straight Connector 263">
+            <a:extLst>
+              <a:ext uri="{FF2B5EF4-FFF2-40B4-BE49-F238E27FC236}">
+                <a16:creationId xmlns:a16="http://schemas.microsoft.com/office/drawing/2014/main" id="{FD12549F-9E4D-44EA-8619-4A795B9B0561}"/>
+              </a:ext>
+            </a:extLst>
+          </p:cNvPr>
+          <p:cNvCxnSpPr>
+            <a:cxnSpLocks/>
+          </p:cNvCxnSpPr>
+          <p:nvPr/>
+        </p:nvCxnSpPr>
+        <p:spPr>
+          <a:xfrm>
+            <a:off x="4146299" y="5794533"/>
+            <a:ext cx="0" cy="240591"/>
+          </a:xfrm>
+          <a:prstGeom prst="line">
+            <a:avLst/>
+          </a:prstGeom>
+          <a:ln w="38100">
+            <a:solidFill>
+              <a:schemeClr val="bg2">
+                <a:lumMod val="75000"/>
+              </a:schemeClr>
+            </a:solidFill>
+          </a:ln>
+        </p:spPr>
+        <p:style>
+          <a:lnRef idx="1">
+            <a:schemeClr val="accent1"/>
+          </a:lnRef>
+          <a:fillRef idx="0">
+            <a:schemeClr val="accent1"/>
+          </a:fillRef>
+          <a:effectRef idx="0">
+            <a:schemeClr val="accent1"/>
+          </a:effectRef>
+          <a:fontRef idx="minor">
+            <a:schemeClr val="tx1"/>
+          </a:fontRef>
+        </p:style>
+      </p:cxnSp>
+      <p:cxnSp>
+        <p:nvCxnSpPr>
+          <p:cNvPr id="265" name="Straight Connector 264">
+            <a:extLst>
+              <a:ext uri="{FF2B5EF4-FFF2-40B4-BE49-F238E27FC236}">
+                <a16:creationId xmlns:a16="http://schemas.microsoft.com/office/drawing/2014/main" id="{685F0D45-FCAA-4E85-AE1F-B9CA967DE93A}"/>
+              </a:ext>
+            </a:extLst>
+          </p:cNvPr>
+          <p:cNvCxnSpPr>
+            <a:cxnSpLocks/>
+          </p:cNvCxnSpPr>
+          <p:nvPr/>
+        </p:nvCxnSpPr>
+        <p:spPr>
+          <a:xfrm flipH="1">
+            <a:off x="3777794" y="6014796"/>
+            <a:ext cx="368505" cy="0"/>
+          </a:xfrm>
+          <a:prstGeom prst="line">
+            <a:avLst/>
+          </a:prstGeom>
+          <a:ln w="38100">
+            <a:solidFill>
+              <a:schemeClr val="bg2">
+                <a:lumMod val="75000"/>
+              </a:schemeClr>
+            </a:solidFill>
+          </a:ln>
+        </p:spPr>
+        <p:style>
+          <a:lnRef idx="1">
+            <a:schemeClr val="accent1"/>
+          </a:lnRef>
+          <a:fillRef idx="0">
+            <a:schemeClr val="accent1"/>
+          </a:fillRef>
+          <a:effectRef idx="0">
+            <a:schemeClr val="accent1"/>
+          </a:effectRef>
+          <a:fontRef idx="minor">
+            <a:schemeClr val="tx1"/>
+          </a:fontRef>
+        </p:style>
+      </p:cxnSp>
+      <p:sp>
+        <p:nvSpPr>
+          <p:cNvPr id="29" name="Rectangle 28">
+            <a:extLst>
+              <a:ext uri="{FF2B5EF4-FFF2-40B4-BE49-F238E27FC236}">
+                <a16:creationId xmlns:a16="http://schemas.microsoft.com/office/drawing/2014/main" id="{791E3106-93D1-4C53-9A23-6D40F7A481D0}"/>
+              </a:ext>
+            </a:extLst>
+          </p:cNvPr>
+          <p:cNvSpPr/>
+          <p:nvPr/>
+        </p:nvSpPr>
+        <p:spPr>
+          <a:xfrm>
+            <a:off x="4570114" y="5725773"/>
+            <a:ext cx="1089533" cy="519112"/>
+          </a:xfrm>
+          <a:prstGeom prst="rect">
+            <a:avLst/>
+          </a:prstGeom>
+          <a:solidFill>
+            <a:schemeClr val="tx1"/>
+          </a:solidFill>
+          <a:ln>
+            <a:noFill/>
+          </a:ln>
+        </p:spPr>
+        <p:style>
+          <a:lnRef idx="2">
+            <a:schemeClr val="accent1">
+              <a:shade val="50000"/>
+            </a:schemeClr>
+          </a:lnRef>
+          <a:fillRef idx="1">
+            <a:schemeClr val="accent1"/>
+          </a:fillRef>
+          <a:effectRef idx="0">
+            <a:schemeClr val="accent1"/>
+          </a:effectRef>
+          <a:fontRef idx="minor">
+            <a:schemeClr val="lt1"/>
+          </a:fontRef>
+        </p:style>
+        <p:txBody>
+          <a:bodyPr rtlCol="0" anchor="ctr"/>
+          <a:lstStyle/>
+          <a:p>
+            <a:pPr algn="ctr"/>
+            <a:endParaRPr lang="en-US"/>
+          </a:p>
+        </p:txBody>
+      </p:sp>
+      <p:cxnSp>
+        <p:nvCxnSpPr>
+          <p:cNvPr id="268" name="Straight Connector 267">
+            <a:extLst>
+              <a:ext uri="{FF2B5EF4-FFF2-40B4-BE49-F238E27FC236}">
+                <a16:creationId xmlns:a16="http://schemas.microsoft.com/office/drawing/2014/main" id="{49950B1C-3E08-496E-B451-18FD73647F8B}"/>
+              </a:ext>
+            </a:extLst>
+          </p:cNvPr>
+          <p:cNvCxnSpPr>
+            <a:cxnSpLocks/>
+          </p:cNvCxnSpPr>
+          <p:nvPr/>
+        </p:nvCxnSpPr>
+        <p:spPr>
+          <a:xfrm>
+            <a:off x="4041541" y="5740520"/>
+            <a:ext cx="0" cy="157371"/>
+          </a:xfrm>
+          <a:prstGeom prst="line">
+            <a:avLst/>
+          </a:prstGeom>
+          <a:ln w="38100">
+            <a:solidFill>
+              <a:schemeClr val="bg2">
+                <a:lumMod val="25000"/>
+              </a:schemeClr>
+            </a:solidFill>
+          </a:ln>
+        </p:spPr>
+        <p:style>
+          <a:lnRef idx="1">
+            <a:schemeClr val="accent1"/>
+          </a:lnRef>
+          <a:fillRef idx="0">
+            <a:schemeClr val="accent1"/>
+          </a:fillRef>
+          <a:effectRef idx="0">
+            <a:schemeClr val="accent1"/>
+          </a:effectRef>
+          <a:fontRef idx="minor">
+            <a:schemeClr val="tx1"/>
+          </a:fontRef>
+        </p:style>
+      </p:cxnSp>
+      <p:cxnSp>
+        <p:nvCxnSpPr>
+          <p:cNvPr id="271" name="Straight Connector 270">
+            <a:extLst>
+              <a:ext uri="{FF2B5EF4-FFF2-40B4-BE49-F238E27FC236}">
+                <a16:creationId xmlns:a16="http://schemas.microsoft.com/office/drawing/2014/main" id="{74D408AB-12CC-4938-B390-B5FB7FCEA621}"/>
+              </a:ext>
+            </a:extLst>
+          </p:cNvPr>
+          <p:cNvCxnSpPr>
+            <a:cxnSpLocks/>
+          </p:cNvCxnSpPr>
+          <p:nvPr/>
+        </p:nvCxnSpPr>
+        <p:spPr>
+          <a:xfrm flipH="1">
+            <a:off x="3777794" y="5734463"/>
+            <a:ext cx="282901" cy="0"/>
+          </a:xfrm>
+          <a:prstGeom prst="line">
+            <a:avLst/>
+          </a:prstGeom>
+          <a:ln w="38100">
+            <a:solidFill>
+              <a:schemeClr val="bg2">
+                <a:lumMod val="25000"/>
+              </a:schemeClr>
+            </a:solidFill>
+          </a:ln>
+        </p:spPr>
+        <p:style>
+          <a:lnRef idx="1">
+            <a:schemeClr val="accent1"/>
+          </a:lnRef>
+          <a:fillRef idx="0">
+            <a:schemeClr val="accent1"/>
+          </a:fillRef>
+          <a:effectRef idx="0">
+            <a:schemeClr val="accent1"/>
+          </a:effectRef>
+          <a:fontRef idx="minor">
+            <a:schemeClr val="tx1"/>
+          </a:fontRef>
+        </p:style>
+      </p:cxnSp>
+      <p:cxnSp>
+        <p:nvCxnSpPr>
+          <p:cNvPr id="275" name="Straight Connector 274">
+            <a:extLst>
+              <a:ext uri="{FF2B5EF4-FFF2-40B4-BE49-F238E27FC236}">
+                <a16:creationId xmlns:a16="http://schemas.microsoft.com/office/drawing/2014/main" id="{371ECCBB-BEBC-4838-9DF0-4BA1177C1054}"/>
+              </a:ext>
+            </a:extLst>
+          </p:cNvPr>
+          <p:cNvCxnSpPr>
+            <a:cxnSpLocks/>
+          </p:cNvCxnSpPr>
+          <p:nvPr/>
+        </p:nvCxnSpPr>
+        <p:spPr>
+          <a:xfrm flipV="1">
+            <a:off x="8358360" y="3759674"/>
+            <a:ext cx="0" cy="2037240"/>
+          </a:xfrm>
+          <a:prstGeom prst="line">
+            <a:avLst/>
+          </a:prstGeom>
+          <a:ln w="12700">
+            <a:solidFill>
+              <a:schemeClr val="accent2">
+                <a:lumMod val="60000"/>
+                <a:lumOff val="40000"/>
+              </a:schemeClr>
+            </a:solidFill>
+          </a:ln>
+        </p:spPr>
+        <p:style>
+          <a:lnRef idx="1">
+            <a:schemeClr val="accent1"/>
+          </a:lnRef>
+          <a:fillRef idx="0">
+            <a:schemeClr val="accent1"/>
+          </a:fillRef>
+          <a:effectRef idx="0">
+            <a:schemeClr val="accent1"/>
+          </a:effectRef>
+          <a:fontRef idx="minor">
+            <a:schemeClr val="tx1"/>
+          </a:fontRef>
+        </p:style>
+      </p:cxnSp>
+      <p:cxnSp>
+        <p:nvCxnSpPr>
+          <p:cNvPr id="276" name="Straight Connector 275">
+            <a:extLst>
+              <a:ext uri="{FF2B5EF4-FFF2-40B4-BE49-F238E27FC236}">
+                <a16:creationId xmlns:a16="http://schemas.microsoft.com/office/drawing/2014/main" id="{2E78DD6F-D156-4918-8FAF-65176A1B3494}"/>
+              </a:ext>
+            </a:extLst>
+          </p:cNvPr>
+          <p:cNvCxnSpPr>
+            <a:cxnSpLocks/>
+          </p:cNvCxnSpPr>
+          <p:nvPr/>
+        </p:nvCxnSpPr>
+        <p:spPr>
+          <a:xfrm flipV="1">
+            <a:off x="8358360" y="3607731"/>
+            <a:ext cx="0" cy="93903"/>
+          </a:xfrm>
+          <a:prstGeom prst="line">
+            <a:avLst/>
+          </a:prstGeom>
+          <a:ln w="12700">
+            <a:solidFill>
+              <a:schemeClr val="accent2">
+                <a:lumMod val="50000"/>
+              </a:schemeClr>
+            </a:solidFill>
+          </a:ln>
+        </p:spPr>
+        <p:style>
+          <a:lnRef idx="1">
+            <a:schemeClr val="accent1"/>
+          </a:lnRef>
+          <a:fillRef idx="0">
+            <a:schemeClr val="accent1"/>
+          </a:fillRef>
+          <a:effectRef idx="0">
+            <a:schemeClr val="accent1"/>
+          </a:effectRef>
+          <a:fontRef idx="minor">
+            <a:schemeClr val="tx1"/>
+          </a:fontRef>
+        </p:style>
+      </p:cxnSp>
+      <p:cxnSp>
+        <p:nvCxnSpPr>
+          <p:cNvPr id="277" name="Straight Connector 276">
+            <a:extLst>
+              <a:ext uri="{FF2B5EF4-FFF2-40B4-BE49-F238E27FC236}">
+                <a16:creationId xmlns:a16="http://schemas.microsoft.com/office/drawing/2014/main" id="{E444D356-9FEE-4A03-A245-75E5A233F628}"/>
+              </a:ext>
+            </a:extLst>
+          </p:cNvPr>
+          <p:cNvCxnSpPr>
+            <a:cxnSpLocks/>
+          </p:cNvCxnSpPr>
+          <p:nvPr/>
+        </p:nvCxnSpPr>
+        <p:spPr>
+          <a:xfrm>
+            <a:off x="8307559" y="3701634"/>
+            <a:ext cx="0" cy="1965529"/>
+          </a:xfrm>
+          <a:prstGeom prst="line">
+            <a:avLst/>
+          </a:prstGeom>
+          <a:ln w="12700">
+            <a:solidFill>
+              <a:schemeClr val="accent2">
+                <a:lumMod val="50000"/>
+              </a:schemeClr>
+            </a:solidFill>
+          </a:ln>
+        </p:spPr>
+        <p:style>
+          <a:lnRef idx="1">
+            <a:schemeClr val="accent1"/>
+          </a:lnRef>
+          <a:fillRef idx="0">
+            <a:schemeClr val="accent1"/>
+          </a:fillRef>
+          <a:effectRef idx="0">
+            <a:schemeClr val="accent1"/>
+          </a:effectRef>
+          <a:fontRef idx="minor">
+            <a:schemeClr val="tx1"/>
+          </a:fontRef>
+        </p:style>
+      </p:cxnSp>
+      <p:cxnSp>
+        <p:nvCxnSpPr>
+          <p:cNvPr id="278" name="Straight Connector 277">
+            <a:extLst>
+              <a:ext uri="{FF2B5EF4-FFF2-40B4-BE49-F238E27FC236}">
+                <a16:creationId xmlns:a16="http://schemas.microsoft.com/office/drawing/2014/main" id="{E0C1832E-1B94-46F9-9D66-F40F0A226000}"/>
+              </a:ext>
+            </a:extLst>
+          </p:cNvPr>
+          <p:cNvCxnSpPr>
+            <a:cxnSpLocks/>
+          </p:cNvCxnSpPr>
+          <p:nvPr/>
+        </p:nvCxnSpPr>
+        <p:spPr>
+          <a:xfrm rot="16200000">
+            <a:off x="8175806" y="3617506"/>
+            <a:ext cx="168255" cy="0"/>
+          </a:xfrm>
+          <a:prstGeom prst="line">
+            <a:avLst/>
+          </a:prstGeom>
+          <a:ln w="12700">
+            <a:solidFill>
+              <a:schemeClr val="accent2">
+                <a:lumMod val="60000"/>
+                <a:lumOff val="40000"/>
+              </a:schemeClr>
+            </a:solidFill>
+          </a:ln>
+        </p:spPr>
+        <p:style>
+          <a:lnRef idx="1">
+            <a:schemeClr val="accent1"/>
+          </a:lnRef>
+          <a:fillRef idx="0">
+            <a:schemeClr val="accent1"/>
+          </a:fillRef>
+          <a:effectRef idx="0">
+            <a:schemeClr val="accent1"/>
+          </a:effectRef>
+          <a:fontRef idx="minor">
+            <a:schemeClr val="tx1"/>
+          </a:fontRef>
+        </p:style>
+      </p:cxnSp>
+      <p:cxnSp>
+        <p:nvCxnSpPr>
+          <p:cNvPr id="283" name="Straight Connector 282">
+            <a:extLst>
+              <a:ext uri="{FF2B5EF4-FFF2-40B4-BE49-F238E27FC236}">
+                <a16:creationId xmlns:a16="http://schemas.microsoft.com/office/drawing/2014/main" id="{D00759CB-A856-4F57-8884-54B69955108F}"/>
+              </a:ext>
+            </a:extLst>
+          </p:cNvPr>
+          <p:cNvCxnSpPr>
+            <a:cxnSpLocks/>
+          </p:cNvCxnSpPr>
+          <p:nvPr/>
+        </p:nvCxnSpPr>
+        <p:spPr>
+          <a:xfrm flipH="1">
+            <a:off x="8307559" y="5667164"/>
+            <a:ext cx="999817" cy="0"/>
+          </a:xfrm>
+          <a:prstGeom prst="line">
+            <a:avLst/>
+          </a:prstGeom>
+          <a:ln w="12700">
+            <a:solidFill>
+              <a:schemeClr val="accent2">
+                <a:lumMod val="50000"/>
+              </a:schemeClr>
+            </a:solidFill>
+          </a:ln>
+        </p:spPr>
+        <p:style>
+          <a:lnRef idx="1">
+            <a:schemeClr val="accent1"/>
+          </a:lnRef>
+          <a:fillRef idx="0">
+            <a:schemeClr val="accent1"/>
+          </a:fillRef>
+          <a:effectRef idx="0">
+            <a:schemeClr val="accent1"/>
+          </a:effectRef>
+          <a:fontRef idx="minor">
+            <a:schemeClr val="tx1"/>
+          </a:fontRef>
+        </p:style>
+      </p:cxnSp>
+      <p:cxnSp>
+        <p:nvCxnSpPr>
+          <p:cNvPr id="285" name="Straight Connector 284">
+            <a:extLst>
+              <a:ext uri="{FF2B5EF4-FFF2-40B4-BE49-F238E27FC236}">
+                <a16:creationId xmlns:a16="http://schemas.microsoft.com/office/drawing/2014/main" id="{6F45E5BA-5A59-462D-BE30-9A9F7983568E}"/>
+              </a:ext>
+            </a:extLst>
+          </p:cNvPr>
+          <p:cNvCxnSpPr>
+            <a:cxnSpLocks/>
+          </p:cNvCxnSpPr>
+          <p:nvPr/>
+        </p:nvCxnSpPr>
+        <p:spPr>
+          <a:xfrm flipH="1">
+            <a:off x="8358360" y="5804534"/>
+            <a:ext cx="1126450" cy="0"/>
+          </a:xfrm>
+          <a:prstGeom prst="line">
+            <a:avLst/>
+          </a:prstGeom>
+          <a:ln w="12700">
+            <a:solidFill>
+              <a:schemeClr val="accent2">
+                <a:lumMod val="60000"/>
+                <a:lumOff val="40000"/>
+              </a:schemeClr>
+            </a:solidFill>
+          </a:ln>
+        </p:spPr>
+        <p:style>
+          <a:lnRef idx="1">
+            <a:schemeClr val="accent1"/>
+          </a:lnRef>
+          <a:fillRef idx="0">
+            <a:schemeClr val="accent1"/>
+          </a:fillRef>
+          <a:effectRef idx="0">
+            <a:schemeClr val="accent1"/>
+          </a:effectRef>
+          <a:fontRef idx="minor">
+            <a:schemeClr val="tx1"/>
+          </a:fontRef>
+        </p:style>
+      </p:cxnSp>
+      <p:cxnSp>
+        <p:nvCxnSpPr>
+          <p:cNvPr id="288" name="Straight Connector 287">
+            <a:extLst>
+              <a:ext uri="{FF2B5EF4-FFF2-40B4-BE49-F238E27FC236}">
+                <a16:creationId xmlns:a16="http://schemas.microsoft.com/office/drawing/2014/main" id="{4CB9BF75-9F9A-494D-AF77-71C92CB17D01}"/>
+              </a:ext>
+            </a:extLst>
+          </p:cNvPr>
+          <p:cNvCxnSpPr>
+            <a:cxnSpLocks/>
+          </p:cNvCxnSpPr>
+          <p:nvPr/>
+        </p:nvCxnSpPr>
+        <p:spPr>
+          <a:xfrm flipH="1">
+            <a:off x="8985250" y="4444077"/>
+            <a:ext cx="322126" cy="0"/>
+          </a:xfrm>
+          <a:prstGeom prst="line">
+            <a:avLst/>
+          </a:prstGeom>
+          <a:ln w="12700">
+            <a:solidFill>
+              <a:schemeClr val="accent2">
+                <a:lumMod val="50000"/>
+              </a:schemeClr>
+            </a:solidFill>
+          </a:ln>
+        </p:spPr>
+        <p:style>
+          <a:lnRef idx="1">
+            <a:schemeClr val="accent1"/>
+          </a:lnRef>
+          <a:fillRef idx="0">
+            <a:schemeClr val="accent1"/>
+          </a:fillRef>
+          <a:effectRef idx="0">
+            <a:schemeClr val="accent1"/>
+          </a:effectRef>
+          <a:fontRef idx="minor">
+            <a:schemeClr val="tx1"/>
+          </a:fontRef>
+        </p:style>
+      </p:cxnSp>
+      <p:cxnSp>
+        <p:nvCxnSpPr>
+          <p:cNvPr id="289" name="Straight Connector 288">
+            <a:extLst>
+              <a:ext uri="{FF2B5EF4-FFF2-40B4-BE49-F238E27FC236}">
+                <a16:creationId xmlns:a16="http://schemas.microsoft.com/office/drawing/2014/main" id="{5FE5ED8E-0614-4A03-8C0C-DCCB28B707DC}"/>
+              </a:ext>
+            </a:extLst>
+          </p:cNvPr>
+          <p:cNvCxnSpPr>
+            <a:cxnSpLocks/>
+          </p:cNvCxnSpPr>
+          <p:nvPr/>
+        </p:nvCxnSpPr>
+        <p:spPr>
+          <a:xfrm flipH="1">
+            <a:off x="9032081" y="4573828"/>
+            <a:ext cx="438530" cy="0"/>
+          </a:xfrm>
+          <a:prstGeom prst="line">
+            <a:avLst/>
+          </a:prstGeom>
+          <a:ln w="12700">
+            <a:solidFill>
+              <a:schemeClr val="accent2">
+                <a:lumMod val="60000"/>
+                <a:lumOff val="40000"/>
+              </a:schemeClr>
+            </a:solidFill>
+          </a:ln>
+        </p:spPr>
+        <p:style>
+          <a:lnRef idx="1">
+            <a:schemeClr val="accent1"/>
+          </a:lnRef>
+          <a:fillRef idx="0">
+            <a:schemeClr val="accent1"/>
+          </a:fillRef>
+          <a:effectRef idx="0">
+            <a:schemeClr val="accent1"/>
+          </a:effectRef>
+          <a:fontRef idx="minor">
+            <a:schemeClr val="tx1"/>
+          </a:fontRef>
+        </p:style>
+      </p:cxnSp>
+      <p:cxnSp>
+        <p:nvCxnSpPr>
+          <p:cNvPr id="294" name="Straight Connector 293">
+            <a:extLst>
+              <a:ext uri="{FF2B5EF4-FFF2-40B4-BE49-F238E27FC236}">
+                <a16:creationId xmlns:a16="http://schemas.microsoft.com/office/drawing/2014/main" id="{CA2B5F47-A8F7-462A-98E2-C99B26394EC6}"/>
+              </a:ext>
+            </a:extLst>
+          </p:cNvPr>
+          <p:cNvCxnSpPr>
+            <a:cxnSpLocks/>
+          </p:cNvCxnSpPr>
+          <p:nvPr/>
+        </p:nvCxnSpPr>
+        <p:spPr>
+          <a:xfrm flipH="1">
+            <a:off x="8358360" y="3613133"/>
+            <a:ext cx="626890" cy="0"/>
+          </a:xfrm>
+          <a:prstGeom prst="line">
+            <a:avLst/>
+          </a:prstGeom>
+          <a:ln w="12700">
+            <a:solidFill>
+              <a:schemeClr val="accent2">
+                <a:lumMod val="50000"/>
+              </a:schemeClr>
+            </a:solidFill>
+          </a:ln>
+        </p:spPr>
+        <p:style>
+          <a:lnRef idx="1">
+            <a:schemeClr val="accent1"/>
+          </a:lnRef>
+          <a:fillRef idx="0">
+            <a:schemeClr val="accent1"/>
+          </a:fillRef>
+          <a:effectRef idx="0">
+            <a:schemeClr val="accent1"/>
+          </a:effectRef>
+          <a:fontRef idx="minor">
+            <a:schemeClr val="tx1"/>
+          </a:fontRef>
+        </p:style>
+      </p:cxnSp>
+      <p:cxnSp>
+        <p:nvCxnSpPr>
+          <p:cNvPr id="296" name="Straight Connector 295">
+            <a:extLst>
+              <a:ext uri="{FF2B5EF4-FFF2-40B4-BE49-F238E27FC236}">
+                <a16:creationId xmlns:a16="http://schemas.microsoft.com/office/drawing/2014/main" id="{AA114649-BF96-4123-AFEF-00B0E1CF4693}"/>
+              </a:ext>
+            </a:extLst>
+          </p:cNvPr>
+          <p:cNvCxnSpPr>
+            <a:cxnSpLocks/>
+          </p:cNvCxnSpPr>
+          <p:nvPr/>
+        </p:nvCxnSpPr>
+        <p:spPr>
+          <a:xfrm flipV="1">
+            <a:off x="8985250" y="3607732"/>
+            <a:ext cx="0" cy="836345"/>
+          </a:xfrm>
+          <a:prstGeom prst="line">
+            <a:avLst/>
+          </a:prstGeom>
+          <a:ln w="12700">
+            <a:solidFill>
+              <a:schemeClr val="accent2">
+                <a:lumMod val="50000"/>
+              </a:schemeClr>
+            </a:solidFill>
+          </a:ln>
+        </p:spPr>
+        <p:style>
+          <a:lnRef idx="1">
+            <a:schemeClr val="accent1"/>
+          </a:lnRef>
+          <a:fillRef idx="0">
+            <a:schemeClr val="accent1"/>
+          </a:fillRef>
+          <a:effectRef idx="0">
+            <a:schemeClr val="accent1"/>
+          </a:effectRef>
+          <a:fontRef idx="minor">
+            <a:schemeClr val="tx1"/>
+          </a:fontRef>
+        </p:style>
+      </p:cxnSp>
+      <p:cxnSp>
+        <p:nvCxnSpPr>
+          <p:cNvPr id="298" name="Straight Connector 297">
+            <a:extLst>
+              <a:ext uri="{FF2B5EF4-FFF2-40B4-BE49-F238E27FC236}">
+                <a16:creationId xmlns:a16="http://schemas.microsoft.com/office/drawing/2014/main" id="{0F09208D-9801-4093-8E01-DAFB7A59C708}"/>
+              </a:ext>
+            </a:extLst>
+          </p:cNvPr>
+          <p:cNvCxnSpPr>
+            <a:cxnSpLocks/>
+          </p:cNvCxnSpPr>
+          <p:nvPr/>
+        </p:nvCxnSpPr>
+        <p:spPr>
+          <a:xfrm flipH="1">
+            <a:off x="8259934" y="3538140"/>
+            <a:ext cx="772147" cy="0"/>
+          </a:xfrm>
+          <a:prstGeom prst="line">
+            <a:avLst/>
+          </a:prstGeom>
+          <a:ln w="12700">
+            <a:solidFill>
+              <a:schemeClr val="accent2">
+                <a:lumMod val="60000"/>
+                <a:lumOff val="40000"/>
+              </a:schemeClr>
+            </a:solidFill>
+          </a:ln>
+        </p:spPr>
+        <p:style>
+          <a:lnRef idx="1">
+            <a:schemeClr val="accent1"/>
+          </a:lnRef>
+          <a:fillRef idx="0">
+            <a:schemeClr val="accent1"/>
+          </a:fillRef>
+          <a:effectRef idx="0">
+            <a:schemeClr val="accent1"/>
+          </a:effectRef>
+          <a:fontRef idx="minor">
+            <a:schemeClr val="tx1"/>
+          </a:fontRef>
+        </p:style>
+      </p:cxnSp>
+      <p:cxnSp>
+        <p:nvCxnSpPr>
+          <p:cNvPr id="301" name="Straight Connector 300">
+            <a:extLst>
+              <a:ext uri="{FF2B5EF4-FFF2-40B4-BE49-F238E27FC236}">
+                <a16:creationId xmlns:a16="http://schemas.microsoft.com/office/drawing/2014/main" id="{0242A42C-CBF5-4276-AD86-3F49291681C7}"/>
+              </a:ext>
+            </a:extLst>
+          </p:cNvPr>
+          <p:cNvCxnSpPr>
+            <a:cxnSpLocks/>
+          </p:cNvCxnSpPr>
+          <p:nvPr/>
+        </p:nvCxnSpPr>
+        <p:spPr>
+          <a:xfrm flipV="1">
+            <a:off x="9032082" y="3533379"/>
+            <a:ext cx="0" cy="1040449"/>
+          </a:xfrm>
+          <a:prstGeom prst="line">
+            <a:avLst/>
+          </a:prstGeom>
+          <a:ln w="12700">
+            <a:solidFill>
+              <a:schemeClr val="accent2">
+                <a:lumMod val="60000"/>
+                <a:lumOff val="40000"/>
+              </a:schemeClr>
+            </a:solidFill>
+          </a:ln>
+        </p:spPr>
+        <p:style>
+          <a:lnRef idx="1">
+            <a:schemeClr val="accent1"/>
+          </a:lnRef>
+          <a:fillRef idx="0">
+            <a:schemeClr val="accent1"/>
+          </a:fillRef>
+          <a:effectRef idx="0">
+            <a:schemeClr val="accent1"/>
+          </a:effectRef>
+          <a:fontRef idx="minor">
+            <a:schemeClr val="tx1"/>
+          </a:fontRef>
+        </p:style>
+      </p:cxnSp>
+      <p:sp>
+        <p:nvSpPr>
+          <p:cNvPr id="306" name="Freeform: Shape 305">
+            <a:extLst>
+              <a:ext uri="{FF2B5EF4-FFF2-40B4-BE49-F238E27FC236}">
+                <a16:creationId xmlns:a16="http://schemas.microsoft.com/office/drawing/2014/main" id="{A5AB670E-8FD9-43F9-9947-E3252F33ABFB}"/>
+              </a:ext>
+            </a:extLst>
+          </p:cNvPr>
+          <p:cNvSpPr/>
+          <p:nvPr/>
+        </p:nvSpPr>
+        <p:spPr>
+          <a:xfrm>
+            <a:off x="4093818" y="411061"/>
+            <a:ext cx="285235" cy="981511"/>
+          </a:xfrm>
+          <a:custGeom>
+            <a:avLst/>
+            <a:gdLst>
+              <a:gd name="connsiteX0" fmla="*/ 276846 w 285235"/>
+              <a:gd name="connsiteY0" fmla="*/ 0 h 981511"/>
+              <a:gd name="connsiteX1" fmla="*/ 10 w 285235"/>
+              <a:gd name="connsiteY1" fmla="*/ 645952 h 981511"/>
+              <a:gd name="connsiteX2" fmla="*/ 285235 w 285235"/>
+              <a:gd name="connsiteY2" fmla="*/ 981511 h 981511"/>
+            </a:gdLst>
+            <a:ahLst/>
+            <a:cxnLst>
+              <a:cxn ang="0">
+                <a:pos x="connsiteX0" y="connsiteY0"/>
+              </a:cxn>
+              <a:cxn ang="0">
+                <a:pos x="connsiteX1" y="connsiteY1"/>
+              </a:cxn>
+              <a:cxn ang="0">
+                <a:pos x="connsiteX2" y="connsiteY2"/>
+              </a:cxn>
+            </a:cxnLst>
+            <a:rect l="l" t="t" r="r" b="b"/>
+            <a:pathLst>
+              <a:path w="285235" h="981511">
+                <a:moveTo>
+                  <a:pt x="276846" y="0"/>
+                </a:moveTo>
+                <a:cubicBezTo>
+                  <a:pt x="137729" y="241183"/>
+                  <a:pt x="-1388" y="482367"/>
+                  <a:pt x="10" y="645952"/>
+                </a:cubicBezTo>
+                <a:cubicBezTo>
+                  <a:pt x="1408" y="809537"/>
+                  <a:pt x="155206" y="939566"/>
+                  <a:pt x="285235" y="981511"/>
+                </a:cubicBezTo>
+              </a:path>
+            </a:pathLst>
+          </a:custGeom>
+          <a:noFill/>
+          <a:ln w="38100">
+            <a:solidFill>
+              <a:srgbClr val="FF0000"/>
+            </a:solidFill>
+          </a:ln>
+        </p:spPr>
+        <p:style>
+          <a:lnRef idx="2">
+            <a:schemeClr val="accent1">
+              <a:shade val="50000"/>
+            </a:schemeClr>
+          </a:lnRef>
+          <a:fillRef idx="1">
+            <a:schemeClr val="accent1"/>
+          </a:fillRef>
+          <a:effectRef idx="0">
+            <a:schemeClr val="accent1"/>
+          </a:effectRef>
+          <a:fontRef idx="minor">
+            <a:schemeClr val="lt1"/>
+          </a:fontRef>
+        </p:style>
+        <p:txBody>
+          <a:bodyPr rtlCol="0" anchor="ctr"/>
+          <a:lstStyle/>
+          <a:p>
+            <a:pPr algn="ctr"/>
+            <a:endParaRPr lang="en-US"/>
+          </a:p>
+        </p:txBody>
+      </p:sp>
+      <p:sp>
+        <p:nvSpPr>
+          <p:cNvPr id="309" name="Freeform: Shape 308">
+            <a:extLst>
+              <a:ext uri="{FF2B5EF4-FFF2-40B4-BE49-F238E27FC236}">
+                <a16:creationId xmlns:a16="http://schemas.microsoft.com/office/drawing/2014/main" id="{31823E9B-C5B4-42D3-ADAA-38C4C028AD5C}"/>
+              </a:ext>
+            </a:extLst>
+          </p:cNvPr>
+          <p:cNvSpPr/>
+          <p:nvPr/>
+        </p:nvSpPr>
+        <p:spPr>
+          <a:xfrm>
+            <a:off x="4305943" y="437232"/>
+            <a:ext cx="285235" cy="981511"/>
+          </a:xfrm>
+          <a:custGeom>
+            <a:avLst/>
+            <a:gdLst>
+              <a:gd name="connsiteX0" fmla="*/ 276846 w 285235"/>
+              <a:gd name="connsiteY0" fmla="*/ 0 h 981511"/>
+              <a:gd name="connsiteX1" fmla="*/ 10 w 285235"/>
+              <a:gd name="connsiteY1" fmla="*/ 645952 h 981511"/>
+              <a:gd name="connsiteX2" fmla="*/ 285235 w 285235"/>
+              <a:gd name="connsiteY2" fmla="*/ 981511 h 981511"/>
+            </a:gdLst>
+            <a:ahLst/>
+            <a:cxnLst>
+              <a:cxn ang="0">
+                <a:pos x="connsiteX0" y="connsiteY0"/>
+              </a:cxn>
+              <a:cxn ang="0">
+                <a:pos x="connsiteX1" y="connsiteY1"/>
+              </a:cxn>
+              <a:cxn ang="0">
+                <a:pos x="connsiteX2" y="connsiteY2"/>
+              </a:cxn>
+            </a:cxnLst>
+            <a:rect l="l" t="t" r="r" b="b"/>
+            <a:pathLst>
+              <a:path w="285235" h="981511">
+                <a:moveTo>
+                  <a:pt x="276846" y="0"/>
+                </a:moveTo>
+                <a:cubicBezTo>
+                  <a:pt x="137729" y="241183"/>
+                  <a:pt x="-1388" y="482367"/>
+                  <a:pt x="10" y="645952"/>
+                </a:cubicBezTo>
+                <a:cubicBezTo>
+                  <a:pt x="1408" y="809537"/>
+                  <a:pt x="155206" y="939566"/>
+                  <a:pt x="285235" y="981511"/>
+                </a:cubicBezTo>
+              </a:path>
+            </a:pathLst>
+          </a:custGeom>
+          <a:noFill/>
+          <a:ln w="38100">
+            <a:solidFill>
+              <a:schemeClr val="bg1">
+                <a:lumMod val="65000"/>
+              </a:schemeClr>
+            </a:solidFill>
+          </a:ln>
+        </p:spPr>
+        <p:style>
+          <a:lnRef idx="2">
+            <a:schemeClr val="accent1">
+              <a:shade val="50000"/>
+            </a:schemeClr>
+          </a:lnRef>
+          <a:fillRef idx="1">
+            <a:schemeClr val="accent1"/>
+          </a:fillRef>
+          <a:effectRef idx="0">
+            <a:schemeClr val="accent1"/>
+          </a:effectRef>
+          <a:fontRef idx="minor">
+            <a:schemeClr val="lt1"/>
+          </a:fontRef>
+        </p:style>
+        <p:txBody>
+          <a:bodyPr rtlCol="0" anchor="ctr"/>
+          <a:lstStyle/>
+          <a:p>
+            <a:pPr algn="ctr"/>
+            <a:endParaRPr lang="en-US"/>
+          </a:p>
+        </p:txBody>
+      </p:sp>
+      <p:cxnSp>
+        <p:nvCxnSpPr>
+          <p:cNvPr id="313" name="Straight Connector 312">
+            <a:extLst>
+              <a:ext uri="{FF2B5EF4-FFF2-40B4-BE49-F238E27FC236}">
+                <a16:creationId xmlns:a16="http://schemas.microsoft.com/office/drawing/2014/main" id="{886323DD-8346-4E60-B8AB-16FB2FFBD5EA}"/>
+              </a:ext>
+            </a:extLst>
+          </p:cNvPr>
+          <p:cNvCxnSpPr/>
+          <p:nvPr/>
+        </p:nvCxnSpPr>
+        <p:spPr>
+          <a:xfrm flipV="1">
+            <a:off x="4624441" y="1427132"/>
+            <a:ext cx="0" cy="2292467"/>
+          </a:xfrm>
+          <a:prstGeom prst="line">
+            <a:avLst/>
+          </a:prstGeom>
+          <a:ln w="38100">
+            <a:solidFill>
+              <a:schemeClr val="bg1">
+                <a:lumMod val="65000"/>
+              </a:schemeClr>
+            </a:solidFill>
+          </a:ln>
+        </p:spPr>
+        <p:style>
+          <a:lnRef idx="1">
+            <a:schemeClr val="accent1"/>
+          </a:lnRef>
+          <a:fillRef idx="0">
+            <a:schemeClr val="accent1"/>
+          </a:fillRef>
+          <a:effectRef idx="0">
+            <a:schemeClr val="accent1"/>
+          </a:effectRef>
+          <a:fontRef idx="minor">
+            <a:schemeClr val="tx1"/>
+          </a:fontRef>
+        </p:style>
+      </p:cxnSp>
+      <p:cxnSp>
+        <p:nvCxnSpPr>
+          <p:cNvPr id="314" name="Straight Connector 313">
+            <a:extLst>
+              <a:ext uri="{FF2B5EF4-FFF2-40B4-BE49-F238E27FC236}">
+                <a16:creationId xmlns:a16="http://schemas.microsoft.com/office/drawing/2014/main" id="{D32D1B4A-94BC-426A-B05D-35923A153E58}"/>
+              </a:ext>
+            </a:extLst>
+          </p:cNvPr>
+          <p:cNvCxnSpPr/>
+          <p:nvPr/>
+        </p:nvCxnSpPr>
+        <p:spPr>
+          <a:xfrm flipV="1">
+            <a:off x="4379053" y="1418338"/>
+            <a:ext cx="0" cy="2292467"/>
+          </a:xfrm>
+          <a:prstGeom prst="line">
+            <a:avLst/>
+          </a:prstGeom>
+          <a:ln w="38100">
+            <a:solidFill>
+              <a:srgbClr val="FF0000"/>
+            </a:solidFill>
+          </a:ln>
+        </p:spPr>
+        <p:style>
+          <a:lnRef idx="1">
+            <a:schemeClr val="accent1"/>
+          </a:lnRef>
+          <a:fillRef idx="0">
+            <a:schemeClr val="accent1"/>
+          </a:fillRef>
+          <a:effectRef idx="0">
+            <a:schemeClr val="accent1"/>
+          </a:effectRef>
+          <a:fontRef idx="minor">
+            <a:schemeClr val="tx1"/>
+          </a:fontRef>
+        </p:style>
+      </p:cxnSp>
+    </p:spTree>
+    <p:extLst>
+      <p:ext uri="{BB962C8B-B14F-4D97-AF65-F5344CB8AC3E}">
+        <p14:creationId xmlns:p14="http://schemas.microsoft.com/office/powerpoint/2010/main" val="1847345062"/>
       </p:ext>
     </p:extLst>
   </p:cSld>

--- a/Design+Setup Notes/Circuit Diagrams.pptx
+++ b/Design+Setup Notes/Circuit Diagrams.pptx
@@ -268,7 +268,7 @@
           <a:p>
             <a:fld id="{CEA465B2-29EA-4E60-A66D-641744856D1F}" type="datetimeFigureOut">
               <a:rPr lang="en-US" smtClean="0"/>
-              <a:t>1/26/2018</a:t>
+              <a:t>2/1/2018</a:t>
             </a:fld>
             <a:endParaRPr lang="en-US"/>
           </a:p>
@@ -466,7 +466,7 @@
           <a:p>
             <a:fld id="{CEA465B2-29EA-4E60-A66D-641744856D1F}" type="datetimeFigureOut">
               <a:rPr lang="en-US" smtClean="0"/>
-              <a:t>1/26/2018</a:t>
+              <a:t>2/1/2018</a:t>
             </a:fld>
             <a:endParaRPr lang="en-US"/>
           </a:p>
@@ -674,7 +674,7 @@
           <a:p>
             <a:fld id="{CEA465B2-29EA-4E60-A66D-641744856D1F}" type="datetimeFigureOut">
               <a:rPr lang="en-US" smtClean="0"/>
-              <a:t>1/26/2018</a:t>
+              <a:t>2/1/2018</a:t>
             </a:fld>
             <a:endParaRPr lang="en-US"/>
           </a:p>
@@ -872,7 +872,7 @@
           <a:p>
             <a:fld id="{CEA465B2-29EA-4E60-A66D-641744856D1F}" type="datetimeFigureOut">
               <a:rPr lang="en-US" smtClean="0"/>
-              <a:t>1/26/2018</a:t>
+              <a:t>2/1/2018</a:t>
             </a:fld>
             <a:endParaRPr lang="en-US"/>
           </a:p>
@@ -1147,7 +1147,7 @@
           <a:p>
             <a:fld id="{CEA465B2-29EA-4E60-A66D-641744856D1F}" type="datetimeFigureOut">
               <a:rPr lang="en-US" smtClean="0"/>
-              <a:t>1/26/2018</a:t>
+              <a:t>2/1/2018</a:t>
             </a:fld>
             <a:endParaRPr lang="en-US"/>
           </a:p>
@@ -1412,7 +1412,7 @@
           <a:p>
             <a:fld id="{CEA465B2-29EA-4E60-A66D-641744856D1F}" type="datetimeFigureOut">
               <a:rPr lang="en-US" smtClean="0"/>
-              <a:t>1/26/2018</a:t>
+              <a:t>2/1/2018</a:t>
             </a:fld>
             <a:endParaRPr lang="en-US"/>
           </a:p>
@@ -1824,7 +1824,7 @@
           <a:p>
             <a:fld id="{CEA465B2-29EA-4E60-A66D-641744856D1F}" type="datetimeFigureOut">
               <a:rPr lang="en-US" smtClean="0"/>
-              <a:t>1/26/2018</a:t>
+              <a:t>2/1/2018</a:t>
             </a:fld>
             <a:endParaRPr lang="en-US"/>
           </a:p>
@@ -1965,7 +1965,7 @@
           <a:p>
             <a:fld id="{CEA465B2-29EA-4E60-A66D-641744856D1F}" type="datetimeFigureOut">
               <a:rPr lang="en-US" smtClean="0"/>
-              <a:t>1/26/2018</a:t>
+              <a:t>2/1/2018</a:t>
             </a:fld>
             <a:endParaRPr lang="en-US"/>
           </a:p>
@@ -2078,7 +2078,7 @@
           <a:p>
             <a:fld id="{CEA465B2-29EA-4E60-A66D-641744856D1F}" type="datetimeFigureOut">
               <a:rPr lang="en-US" smtClean="0"/>
-              <a:t>1/26/2018</a:t>
+              <a:t>2/1/2018</a:t>
             </a:fld>
             <a:endParaRPr lang="en-US"/>
           </a:p>
@@ -2389,7 +2389,7 @@
           <a:p>
             <a:fld id="{CEA465B2-29EA-4E60-A66D-641744856D1F}" type="datetimeFigureOut">
               <a:rPr lang="en-US" smtClean="0"/>
-              <a:t>1/26/2018</a:t>
+              <a:t>2/1/2018</a:t>
             </a:fld>
             <a:endParaRPr lang="en-US"/>
           </a:p>
@@ -2677,7 +2677,7 @@
           <a:p>
             <a:fld id="{CEA465B2-29EA-4E60-A66D-641744856D1F}" type="datetimeFigureOut">
               <a:rPr lang="en-US" smtClean="0"/>
-              <a:t>1/26/2018</a:t>
+              <a:t>2/1/2018</a:t>
             </a:fld>
             <a:endParaRPr lang="en-US"/>
           </a:p>
@@ -2918,7 +2918,7 @@
           <a:p>
             <a:fld id="{CEA465B2-29EA-4E60-A66D-641744856D1F}" type="datetimeFigureOut">
               <a:rPr lang="en-US" smtClean="0"/>
-              <a:t>1/26/2018</a:t>
+              <a:t>2/1/2018</a:t>
             </a:fld>
             <a:endParaRPr lang="en-US"/>
           </a:p>
@@ -17314,7 +17314,7 @@
         </p:nvSpPr>
         <p:spPr>
           <a:xfrm>
-            <a:off x="4214362" y="1427132"/>
+            <a:off x="6162587" y="1122751"/>
             <a:ext cx="1441734" cy="731354"/>
           </a:xfrm>
           <a:prstGeom prst="rect">
@@ -17366,7 +17366,7 @@
         </p:nvSpPr>
         <p:spPr>
           <a:xfrm>
-            <a:off x="4529584" y="1385633"/>
+            <a:off x="6477809" y="1081252"/>
             <a:ext cx="189715" cy="46130"/>
           </a:xfrm>
           <a:prstGeom prst="rect">
@@ -17420,7 +17420,7 @@
         </p:nvSpPr>
         <p:spPr>
           <a:xfrm>
-            <a:off x="4305596" y="1385633"/>
+            <a:off x="6253821" y="1081252"/>
             <a:ext cx="189715" cy="46130"/>
           </a:xfrm>
           <a:prstGeom prst="rect">
@@ -20251,7 +20251,7 @@
         </p:nvSpPr>
         <p:spPr>
           <a:xfrm>
-            <a:off x="4217911" y="455169"/>
+            <a:off x="6166136" y="150788"/>
             <a:ext cx="1441734" cy="731354"/>
           </a:xfrm>
           <a:prstGeom prst="rect">
@@ -20303,7 +20303,7 @@
         </p:nvSpPr>
         <p:spPr>
           <a:xfrm>
-            <a:off x="4533133" y="413670"/>
+            <a:off x="6481358" y="109289"/>
             <a:ext cx="189715" cy="46130"/>
           </a:xfrm>
           <a:prstGeom prst="rect">
@@ -20357,7 +20357,7 @@
         </p:nvSpPr>
         <p:spPr>
           <a:xfrm>
-            <a:off x="4309145" y="413670"/>
+            <a:off x="6257370" y="109289"/>
             <a:ext cx="189715" cy="46130"/>
           </a:xfrm>
           <a:prstGeom prst="rect">
@@ -21141,7 +21141,7 @@
         <p:spPr>
           <a:xfrm>
             <a:off x="11586575" y="576637"/>
-            <a:ext cx="324128" cy="169277"/>
+            <a:ext cx="546945" cy="169277"/>
           </a:xfrm>
           <a:prstGeom prst="rect">
             <a:avLst/>
@@ -21162,7 +21162,7 @@
                   </a:schemeClr>
                 </a:solidFill>
               </a:rPr>
-              <a:t>INT A</a:t>
+              <a:t>INTERRUPT A</a:t>
             </a:r>
             <a:endParaRPr lang="en-US" sz="700" dirty="0">
               <a:solidFill>
@@ -21189,7 +21189,7 @@
         <p:spPr>
           <a:xfrm>
             <a:off x="11585750" y="665302"/>
-            <a:ext cx="322524" cy="169277"/>
+            <a:ext cx="530915" cy="169277"/>
           </a:xfrm>
           <a:prstGeom prst="rect">
             <a:avLst/>
@@ -21211,7 +21211,7 @@
                   </a:schemeClr>
                 </a:solidFill>
               </a:rPr>
-              <a:t>INT B</a:t>
+              <a:t>INTERRUPT B</a:t>
             </a:r>
             <a:endParaRPr lang="en-US" sz="700" dirty="0">
               <a:solidFill>
@@ -21330,7 +21330,7 @@
         </p:nvCxnSpPr>
         <p:spPr>
           <a:xfrm flipH="1">
-            <a:off x="4031479" y="4647870"/>
+            <a:off x="4036207" y="4648581"/>
             <a:ext cx="558559" cy="0"/>
           </a:xfrm>
           <a:prstGeom prst="line">
@@ -22428,7 +22428,7 @@
         </p:nvSpPr>
         <p:spPr>
           <a:xfrm>
-            <a:off x="4093818" y="411061"/>
+            <a:off x="6042043" y="106680"/>
             <a:ext cx="285235" cy="981511"/>
           </a:xfrm>
           <a:custGeom>
@@ -22518,7 +22518,7 @@
         </p:nvSpPr>
         <p:spPr>
           <a:xfrm>
-            <a:off x="4305943" y="437232"/>
+            <a:off x="6254168" y="132851"/>
             <a:ext cx="285235" cy="981511"/>
           </a:xfrm>
           <a:custGeom>
@@ -22596,6 +22596,180 @@
           </a:p>
         </p:txBody>
       </p:sp>
+      <p:sp>
+        <p:nvSpPr>
+          <p:cNvPr id="5" name="Rectangle 4">
+            <a:extLst>
+              <a:ext uri="{FF2B5EF4-FFF2-40B4-BE49-F238E27FC236}">
+                <a16:creationId xmlns:a16="http://schemas.microsoft.com/office/drawing/2014/main" id="{079BF47A-EB03-4891-AFB5-83CF5F9E6D47}"/>
+              </a:ext>
+            </a:extLst>
+          </p:cNvPr>
+          <p:cNvSpPr/>
+          <p:nvPr/>
+        </p:nvSpPr>
+        <p:spPr>
+          <a:xfrm>
+            <a:off x="2978150" y="2085975"/>
+            <a:ext cx="5095560" cy="257565"/>
+          </a:xfrm>
+          <a:prstGeom prst="rect">
+            <a:avLst/>
+          </a:prstGeom>
+          <a:solidFill>
+            <a:schemeClr val="bg1">
+              <a:lumMod val="95000"/>
+            </a:schemeClr>
+          </a:solidFill>
+          <a:ln>
+            <a:solidFill>
+              <a:schemeClr val="bg1">
+                <a:lumMod val="95000"/>
+              </a:schemeClr>
+            </a:solidFill>
+          </a:ln>
+        </p:spPr>
+        <p:style>
+          <a:lnRef idx="2">
+            <a:schemeClr val="accent1">
+              <a:shade val="50000"/>
+            </a:schemeClr>
+          </a:lnRef>
+          <a:fillRef idx="1">
+            <a:schemeClr val="accent1"/>
+          </a:fillRef>
+          <a:effectRef idx="0">
+            <a:schemeClr val="accent1"/>
+          </a:effectRef>
+          <a:fontRef idx="minor">
+            <a:schemeClr val="lt1"/>
+          </a:fontRef>
+        </p:style>
+        <p:txBody>
+          <a:bodyPr rtlCol="0" anchor="ctr"/>
+          <a:lstStyle/>
+          <a:p>
+            <a:pPr algn="ctr"/>
+            <a:endParaRPr lang="en-US"/>
+          </a:p>
+        </p:txBody>
+      </p:sp>
+      <p:sp>
+        <p:nvSpPr>
+          <p:cNvPr id="20" name="Rectangle 19">
+            <a:extLst>
+              <a:ext uri="{FF2B5EF4-FFF2-40B4-BE49-F238E27FC236}">
+                <a16:creationId xmlns:a16="http://schemas.microsoft.com/office/drawing/2014/main" id="{B265F20B-CFEC-4ECE-9620-A88DFDA4E5C3}"/>
+              </a:ext>
+            </a:extLst>
+          </p:cNvPr>
+          <p:cNvSpPr/>
+          <p:nvPr/>
+        </p:nvSpPr>
+        <p:spPr>
+          <a:xfrm>
+            <a:off x="2999794" y="2145509"/>
+            <a:ext cx="5059826" cy="45719"/>
+          </a:xfrm>
+          <a:prstGeom prst="rect">
+            <a:avLst/>
+          </a:prstGeom>
+          <a:solidFill>
+            <a:schemeClr val="bg1">
+              <a:lumMod val="85000"/>
+            </a:schemeClr>
+          </a:solidFill>
+          <a:ln>
+            <a:solidFill>
+              <a:schemeClr val="bg1">
+                <a:lumMod val="85000"/>
+              </a:schemeClr>
+            </a:solidFill>
+          </a:ln>
+        </p:spPr>
+        <p:style>
+          <a:lnRef idx="2">
+            <a:schemeClr val="accent1">
+              <a:shade val="50000"/>
+            </a:schemeClr>
+          </a:lnRef>
+          <a:fillRef idx="1">
+            <a:schemeClr val="accent1"/>
+          </a:fillRef>
+          <a:effectRef idx="0">
+            <a:schemeClr val="accent1"/>
+          </a:effectRef>
+          <a:fontRef idx="minor">
+            <a:schemeClr val="lt1"/>
+          </a:fontRef>
+        </p:style>
+        <p:txBody>
+          <a:bodyPr rtlCol="0" anchor="ctr"/>
+          <a:lstStyle/>
+          <a:p>
+            <a:pPr algn="ctr"/>
+            <a:endParaRPr lang="en-US"/>
+          </a:p>
+        </p:txBody>
+      </p:sp>
+      <p:sp>
+        <p:nvSpPr>
+          <p:cNvPr id="145" name="Rectangle 144">
+            <a:extLst>
+              <a:ext uri="{FF2B5EF4-FFF2-40B4-BE49-F238E27FC236}">
+                <a16:creationId xmlns:a16="http://schemas.microsoft.com/office/drawing/2014/main" id="{B04EAE76-E979-4DAD-B724-F6F832E8BFAC}"/>
+              </a:ext>
+            </a:extLst>
+          </p:cNvPr>
+          <p:cNvSpPr/>
+          <p:nvPr/>
+        </p:nvSpPr>
+        <p:spPr>
+          <a:xfrm>
+            <a:off x="2999794" y="2249695"/>
+            <a:ext cx="5059826" cy="45719"/>
+          </a:xfrm>
+          <a:prstGeom prst="rect">
+            <a:avLst/>
+          </a:prstGeom>
+          <a:solidFill>
+            <a:schemeClr val="bg1">
+              <a:lumMod val="85000"/>
+            </a:schemeClr>
+          </a:solidFill>
+          <a:ln>
+            <a:solidFill>
+              <a:schemeClr val="bg1">
+                <a:lumMod val="85000"/>
+              </a:schemeClr>
+            </a:solidFill>
+          </a:ln>
+        </p:spPr>
+        <p:style>
+          <a:lnRef idx="2">
+            <a:schemeClr val="accent1">
+              <a:shade val="50000"/>
+            </a:schemeClr>
+          </a:lnRef>
+          <a:fillRef idx="1">
+            <a:schemeClr val="accent1"/>
+          </a:fillRef>
+          <a:effectRef idx="0">
+            <a:schemeClr val="accent1"/>
+          </a:effectRef>
+          <a:fontRef idx="minor">
+            <a:schemeClr val="lt1"/>
+          </a:fontRef>
+        </p:style>
+        <p:txBody>
+          <a:bodyPr rtlCol="0" anchor="ctr"/>
+          <a:lstStyle/>
+          <a:p>
+            <a:pPr algn="ctr"/>
+            <a:endParaRPr lang="en-US"/>
+          </a:p>
+        </p:txBody>
+      </p:sp>
       <p:cxnSp>
         <p:nvCxnSpPr>
           <p:cNvPr id="313" name="Straight Connector 312">
@@ -22605,13 +22779,15 @@
               </a:ext>
             </a:extLst>
           </p:cNvPr>
-          <p:cNvCxnSpPr/>
+          <p:cNvCxnSpPr>
+            <a:cxnSpLocks/>
+          </p:cNvCxnSpPr>
           <p:nvPr/>
         </p:nvCxnSpPr>
         <p:spPr>
           <a:xfrm flipV="1">
-            <a:off x="4624441" y="1427132"/>
-            <a:ext cx="0" cy="2292467"/>
+            <a:off x="6570000" y="1122754"/>
+            <a:ext cx="2667" cy="1153671"/>
           </a:xfrm>
           <a:prstGeom prst="line">
             <a:avLst/>
@@ -22648,13 +22824,15 @@
               </a:ext>
             </a:extLst>
           </p:cNvPr>
-          <p:cNvCxnSpPr/>
+          <p:cNvCxnSpPr>
+            <a:cxnSpLocks/>
+          </p:cNvCxnSpPr>
           <p:nvPr/>
         </p:nvCxnSpPr>
         <p:spPr>
           <a:xfrm flipV="1">
-            <a:off x="4379053" y="1418338"/>
-            <a:ext cx="0" cy="2292467"/>
+            <a:off x="6327278" y="1113958"/>
+            <a:ext cx="0" cy="1044655"/>
           </a:xfrm>
           <a:prstGeom prst="line">
             <a:avLst/>
@@ -22662,6 +22840,536 @@
           <a:ln w="38100">
             <a:solidFill>
               <a:srgbClr val="FF0000"/>
+            </a:solidFill>
+          </a:ln>
+        </p:spPr>
+        <p:style>
+          <a:lnRef idx="1">
+            <a:schemeClr val="accent1"/>
+          </a:lnRef>
+          <a:fillRef idx="0">
+            <a:schemeClr val="accent1"/>
+          </a:fillRef>
+          <a:effectRef idx="0">
+            <a:schemeClr val="accent1"/>
+          </a:effectRef>
+          <a:fontRef idx="minor">
+            <a:schemeClr val="tx1"/>
+          </a:fontRef>
+        </p:style>
+      </p:cxnSp>
+      <p:cxnSp>
+        <p:nvCxnSpPr>
+          <p:cNvPr id="146" name="Straight Connector 145">
+            <a:extLst>
+              <a:ext uri="{FF2B5EF4-FFF2-40B4-BE49-F238E27FC236}">
+                <a16:creationId xmlns:a16="http://schemas.microsoft.com/office/drawing/2014/main" id="{FAFDB69C-2949-4688-BA5C-F896592EA0F4}"/>
+              </a:ext>
+            </a:extLst>
+          </p:cNvPr>
+          <p:cNvCxnSpPr>
+            <a:cxnSpLocks/>
+          </p:cNvCxnSpPr>
+          <p:nvPr/>
+        </p:nvCxnSpPr>
+        <p:spPr>
+          <a:xfrm flipV="1">
+            <a:off x="3787645" y="4681917"/>
+            <a:ext cx="77525" cy="1"/>
+          </a:xfrm>
+          <a:prstGeom prst="line">
+            <a:avLst/>
+          </a:prstGeom>
+          <a:ln w="38100">
+            <a:solidFill>
+              <a:srgbClr val="FF0000"/>
+            </a:solidFill>
+          </a:ln>
+        </p:spPr>
+        <p:style>
+          <a:lnRef idx="1">
+            <a:schemeClr val="accent1"/>
+          </a:lnRef>
+          <a:fillRef idx="0">
+            <a:schemeClr val="accent1"/>
+          </a:fillRef>
+          <a:effectRef idx="0">
+            <a:schemeClr val="accent1"/>
+          </a:effectRef>
+          <a:fontRef idx="minor">
+            <a:schemeClr val="tx1"/>
+          </a:fontRef>
+        </p:style>
+      </p:cxnSp>
+      <p:cxnSp>
+        <p:nvCxnSpPr>
+          <p:cNvPr id="150" name="Straight Connector 149">
+            <a:extLst>
+              <a:ext uri="{FF2B5EF4-FFF2-40B4-BE49-F238E27FC236}">
+                <a16:creationId xmlns:a16="http://schemas.microsoft.com/office/drawing/2014/main" id="{D931E59C-E0C8-4B08-9769-FDC37340D062}"/>
+              </a:ext>
+            </a:extLst>
+          </p:cNvPr>
+          <p:cNvCxnSpPr>
+            <a:cxnSpLocks/>
+          </p:cNvCxnSpPr>
+          <p:nvPr/>
+        </p:nvCxnSpPr>
+        <p:spPr>
+          <a:xfrm flipV="1">
+            <a:off x="3770572" y="5819205"/>
+            <a:ext cx="77525" cy="1"/>
+          </a:xfrm>
+          <a:prstGeom prst="line">
+            <a:avLst/>
+          </a:prstGeom>
+          <a:ln w="38100">
+            <a:solidFill>
+              <a:srgbClr val="FF0000"/>
+            </a:solidFill>
+          </a:ln>
+        </p:spPr>
+        <p:style>
+          <a:lnRef idx="1">
+            <a:schemeClr val="accent1"/>
+          </a:lnRef>
+          <a:fillRef idx="0">
+            <a:schemeClr val="accent1"/>
+          </a:fillRef>
+          <a:effectRef idx="0">
+            <a:schemeClr val="accent1"/>
+          </a:effectRef>
+          <a:fontRef idx="minor">
+            <a:schemeClr val="tx1"/>
+          </a:fontRef>
+        </p:style>
+      </p:cxnSp>
+      <p:cxnSp>
+        <p:nvCxnSpPr>
+          <p:cNvPr id="152" name="Straight Connector 151">
+            <a:extLst>
+              <a:ext uri="{FF2B5EF4-FFF2-40B4-BE49-F238E27FC236}">
+                <a16:creationId xmlns:a16="http://schemas.microsoft.com/office/drawing/2014/main" id="{E65B438B-929B-49AF-B99B-C51F3893A3F3}"/>
+              </a:ext>
+            </a:extLst>
+          </p:cNvPr>
+          <p:cNvCxnSpPr>
+            <a:cxnSpLocks/>
+          </p:cNvCxnSpPr>
+          <p:nvPr/>
+        </p:nvCxnSpPr>
+        <p:spPr>
+          <a:xfrm flipV="1">
+            <a:off x="3846672" y="2180773"/>
+            <a:ext cx="0" cy="3674373"/>
+          </a:xfrm>
+          <a:prstGeom prst="line">
+            <a:avLst/>
+          </a:prstGeom>
+          <a:ln w="38100">
+            <a:solidFill>
+              <a:srgbClr val="FF0000"/>
+            </a:solidFill>
+          </a:ln>
+        </p:spPr>
+        <p:style>
+          <a:lnRef idx="1">
+            <a:schemeClr val="accent1"/>
+          </a:lnRef>
+          <a:fillRef idx="0">
+            <a:schemeClr val="accent1"/>
+          </a:fillRef>
+          <a:effectRef idx="0">
+            <a:schemeClr val="accent1"/>
+          </a:effectRef>
+          <a:fontRef idx="minor">
+            <a:schemeClr val="tx1"/>
+          </a:fontRef>
+        </p:style>
+      </p:cxnSp>
+      <p:cxnSp>
+        <p:nvCxnSpPr>
+          <p:cNvPr id="153" name="Straight Connector 152">
+            <a:extLst>
+              <a:ext uri="{FF2B5EF4-FFF2-40B4-BE49-F238E27FC236}">
+                <a16:creationId xmlns:a16="http://schemas.microsoft.com/office/drawing/2014/main" id="{7F5F4023-CED5-47FE-BB6D-0F2983B0C04F}"/>
+              </a:ext>
+            </a:extLst>
+          </p:cNvPr>
+          <p:cNvCxnSpPr>
+            <a:cxnSpLocks/>
+          </p:cNvCxnSpPr>
+          <p:nvPr/>
+        </p:nvCxnSpPr>
+        <p:spPr>
+          <a:xfrm flipV="1">
+            <a:off x="3783434" y="4785865"/>
+            <a:ext cx="145144" cy="1"/>
+          </a:xfrm>
+          <a:prstGeom prst="line">
+            <a:avLst/>
+          </a:prstGeom>
+          <a:ln w="38100">
+            <a:solidFill>
+              <a:schemeClr val="bg1">
+                <a:lumMod val="50000"/>
+              </a:schemeClr>
+            </a:solidFill>
+          </a:ln>
+        </p:spPr>
+        <p:style>
+          <a:lnRef idx="1">
+            <a:schemeClr val="accent1"/>
+          </a:lnRef>
+          <a:fillRef idx="0">
+            <a:schemeClr val="accent1"/>
+          </a:fillRef>
+          <a:effectRef idx="0">
+            <a:schemeClr val="accent1"/>
+          </a:effectRef>
+          <a:fontRef idx="minor">
+            <a:schemeClr val="tx1"/>
+          </a:fontRef>
+        </p:style>
+      </p:cxnSp>
+      <p:cxnSp>
+        <p:nvCxnSpPr>
+          <p:cNvPr id="157" name="Straight Connector 156">
+            <a:extLst>
+              <a:ext uri="{FF2B5EF4-FFF2-40B4-BE49-F238E27FC236}">
+                <a16:creationId xmlns:a16="http://schemas.microsoft.com/office/drawing/2014/main" id="{40C5DD07-9350-4E26-BDC4-B8CE4191812F}"/>
+              </a:ext>
+            </a:extLst>
+          </p:cNvPr>
+          <p:cNvCxnSpPr>
+            <a:cxnSpLocks/>
+          </p:cNvCxnSpPr>
+          <p:nvPr/>
+        </p:nvCxnSpPr>
+        <p:spPr>
+          <a:xfrm flipV="1">
+            <a:off x="3774100" y="5923890"/>
+            <a:ext cx="145144" cy="1"/>
+          </a:xfrm>
+          <a:prstGeom prst="line">
+            <a:avLst/>
+          </a:prstGeom>
+          <a:ln w="38100">
+            <a:solidFill>
+              <a:schemeClr val="bg1">
+                <a:lumMod val="50000"/>
+              </a:schemeClr>
+            </a:solidFill>
+          </a:ln>
+        </p:spPr>
+        <p:style>
+          <a:lnRef idx="1">
+            <a:schemeClr val="accent1"/>
+          </a:lnRef>
+          <a:fillRef idx="0">
+            <a:schemeClr val="accent1"/>
+          </a:fillRef>
+          <a:effectRef idx="0">
+            <a:schemeClr val="accent1"/>
+          </a:effectRef>
+          <a:fontRef idx="minor">
+            <a:schemeClr val="tx1"/>
+          </a:fontRef>
+        </p:style>
+      </p:cxnSp>
+      <p:cxnSp>
+        <p:nvCxnSpPr>
+          <p:cNvPr id="159" name="Straight Connector 158">
+            <a:extLst>
+              <a:ext uri="{FF2B5EF4-FFF2-40B4-BE49-F238E27FC236}">
+                <a16:creationId xmlns:a16="http://schemas.microsoft.com/office/drawing/2014/main" id="{865A2A0C-AFD7-4717-8FA4-7BCF5A109B90}"/>
+              </a:ext>
+            </a:extLst>
+          </p:cNvPr>
+          <p:cNvCxnSpPr>
+            <a:cxnSpLocks/>
+          </p:cNvCxnSpPr>
+          <p:nvPr/>
+        </p:nvCxnSpPr>
+        <p:spPr>
+          <a:xfrm flipV="1">
+            <a:off x="3925691" y="2272388"/>
+            <a:ext cx="0" cy="3673308"/>
+          </a:xfrm>
+          <a:prstGeom prst="line">
+            <a:avLst/>
+          </a:prstGeom>
+          <a:ln w="38100">
+            <a:solidFill>
+              <a:schemeClr val="bg1">
+                <a:lumMod val="50000"/>
+              </a:schemeClr>
+            </a:solidFill>
+          </a:ln>
+        </p:spPr>
+        <p:style>
+          <a:lnRef idx="1">
+            <a:schemeClr val="accent1"/>
+          </a:lnRef>
+          <a:fillRef idx="0">
+            <a:schemeClr val="accent1"/>
+          </a:fillRef>
+          <a:effectRef idx="0">
+            <a:schemeClr val="accent1"/>
+          </a:effectRef>
+          <a:fontRef idx="minor">
+            <a:schemeClr val="tx1"/>
+          </a:fontRef>
+        </p:style>
+      </p:cxnSp>
+      <p:cxnSp>
+        <p:nvCxnSpPr>
+          <p:cNvPr id="160" name="Straight Connector 159">
+            <a:extLst>
+              <a:ext uri="{FF2B5EF4-FFF2-40B4-BE49-F238E27FC236}">
+                <a16:creationId xmlns:a16="http://schemas.microsoft.com/office/drawing/2014/main" id="{C30C5A61-F419-404F-97C8-4B3768805380}"/>
+              </a:ext>
+            </a:extLst>
+          </p:cNvPr>
+          <p:cNvCxnSpPr>
+            <a:cxnSpLocks/>
+          </p:cNvCxnSpPr>
+          <p:nvPr/>
+        </p:nvCxnSpPr>
+        <p:spPr>
+          <a:xfrm>
+            <a:off x="2376018" y="2166695"/>
+            <a:ext cx="690681" cy="1"/>
+          </a:xfrm>
+          <a:prstGeom prst="line">
+            <a:avLst/>
+          </a:prstGeom>
+          <a:ln w="38100">
+            <a:solidFill>
+              <a:srgbClr val="FF0000"/>
+            </a:solidFill>
+          </a:ln>
+        </p:spPr>
+        <p:style>
+          <a:lnRef idx="1">
+            <a:schemeClr val="accent1"/>
+          </a:lnRef>
+          <a:fillRef idx="0">
+            <a:schemeClr val="accent1"/>
+          </a:fillRef>
+          <a:effectRef idx="0">
+            <a:schemeClr val="accent1"/>
+          </a:effectRef>
+          <a:fontRef idx="minor">
+            <a:schemeClr val="tx1"/>
+          </a:fontRef>
+        </p:style>
+      </p:cxnSp>
+      <p:cxnSp>
+        <p:nvCxnSpPr>
+          <p:cNvPr id="164" name="Straight Connector 163">
+            <a:extLst>
+              <a:ext uri="{FF2B5EF4-FFF2-40B4-BE49-F238E27FC236}">
+                <a16:creationId xmlns:a16="http://schemas.microsoft.com/office/drawing/2014/main" id="{871EF2F9-53DD-4CEF-911A-3505EE08629F}"/>
+              </a:ext>
+            </a:extLst>
+          </p:cNvPr>
+          <p:cNvCxnSpPr>
+            <a:cxnSpLocks/>
+          </p:cNvCxnSpPr>
+          <p:nvPr/>
+        </p:nvCxnSpPr>
+        <p:spPr>
+          <a:xfrm flipV="1">
+            <a:off x="2391845" y="2283484"/>
+            <a:ext cx="687018" cy="6906"/>
+          </a:xfrm>
+          <a:prstGeom prst="line">
+            <a:avLst/>
+          </a:prstGeom>
+          <a:ln w="38100">
+            <a:solidFill>
+              <a:schemeClr val="bg1">
+                <a:lumMod val="50000"/>
+              </a:schemeClr>
+            </a:solidFill>
+          </a:ln>
+        </p:spPr>
+        <p:style>
+          <a:lnRef idx="1">
+            <a:schemeClr val="accent1"/>
+          </a:lnRef>
+          <a:fillRef idx="0">
+            <a:schemeClr val="accent1"/>
+          </a:fillRef>
+          <a:effectRef idx="0">
+            <a:schemeClr val="accent1"/>
+          </a:effectRef>
+          <a:fontRef idx="minor">
+            <a:schemeClr val="tx1"/>
+          </a:fontRef>
+        </p:style>
+      </p:cxnSp>
+      <p:cxnSp>
+        <p:nvCxnSpPr>
+          <p:cNvPr id="165" name="Straight Connector 164">
+            <a:extLst>
+              <a:ext uri="{FF2B5EF4-FFF2-40B4-BE49-F238E27FC236}">
+                <a16:creationId xmlns:a16="http://schemas.microsoft.com/office/drawing/2014/main" id="{CAA90050-A25D-4602-AEF8-06E81B03F368}"/>
+              </a:ext>
+            </a:extLst>
+          </p:cNvPr>
+          <p:cNvCxnSpPr>
+            <a:cxnSpLocks/>
+          </p:cNvCxnSpPr>
+          <p:nvPr/>
+        </p:nvCxnSpPr>
+        <p:spPr>
+          <a:xfrm flipV="1">
+            <a:off x="2408790" y="2144327"/>
+            <a:ext cx="0" cy="165486"/>
+          </a:xfrm>
+          <a:prstGeom prst="line">
+            <a:avLst/>
+          </a:prstGeom>
+          <a:ln w="38100">
+            <a:solidFill>
+              <a:schemeClr val="bg1">
+                <a:lumMod val="50000"/>
+              </a:schemeClr>
+            </a:solidFill>
+          </a:ln>
+        </p:spPr>
+        <p:style>
+          <a:lnRef idx="1">
+            <a:schemeClr val="accent1"/>
+          </a:lnRef>
+          <a:fillRef idx="0">
+            <a:schemeClr val="accent1"/>
+          </a:fillRef>
+          <a:effectRef idx="0">
+            <a:schemeClr val="accent1"/>
+          </a:effectRef>
+          <a:fontRef idx="minor">
+            <a:schemeClr val="tx1"/>
+          </a:fontRef>
+        </p:style>
+      </p:cxnSp>
+      <p:cxnSp>
+        <p:nvCxnSpPr>
+          <p:cNvPr id="168" name="Straight Connector 167">
+            <a:extLst>
+              <a:ext uri="{FF2B5EF4-FFF2-40B4-BE49-F238E27FC236}">
+                <a16:creationId xmlns:a16="http://schemas.microsoft.com/office/drawing/2014/main" id="{9E90DAC6-DABC-4ACF-9545-B3105989E926}"/>
+              </a:ext>
+            </a:extLst>
+          </p:cNvPr>
+          <p:cNvCxnSpPr>
+            <a:cxnSpLocks/>
+          </p:cNvCxnSpPr>
+          <p:nvPr/>
+        </p:nvCxnSpPr>
+        <p:spPr>
+          <a:xfrm>
+            <a:off x="8048467" y="2174005"/>
+            <a:ext cx="345341" cy="0"/>
+          </a:xfrm>
+          <a:prstGeom prst="line">
+            <a:avLst/>
+          </a:prstGeom>
+          <a:ln w="38100">
+            <a:solidFill>
+              <a:srgbClr val="FF0000"/>
+            </a:solidFill>
+          </a:ln>
+        </p:spPr>
+        <p:style>
+          <a:lnRef idx="1">
+            <a:schemeClr val="accent1"/>
+          </a:lnRef>
+          <a:fillRef idx="0">
+            <a:schemeClr val="accent1"/>
+          </a:fillRef>
+          <a:effectRef idx="0">
+            <a:schemeClr val="accent1"/>
+          </a:effectRef>
+          <a:fontRef idx="minor">
+            <a:schemeClr val="tx1"/>
+          </a:fontRef>
+        </p:style>
+      </p:cxnSp>
+      <p:cxnSp>
+        <p:nvCxnSpPr>
+          <p:cNvPr id="170" name="Straight Connector 169">
+            <a:extLst>
+              <a:ext uri="{FF2B5EF4-FFF2-40B4-BE49-F238E27FC236}">
+                <a16:creationId xmlns:a16="http://schemas.microsoft.com/office/drawing/2014/main" id="{837A820F-F5A4-4D53-8086-5E563BC02133}"/>
+              </a:ext>
+            </a:extLst>
+          </p:cNvPr>
+          <p:cNvCxnSpPr>
+            <a:cxnSpLocks/>
+          </p:cNvCxnSpPr>
+          <p:nvPr/>
+        </p:nvCxnSpPr>
+        <p:spPr>
+          <a:xfrm>
+            <a:off x="8048467" y="2272034"/>
+            <a:ext cx="378484" cy="0"/>
+          </a:xfrm>
+          <a:prstGeom prst="line">
+            <a:avLst/>
+          </a:prstGeom>
+          <a:ln w="38100">
+            <a:solidFill>
+              <a:schemeClr val="bg1">
+                <a:lumMod val="50000"/>
+              </a:schemeClr>
+            </a:solidFill>
+          </a:ln>
+        </p:spPr>
+        <p:style>
+          <a:lnRef idx="1">
+            <a:schemeClr val="accent1"/>
+          </a:lnRef>
+          <a:fillRef idx="0">
+            <a:schemeClr val="accent1"/>
+          </a:fillRef>
+          <a:effectRef idx="0">
+            <a:schemeClr val="accent1"/>
+          </a:effectRef>
+          <a:fontRef idx="minor">
+            <a:schemeClr val="tx1"/>
+          </a:fontRef>
+        </p:style>
+      </p:cxnSp>
+      <p:cxnSp>
+        <p:nvCxnSpPr>
+          <p:cNvPr id="172" name="Straight Connector 171">
+            <a:extLst>
+              <a:ext uri="{FF2B5EF4-FFF2-40B4-BE49-F238E27FC236}">
+                <a16:creationId xmlns:a16="http://schemas.microsoft.com/office/drawing/2014/main" id="{FA078E9A-6E39-46E0-B2F6-A8844234D5E1}"/>
+              </a:ext>
+            </a:extLst>
+          </p:cNvPr>
+          <p:cNvCxnSpPr>
+            <a:cxnSpLocks/>
+          </p:cNvCxnSpPr>
+          <p:nvPr/>
+        </p:nvCxnSpPr>
+        <p:spPr>
+          <a:xfrm flipV="1">
+            <a:off x="8404766" y="2151664"/>
+            <a:ext cx="0" cy="120370"/>
+          </a:xfrm>
+          <a:prstGeom prst="line">
+            <a:avLst/>
+          </a:prstGeom>
+          <a:ln w="38100">
+            <a:solidFill>
+              <a:schemeClr val="bg1">
+                <a:lumMod val="50000"/>
+              </a:schemeClr>
             </a:solidFill>
           </a:ln>
         </p:spPr>
